--- a/Mocking/Mocking.pptx
+++ b/Mocking/Mocking.pptx
@@ -10,11 +10,22 @@
     <p:sldId id="258" r:id="rId4"/>
     <p:sldId id="259" r:id="rId5"/>
     <p:sldId id="260" r:id="rId6"/>
-    <p:sldId id="261" r:id="rId7"/>
-    <p:sldId id="262" r:id="rId8"/>
-    <p:sldId id="263" r:id="rId9"/>
-    <p:sldId id="264" r:id="rId10"/>
-    <p:sldId id="265" r:id="rId11"/>
+    <p:sldId id="266" r:id="rId7"/>
+    <p:sldId id="261" r:id="rId8"/>
+    <p:sldId id="268" r:id="rId9"/>
+    <p:sldId id="269" r:id="rId10"/>
+    <p:sldId id="270" r:id="rId11"/>
+    <p:sldId id="262" r:id="rId12"/>
+    <p:sldId id="271" r:id="rId13"/>
+    <p:sldId id="272" r:id="rId14"/>
+    <p:sldId id="273" r:id="rId15"/>
+    <p:sldId id="274" r:id="rId16"/>
+    <p:sldId id="275" r:id="rId17"/>
+    <p:sldId id="276" r:id="rId18"/>
+    <p:sldId id="277" r:id="rId19"/>
+    <p:sldId id="263" r:id="rId20"/>
+    <p:sldId id="264" r:id="rId21"/>
+    <p:sldId id="265" r:id="rId22"/>
   </p:sldIdLst>
   <p:sldSz cx="12192000" cy="6858000"/>
   <p:notesSz cx="6858000" cy="9144000"/>
@@ -113,6 +124,11 @@
       </a:defRPr>
     </a:lvl9pPr>
   </p:defaultTextStyle>
+  <p:extLst>
+    <p:ext uri="{EFAFB233-063F-42B5-8137-9DF3F51BA10A}">
+      <p15:sldGuideLst xmlns:p15="http://schemas.microsoft.com/office/powerpoint/2012/main"/>
+    </p:ext>
+  </p:extLst>
 </p:presentation>
 </file>
 
@@ -267,7 +283,7 @@
           <a:p>
             <a:fld id="{B6D41BCC-AD73-4203-A5A6-E62EB28B0FE6}" type="datetimeFigureOut">
               <a:rPr lang="en-US" smtClean="0"/>
-              <a:t>8/14/2023</a:t>
+              <a:t>8/16/2023</a:t>
             </a:fld>
             <a:endParaRPr lang="en-US"/>
           </a:p>
@@ -475,7 +491,7 @@
           <a:p>
             <a:fld id="{B6D41BCC-AD73-4203-A5A6-E62EB28B0FE6}" type="datetimeFigureOut">
               <a:rPr lang="en-US" smtClean="0"/>
-              <a:t>8/14/2023</a:t>
+              <a:t>8/16/2023</a:t>
             </a:fld>
             <a:endParaRPr lang="en-US"/>
           </a:p>
@@ -683,7 +699,7 @@
           <a:p>
             <a:fld id="{B6D41BCC-AD73-4203-A5A6-E62EB28B0FE6}" type="datetimeFigureOut">
               <a:rPr lang="en-US" smtClean="0"/>
-              <a:t>8/14/2023</a:t>
+              <a:t>8/16/2023</a:t>
             </a:fld>
             <a:endParaRPr lang="en-US"/>
           </a:p>
@@ -881,7 +897,7 @@
           <a:p>
             <a:fld id="{B6D41BCC-AD73-4203-A5A6-E62EB28B0FE6}" type="datetimeFigureOut">
               <a:rPr lang="en-US" smtClean="0"/>
-              <a:t>8/14/2023</a:t>
+              <a:t>8/16/2023</a:t>
             </a:fld>
             <a:endParaRPr lang="en-US"/>
           </a:p>
@@ -1158,7 +1174,7 @@
           <a:p>
             <a:fld id="{B6D41BCC-AD73-4203-A5A6-E62EB28B0FE6}" type="datetimeFigureOut">
               <a:rPr lang="en-US" smtClean="0"/>
-              <a:t>8/14/2023</a:t>
+              <a:t>8/16/2023</a:t>
             </a:fld>
             <a:endParaRPr lang="en-US"/>
           </a:p>
@@ -1428,7 +1444,7 @@
           <a:p>
             <a:fld id="{B6D41BCC-AD73-4203-A5A6-E62EB28B0FE6}" type="datetimeFigureOut">
               <a:rPr lang="en-US" smtClean="0"/>
-              <a:t>8/14/2023</a:t>
+              <a:t>8/16/2023</a:t>
             </a:fld>
             <a:endParaRPr lang="en-US"/>
           </a:p>
@@ -1844,7 +1860,7 @@
           <a:p>
             <a:fld id="{B6D41BCC-AD73-4203-A5A6-E62EB28B0FE6}" type="datetimeFigureOut">
               <a:rPr lang="en-US" smtClean="0"/>
-              <a:t>8/14/2023</a:t>
+              <a:t>8/16/2023</a:t>
             </a:fld>
             <a:endParaRPr lang="en-US"/>
           </a:p>
@@ -1985,7 +2001,7 @@
           <a:p>
             <a:fld id="{B6D41BCC-AD73-4203-A5A6-E62EB28B0FE6}" type="datetimeFigureOut">
               <a:rPr lang="en-US" smtClean="0"/>
-              <a:t>8/14/2023</a:t>
+              <a:t>8/16/2023</a:t>
             </a:fld>
             <a:endParaRPr lang="en-US"/>
           </a:p>
@@ -2098,7 +2114,7 @@
           <a:p>
             <a:fld id="{B6D41BCC-AD73-4203-A5A6-E62EB28B0FE6}" type="datetimeFigureOut">
               <a:rPr lang="en-US" smtClean="0"/>
-              <a:t>8/14/2023</a:t>
+              <a:t>8/16/2023</a:t>
             </a:fld>
             <a:endParaRPr lang="en-US"/>
           </a:p>
@@ -2424,7 +2440,7 @@
           <a:p>
             <a:fld id="{B6D41BCC-AD73-4203-A5A6-E62EB28B0FE6}" type="datetimeFigureOut">
               <a:rPr lang="en-US" smtClean="0"/>
-              <a:t>8/14/2023</a:t>
+              <a:t>8/16/2023</a:t>
             </a:fld>
             <a:endParaRPr lang="en-US"/>
           </a:p>
@@ -2712,7 +2728,7 @@
           <a:p>
             <a:fld id="{B6D41BCC-AD73-4203-A5A6-E62EB28B0FE6}" type="datetimeFigureOut">
               <a:rPr lang="en-US" smtClean="0"/>
-              <a:t>8/14/2023</a:t>
+              <a:t>8/16/2023</a:t>
             </a:fld>
             <a:endParaRPr lang="en-US"/>
           </a:p>
@@ -2952,7 +2968,7 @@
             <a:fld id="{B6D41BCC-AD73-4203-A5A6-E62EB28B0FE6}" type="datetimeFigureOut">
               <a:rPr lang="en-US" smtClean="0"/>
               <a:pPr/>
-              <a:t>8/14/2023</a:t>
+              <a:t>8/16/2023</a:t>
             </a:fld>
             <a:endParaRPr lang="en-US"/>
           </a:p>
@@ -3741,77 +3757,125 @@
           <p:cNvPr id="2" name="Title 1">
             <a:extLst>
               <a:ext uri="{FF2B5EF4-FFF2-40B4-BE49-F238E27FC236}">
-                <a16:creationId xmlns:a16="http://schemas.microsoft.com/office/drawing/2014/main" id="{F94201CE-05FC-4F84-1CCB-6B4B4864A9A2}"/>
-              </a:ext>
-            </a:extLst>
-          </p:cNvPr>
-          <p:cNvSpPr>
-            <a:spLocks noGrp="1"/>
-          </p:cNvSpPr>
-          <p:nvPr>
-            <p:ph type="ctrTitle"/>
-          </p:nvPr>
-        </p:nvSpPr>
-        <p:spPr>
-          <a:xfrm>
-            <a:off x="1219200" y="5125144"/>
-            <a:ext cx="9334500" cy="771845"/>
-          </a:xfrm>
-        </p:spPr>
-        <p:txBody>
-          <a:bodyPr>
-            <a:normAutofit/>
-          </a:bodyPr>
-          <a:lstStyle/>
-          <a:p>
-            <a:r>
-              <a:rPr lang="en-US" sz="3200" dirty="0"/>
-              <a:t>The End</a:t>
-            </a:r>
-          </a:p>
-        </p:txBody>
-      </p:sp>
-      <p:sp>
-        <p:nvSpPr>
-          <p:cNvPr id="8" name="Subtitle 2">
-            <a:extLst>
-              <a:ext uri="{FF2B5EF4-FFF2-40B4-BE49-F238E27FC236}">
-                <a16:creationId xmlns:a16="http://schemas.microsoft.com/office/drawing/2014/main" id="{6D4893E4-C8BF-4FAD-8D6A-80BEA5802514}"/>
-              </a:ext>
-            </a:extLst>
-          </p:cNvPr>
-          <p:cNvSpPr>
-            <a:spLocks noGrp="1"/>
-          </p:cNvSpPr>
-          <p:nvPr>
-            <p:ph type="subTitle" idx="1"/>
-          </p:nvPr>
-        </p:nvSpPr>
-        <p:spPr>
-          <a:xfrm>
-            <a:off x="1219200" y="5970269"/>
-            <a:ext cx="9334500" cy="563187"/>
-          </a:xfrm>
-        </p:spPr>
-        <p:txBody>
-          <a:bodyPr>
-            <a:normAutofit fontScale="92500"/>
-          </a:bodyPr>
-          <a:lstStyle/>
-          <a:p>
-            <a:r>
-              <a:rPr lang="en-US" sz="1600" dirty="0"/>
-              <a:t>"The only way to do great work is to love what you do." - Steve Jobs</a:t>
+                <a16:creationId xmlns:a16="http://schemas.microsoft.com/office/drawing/2014/main" id="{B5BDC4BF-955A-B07B-2B72-43E97D880FBE}"/>
+              </a:ext>
+            </a:extLst>
+          </p:cNvPr>
+          <p:cNvSpPr>
+            <a:spLocks noGrp="1"/>
+          </p:cNvSpPr>
+          <p:nvPr>
+            <p:ph type="title"/>
+          </p:nvPr>
+        </p:nvSpPr>
+        <p:spPr/>
+        <p:txBody>
+          <a:bodyPr/>
+          <a:lstStyle/>
+          <a:p>
+            <a:r>
+              <a:rPr lang="en-US" dirty="0"/>
+              <a:t>Partial Stub</a:t>
             </a:r>
           </a:p>
         </p:txBody>
       </p:sp>
       <p:pic>
         <p:nvPicPr>
-          <p:cNvPr id="4" name="Picture 3" descr="Checkmate in a chess game">
-            <a:extLst>
-              <a:ext uri="{FF2B5EF4-FFF2-40B4-BE49-F238E27FC236}">
-                <a16:creationId xmlns:a16="http://schemas.microsoft.com/office/drawing/2014/main" id="{21619A00-9B60-0E14-9522-0ABA38ACD4C4}"/>
+          <p:cNvPr id="5" name="Picture 4">
+            <a:extLst>
+              <a:ext uri="{FF2B5EF4-FFF2-40B4-BE49-F238E27FC236}">
+                <a16:creationId xmlns:a16="http://schemas.microsoft.com/office/drawing/2014/main" id="{2028825D-CC56-5E40-9A16-D74E2F4BD30B}"/>
+              </a:ext>
+            </a:extLst>
+          </p:cNvPr>
+          <p:cNvPicPr>
+            <a:picLocks noChangeAspect="1"/>
+          </p:cNvPicPr>
+          <p:nvPr/>
+        </p:nvPicPr>
+        <p:blipFill>
+          <a:blip r:embed="rId2"/>
+          <a:stretch>
+            <a:fillRect/>
+          </a:stretch>
+        </p:blipFill>
+        <p:spPr>
+          <a:xfrm>
+            <a:off x="1662112" y="2590800"/>
+            <a:ext cx="8867775" cy="1676400"/>
+          </a:xfrm>
+          <a:prstGeom prst="rect">
+            <a:avLst/>
+          </a:prstGeom>
+        </p:spPr>
+      </p:pic>
+      <p:pic>
+        <p:nvPicPr>
+          <p:cNvPr id="7" name="Picture 6">
+            <a:extLst>
+              <a:ext uri="{FF2B5EF4-FFF2-40B4-BE49-F238E27FC236}">
+                <a16:creationId xmlns:a16="http://schemas.microsoft.com/office/drawing/2014/main" id="{57AB8A5E-6103-617D-CAEA-28C226AF25BF}"/>
+              </a:ext>
+            </a:extLst>
+          </p:cNvPr>
+          <p:cNvPicPr>
+            <a:picLocks noChangeAspect="1"/>
+          </p:cNvPicPr>
+          <p:nvPr/>
+        </p:nvPicPr>
+        <p:blipFill>
+          <a:blip r:embed="rId3"/>
+          <a:stretch>
+            <a:fillRect/>
+          </a:stretch>
+        </p:blipFill>
+        <p:spPr>
+          <a:xfrm>
+            <a:off x="1638297" y="4341379"/>
+            <a:ext cx="8277225" cy="1962150"/>
+          </a:xfrm>
+          <a:prstGeom prst="rect">
+            <a:avLst/>
+          </a:prstGeom>
+        </p:spPr>
+      </p:pic>
+    </p:spTree>
+    <p:extLst>
+      <p:ext uri="{BB962C8B-B14F-4D97-AF65-F5344CB8AC3E}">
+        <p14:creationId xmlns:p14="http://schemas.microsoft.com/office/powerpoint/2010/main" val="416040766"/>
+      </p:ext>
+    </p:extLst>
+  </p:cSld>
+  <p:clrMapOvr>
+    <a:masterClrMapping/>
+  </p:clrMapOvr>
+</p:sld>
+</file>
+
+<file path=ppt/slides/slide11.xml><?xml version="1.0" encoding="utf-8"?>
+<p:sld xmlns:a="http://schemas.openxmlformats.org/drawingml/2006/main" xmlns:r="http://schemas.openxmlformats.org/officeDocument/2006/relationships" xmlns:p="http://schemas.openxmlformats.org/presentationml/2006/main">
+  <p:cSld>
+    <p:spTree>
+      <p:nvGrpSpPr>
+        <p:cNvPr id="1" name=""/>
+        <p:cNvGrpSpPr/>
+        <p:nvPr/>
+      </p:nvGrpSpPr>
+      <p:grpSpPr>
+        <a:xfrm>
+          <a:off x="0" y="0"/>
+          <a:ext cx="0" cy="0"/>
+          <a:chOff x="0" y="0"/>
+          <a:chExt cx="0" cy="0"/>
+        </a:xfrm>
+      </p:grpSpPr>
+      <p:pic>
+        <p:nvPicPr>
+          <p:cNvPr id="15" name="Picture 14" descr="A collection of different shapes&#10;&#10;Description automatically generated">
+            <a:extLst>
+              <a:ext uri="{FF2B5EF4-FFF2-40B4-BE49-F238E27FC236}">
+                <a16:creationId xmlns:a16="http://schemas.microsoft.com/office/drawing/2014/main" id="{B188FFE4-043B-25AF-F104-282222F48CB0}"/>
               </a:ext>
             </a:extLst>
           </p:cNvPr>
@@ -3822,13 +3886,13 @@
         </p:nvPicPr>
         <p:blipFill rotWithShape="1">
           <a:blip r:embed="rId2"/>
-          <a:srcRect t="46993" b="1026"/>
+          <a:srcRect l="4832" r="10559"/>
           <a:stretch/>
         </p:blipFill>
         <p:spPr>
           <a:xfrm>
-            <a:off x="20" y="10"/>
-            <a:ext cx="12191980" cy="4800590"/>
+            <a:off x="20" y="-2"/>
+            <a:ext cx="8115280" cy="6858001"/>
           </a:xfrm>
           <a:prstGeom prst="rect">
             <a:avLst/>
@@ -3838,10 +3902,78 @@
       </p:pic>
       <p:sp>
         <p:nvSpPr>
-          <p:cNvPr id="10" name="Date Placeholder 3">
-            <a:extLst>
-              <a:ext uri="{FF2B5EF4-FFF2-40B4-BE49-F238E27FC236}">
-                <a16:creationId xmlns:a16="http://schemas.microsoft.com/office/drawing/2014/main" id="{136942C3-91AC-4FA1-824B-F446C8709FDA}"/>
+          <p:cNvPr id="2" name="Title 1">
+            <a:extLst>
+              <a:ext uri="{FF2B5EF4-FFF2-40B4-BE49-F238E27FC236}">
+                <a16:creationId xmlns:a16="http://schemas.microsoft.com/office/drawing/2014/main" id="{D44A398F-49F1-297C-03C0-86AFC840A345}"/>
+              </a:ext>
+            </a:extLst>
+          </p:cNvPr>
+          <p:cNvSpPr>
+            <a:spLocks noGrp="1"/>
+          </p:cNvSpPr>
+          <p:nvPr>
+            <p:ph type="ctrTitle"/>
+          </p:nvPr>
+        </p:nvSpPr>
+        <p:spPr>
+          <a:xfrm>
+            <a:off x="4038600" y="2502489"/>
+            <a:ext cx="3314700" cy="1853023"/>
+          </a:xfrm>
+        </p:spPr>
+        <p:txBody>
+          <a:bodyPr anchor="ctr">
+            <a:normAutofit/>
+          </a:bodyPr>
+          <a:lstStyle/>
+          <a:p>
+            <a:r>
+              <a:rPr lang="en-US" sz="3200" dirty="0" err="1"/>
+              <a:t>FakeItEasy</a:t>
+            </a:r>
+            <a:endParaRPr lang="en-US" sz="3200" dirty="0"/>
+          </a:p>
+        </p:txBody>
+      </p:sp>
+      <p:sp>
+        <p:nvSpPr>
+          <p:cNvPr id="19" name="Subtitle 2">
+            <a:extLst>
+              <a:ext uri="{FF2B5EF4-FFF2-40B4-BE49-F238E27FC236}">
+                <a16:creationId xmlns:a16="http://schemas.microsoft.com/office/drawing/2014/main" id="{31A16E05-71A5-4BEB-9E57-08F801A77853}"/>
+              </a:ext>
+            </a:extLst>
+          </p:cNvPr>
+          <p:cNvSpPr>
+            <a:spLocks noGrp="1"/>
+          </p:cNvSpPr>
+          <p:nvPr>
+            <p:ph type="subTitle" idx="1"/>
+          </p:nvPr>
+        </p:nvSpPr>
+        <p:spPr>
+          <a:xfrm>
+            <a:off x="8660055" y="2502489"/>
+            <a:ext cx="2289028" cy="1853023"/>
+          </a:xfrm>
+        </p:spPr>
+        <p:txBody>
+          <a:bodyPr anchor="ctr">
+            <a:normAutofit/>
+          </a:bodyPr>
+          <a:lstStyle/>
+          <a:p>
+            <a:endParaRPr lang="en-US" sz="1600" dirty="0"/>
+          </a:p>
+        </p:txBody>
+      </p:sp>
+      <p:sp>
+        <p:nvSpPr>
+          <p:cNvPr id="9" name="Date Placeholder 3">
+            <a:extLst>
+              <a:ext uri="{FF2B5EF4-FFF2-40B4-BE49-F238E27FC236}">
+                <a16:creationId xmlns:a16="http://schemas.microsoft.com/office/drawing/2014/main" id="{C04CEF74-E26D-4E0B-A195-FA813119FE38}"/>
               </a:ext>
             </a:extLst>
           </p:cNvPr>
@@ -3859,7 +3991,9 @@
           </a:xfrm>
         </p:spPr>
         <p:txBody>
-          <a:bodyPr/>
+          <a:bodyPr>
+            <a:normAutofit/>
+          </a:bodyPr>
           <a:lstStyle/>
           <a:p>
             <a:pPr>
@@ -3867,7 +4001,1136 @@
                 <a:spcPts val="600"/>
               </a:spcAft>
             </a:pPr>
-            <a:fld id="{FB4A9B4C-7DF1-4A5F-B23B-BBFA693F2DE5}" type="datetime1">
+            <a:fld id="{6F6F7A39-68A7-4893-A9DB-DDE788E6BFBA}" type="datetime1">
+              <a:rPr lang="en-US">
+                <a:solidFill>
+                  <a:srgbClr val="FFFFFF"/>
+                </a:solidFill>
+              </a:rPr>
+              <a:pPr>
+                <a:spcAft>
+                  <a:spcPts val="600"/>
+                </a:spcAft>
+              </a:pPr>
+              <a:t>8/16/2023</a:t>
+            </a:fld>
+            <a:endParaRPr lang="en-US">
+              <a:solidFill>
+                <a:srgbClr val="FFFFFF"/>
+              </a:solidFill>
+            </a:endParaRPr>
+          </a:p>
+        </p:txBody>
+      </p:sp>
+      <p:sp>
+        <p:nvSpPr>
+          <p:cNvPr id="11" name="Footer Placeholder 4">
+            <a:extLst>
+              <a:ext uri="{FF2B5EF4-FFF2-40B4-BE49-F238E27FC236}">
+                <a16:creationId xmlns:a16="http://schemas.microsoft.com/office/drawing/2014/main" id="{FC75CE3D-0138-4DAF-951A-29762735BBA8}"/>
+              </a:ext>
+            </a:extLst>
+          </p:cNvPr>
+          <p:cNvSpPr>
+            <a:spLocks noGrp="1"/>
+          </p:cNvSpPr>
+          <p:nvPr>
+            <p:ph type="ftr" sz="quarter" idx="11"/>
+          </p:nvPr>
+        </p:nvSpPr>
+        <p:spPr>
+          <a:xfrm rot="5400000">
+            <a:off x="10118764" y="4237870"/>
+            <a:ext cx="3344053" cy="365125"/>
+          </a:xfrm>
+        </p:spPr>
+        <p:txBody>
+          <a:bodyPr>
+            <a:normAutofit/>
+          </a:bodyPr>
+          <a:lstStyle/>
+          <a:p>
+            <a:pPr>
+              <a:spcAft>
+                <a:spcPts val="600"/>
+              </a:spcAft>
+            </a:pPr>
+            <a:r>
+              <a:rPr lang="en-US"/>
+              <a:t>Sample Footer Text</a:t>
+            </a:r>
+          </a:p>
+        </p:txBody>
+      </p:sp>
+      <p:sp>
+        <p:nvSpPr>
+          <p:cNvPr id="13" name="Slide Number Placeholder 5">
+            <a:extLst>
+              <a:ext uri="{FF2B5EF4-FFF2-40B4-BE49-F238E27FC236}">
+                <a16:creationId xmlns:a16="http://schemas.microsoft.com/office/drawing/2014/main" id="{90DD770C-4867-427E-B618-999618B9AA3E}"/>
+              </a:ext>
+            </a:extLst>
+          </p:cNvPr>
+          <p:cNvSpPr>
+            <a:spLocks noGrp="1"/>
+          </p:cNvSpPr>
+          <p:nvPr>
+            <p:ph type="sldNum" sz="quarter" idx="12"/>
+          </p:nvPr>
+        </p:nvSpPr>
+        <p:spPr>
+          <a:xfrm>
+            <a:off x="11228877" y="6319138"/>
+            <a:ext cx="710647" cy="365125"/>
+          </a:xfrm>
+        </p:spPr>
+        <p:txBody>
+          <a:bodyPr>
+            <a:normAutofit/>
+          </a:bodyPr>
+          <a:lstStyle/>
+          <a:p>
+            <a:pPr>
+              <a:spcAft>
+                <a:spcPts val="600"/>
+              </a:spcAft>
+            </a:pPr>
+            <a:fld id="{CB43FFD5-6656-4C69-9CDD-D1B69A112D7A}" type="slidenum">
+              <a:rPr lang="en-US" smtClean="0"/>
+              <a:pPr>
+                <a:spcAft>
+                  <a:spcPts val="600"/>
+                </a:spcAft>
+              </a:pPr>
+              <a:t>11</a:t>
+            </a:fld>
+            <a:endParaRPr lang="en-US"/>
+          </a:p>
+        </p:txBody>
+      </p:sp>
+    </p:spTree>
+    <p:extLst>
+      <p:ext uri="{BB962C8B-B14F-4D97-AF65-F5344CB8AC3E}">
+        <p14:creationId xmlns:p14="http://schemas.microsoft.com/office/powerpoint/2010/main" val="3117752766"/>
+      </p:ext>
+    </p:extLst>
+  </p:cSld>
+  <p:clrMapOvr>
+    <a:masterClrMapping/>
+  </p:clrMapOvr>
+</p:sld>
+</file>
+
+<file path=ppt/slides/slide12.xml><?xml version="1.0" encoding="utf-8"?>
+<p:sld xmlns:a="http://schemas.openxmlformats.org/drawingml/2006/main" xmlns:r="http://schemas.openxmlformats.org/officeDocument/2006/relationships" xmlns:p="http://schemas.openxmlformats.org/presentationml/2006/main">
+  <p:cSld>
+    <p:spTree>
+      <p:nvGrpSpPr>
+        <p:cNvPr id="1" name=""/>
+        <p:cNvGrpSpPr/>
+        <p:nvPr/>
+      </p:nvGrpSpPr>
+      <p:grpSpPr>
+        <a:xfrm>
+          <a:off x="0" y="0"/>
+          <a:ext cx="0" cy="0"/>
+          <a:chOff x="0" y="0"/>
+          <a:chExt cx="0" cy="0"/>
+        </a:xfrm>
+      </p:grpSpPr>
+      <p:sp>
+        <p:nvSpPr>
+          <p:cNvPr id="2" name="Title 1">
+            <a:extLst>
+              <a:ext uri="{FF2B5EF4-FFF2-40B4-BE49-F238E27FC236}">
+                <a16:creationId xmlns:a16="http://schemas.microsoft.com/office/drawing/2014/main" id="{A5165718-5CB0-E317-C4F1-83F860204344}"/>
+              </a:ext>
+            </a:extLst>
+          </p:cNvPr>
+          <p:cNvSpPr>
+            <a:spLocks noGrp="1"/>
+          </p:cNvSpPr>
+          <p:nvPr>
+            <p:ph type="title"/>
+          </p:nvPr>
+        </p:nvSpPr>
+        <p:spPr/>
+        <p:txBody>
+          <a:bodyPr/>
+          <a:lstStyle/>
+          <a:p>
+            <a:r>
+              <a:rPr lang="en-US" dirty="0"/>
+              <a:t>Flexible</a:t>
+            </a:r>
+          </a:p>
+        </p:txBody>
+      </p:sp>
+      <p:sp>
+        <p:nvSpPr>
+          <p:cNvPr id="3" name="Content Placeholder 2">
+            <a:extLst>
+              <a:ext uri="{FF2B5EF4-FFF2-40B4-BE49-F238E27FC236}">
+                <a16:creationId xmlns:a16="http://schemas.microsoft.com/office/drawing/2014/main" id="{B4D5421E-F220-B268-1DED-9ED8A2FE4DDC}"/>
+              </a:ext>
+            </a:extLst>
+          </p:cNvPr>
+          <p:cNvSpPr>
+            <a:spLocks noGrp="1"/>
+          </p:cNvSpPr>
+          <p:nvPr>
+            <p:ph idx="1"/>
+          </p:nvPr>
+        </p:nvSpPr>
+        <p:spPr/>
+        <p:txBody>
+          <a:bodyPr/>
+          <a:lstStyle/>
+          <a:p>
+            <a:endParaRPr lang="en-US"/>
+          </a:p>
+        </p:txBody>
+      </p:sp>
+      <p:pic>
+        <p:nvPicPr>
+          <p:cNvPr id="5" name="Picture 4">
+            <a:extLst>
+              <a:ext uri="{FF2B5EF4-FFF2-40B4-BE49-F238E27FC236}">
+                <a16:creationId xmlns:a16="http://schemas.microsoft.com/office/drawing/2014/main" id="{E51961FD-8658-5E51-0913-754056574619}"/>
+              </a:ext>
+            </a:extLst>
+          </p:cNvPr>
+          <p:cNvPicPr>
+            <a:picLocks noChangeAspect="1"/>
+          </p:cNvPicPr>
+          <p:nvPr/>
+        </p:nvPicPr>
+        <p:blipFill>
+          <a:blip r:embed="rId2"/>
+          <a:stretch>
+            <a:fillRect/>
+          </a:stretch>
+        </p:blipFill>
+        <p:spPr>
+          <a:xfrm>
+            <a:off x="2524125" y="2800350"/>
+            <a:ext cx="7143750" cy="1257300"/>
+          </a:xfrm>
+          <a:prstGeom prst="rect">
+            <a:avLst/>
+          </a:prstGeom>
+        </p:spPr>
+      </p:pic>
+    </p:spTree>
+    <p:extLst>
+      <p:ext uri="{BB962C8B-B14F-4D97-AF65-F5344CB8AC3E}">
+        <p14:creationId xmlns:p14="http://schemas.microsoft.com/office/powerpoint/2010/main" val="1284070440"/>
+      </p:ext>
+    </p:extLst>
+  </p:cSld>
+  <p:clrMapOvr>
+    <a:masterClrMapping/>
+  </p:clrMapOvr>
+</p:sld>
+</file>
+
+<file path=ppt/slides/slide13.xml><?xml version="1.0" encoding="utf-8"?>
+<p:sld xmlns:a="http://schemas.openxmlformats.org/drawingml/2006/main" xmlns:r="http://schemas.openxmlformats.org/officeDocument/2006/relationships" xmlns:p="http://schemas.openxmlformats.org/presentationml/2006/main">
+  <p:cSld>
+    <p:spTree>
+      <p:nvGrpSpPr>
+        <p:cNvPr id="1" name=""/>
+        <p:cNvGrpSpPr/>
+        <p:nvPr/>
+      </p:nvGrpSpPr>
+      <p:grpSpPr>
+        <a:xfrm>
+          <a:off x="0" y="0"/>
+          <a:ext cx="0" cy="0"/>
+          <a:chOff x="0" y="0"/>
+          <a:chExt cx="0" cy="0"/>
+        </a:xfrm>
+      </p:grpSpPr>
+      <p:sp>
+        <p:nvSpPr>
+          <p:cNvPr id="2" name="Title 1">
+            <a:extLst>
+              <a:ext uri="{FF2B5EF4-FFF2-40B4-BE49-F238E27FC236}">
+                <a16:creationId xmlns:a16="http://schemas.microsoft.com/office/drawing/2014/main" id="{500BDB4F-BB78-68E4-A00D-8530EA500CC2}"/>
+              </a:ext>
+            </a:extLst>
+          </p:cNvPr>
+          <p:cNvSpPr>
+            <a:spLocks noGrp="1"/>
+          </p:cNvSpPr>
+          <p:nvPr>
+            <p:ph type="title"/>
+          </p:nvPr>
+        </p:nvSpPr>
+        <p:spPr/>
+        <p:txBody>
+          <a:bodyPr/>
+          <a:lstStyle/>
+          <a:p>
+            <a:r>
+              <a:rPr lang="en-US"/>
+              <a:t>Specifying call to any method</a:t>
+            </a:r>
+            <a:endParaRPr lang="en-US" dirty="0"/>
+          </a:p>
+        </p:txBody>
+      </p:sp>
+      <p:sp>
+        <p:nvSpPr>
+          <p:cNvPr id="3" name="Content Placeholder 2">
+            <a:extLst>
+              <a:ext uri="{FF2B5EF4-FFF2-40B4-BE49-F238E27FC236}">
+                <a16:creationId xmlns:a16="http://schemas.microsoft.com/office/drawing/2014/main" id="{EF282EA0-4F68-D07D-D179-4F2C2C567B97}"/>
+              </a:ext>
+            </a:extLst>
+          </p:cNvPr>
+          <p:cNvSpPr>
+            <a:spLocks noGrp="1"/>
+          </p:cNvSpPr>
+          <p:nvPr>
+            <p:ph idx="1"/>
+          </p:nvPr>
+        </p:nvSpPr>
+        <p:spPr/>
+        <p:txBody>
+          <a:bodyPr/>
+          <a:lstStyle/>
+          <a:p>
+            <a:endParaRPr lang="en-US"/>
+          </a:p>
+        </p:txBody>
+      </p:sp>
+      <p:pic>
+        <p:nvPicPr>
+          <p:cNvPr id="5" name="Picture 4">
+            <a:extLst>
+              <a:ext uri="{FF2B5EF4-FFF2-40B4-BE49-F238E27FC236}">
+                <a16:creationId xmlns:a16="http://schemas.microsoft.com/office/drawing/2014/main" id="{0DBC1BE8-98F6-6C05-7B12-1D825F1B0A18}"/>
+              </a:ext>
+            </a:extLst>
+          </p:cNvPr>
+          <p:cNvPicPr>
+            <a:picLocks noChangeAspect="1"/>
+          </p:cNvPicPr>
+          <p:nvPr/>
+        </p:nvPicPr>
+        <p:blipFill>
+          <a:blip r:embed="rId2"/>
+          <a:stretch>
+            <a:fillRect/>
+          </a:stretch>
+        </p:blipFill>
+        <p:spPr>
+          <a:xfrm>
+            <a:off x="2357919" y="2530592"/>
+            <a:ext cx="7258050" cy="3190875"/>
+          </a:xfrm>
+          <a:prstGeom prst="rect">
+            <a:avLst/>
+          </a:prstGeom>
+        </p:spPr>
+      </p:pic>
+    </p:spTree>
+    <p:extLst>
+      <p:ext uri="{BB962C8B-B14F-4D97-AF65-F5344CB8AC3E}">
+        <p14:creationId xmlns:p14="http://schemas.microsoft.com/office/powerpoint/2010/main" val="4270483998"/>
+      </p:ext>
+    </p:extLst>
+  </p:cSld>
+  <p:clrMapOvr>
+    <a:masterClrMapping/>
+  </p:clrMapOvr>
+</p:sld>
+</file>
+
+<file path=ppt/slides/slide14.xml><?xml version="1.0" encoding="utf-8"?>
+<p:sld xmlns:a="http://schemas.openxmlformats.org/drawingml/2006/main" xmlns:r="http://schemas.openxmlformats.org/officeDocument/2006/relationships" xmlns:p="http://schemas.openxmlformats.org/presentationml/2006/main">
+  <p:cSld>
+    <p:spTree>
+      <p:nvGrpSpPr>
+        <p:cNvPr id="1" name=""/>
+        <p:cNvGrpSpPr/>
+        <p:nvPr/>
+      </p:nvGrpSpPr>
+      <p:grpSpPr>
+        <a:xfrm>
+          <a:off x="0" y="0"/>
+          <a:ext cx="0" cy="0"/>
+          <a:chOff x="0" y="0"/>
+          <a:chExt cx="0" cy="0"/>
+        </a:xfrm>
+      </p:grpSpPr>
+      <p:sp>
+        <p:nvSpPr>
+          <p:cNvPr id="2" name="Title 1">
+            <a:extLst>
+              <a:ext uri="{FF2B5EF4-FFF2-40B4-BE49-F238E27FC236}">
+                <a16:creationId xmlns:a16="http://schemas.microsoft.com/office/drawing/2014/main" id="{3666744D-5839-FBA4-030E-7F0CD0FD6FA6}"/>
+              </a:ext>
+            </a:extLst>
+          </p:cNvPr>
+          <p:cNvSpPr>
+            <a:spLocks noGrp="1"/>
+          </p:cNvSpPr>
+          <p:nvPr>
+            <p:ph type="title"/>
+          </p:nvPr>
+        </p:nvSpPr>
+        <p:spPr/>
+        <p:txBody>
+          <a:bodyPr/>
+          <a:lstStyle/>
+          <a:p>
+            <a:r>
+              <a:rPr lang="en-US" dirty="0"/>
+              <a:t>Setup protected properties</a:t>
+            </a:r>
+          </a:p>
+        </p:txBody>
+      </p:sp>
+      <p:sp>
+        <p:nvSpPr>
+          <p:cNvPr id="3" name="Content Placeholder 2">
+            <a:extLst>
+              <a:ext uri="{FF2B5EF4-FFF2-40B4-BE49-F238E27FC236}">
+                <a16:creationId xmlns:a16="http://schemas.microsoft.com/office/drawing/2014/main" id="{2E920302-E19A-52AC-11EB-BD7E0CE21C6E}"/>
+              </a:ext>
+            </a:extLst>
+          </p:cNvPr>
+          <p:cNvSpPr>
+            <a:spLocks noGrp="1"/>
+          </p:cNvSpPr>
+          <p:nvPr>
+            <p:ph idx="1"/>
+          </p:nvPr>
+        </p:nvSpPr>
+        <p:spPr/>
+        <p:txBody>
+          <a:bodyPr/>
+          <a:lstStyle/>
+          <a:p>
+            <a:endParaRPr lang="en-US" dirty="0"/>
+          </a:p>
+        </p:txBody>
+      </p:sp>
+      <p:pic>
+        <p:nvPicPr>
+          <p:cNvPr id="5" name="Picture 4">
+            <a:extLst>
+              <a:ext uri="{FF2B5EF4-FFF2-40B4-BE49-F238E27FC236}">
+                <a16:creationId xmlns:a16="http://schemas.microsoft.com/office/drawing/2014/main" id="{BFEC7555-A8ED-F6C0-8AC5-E6642E349BED}"/>
+              </a:ext>
+            </a:extLst>
+          </p:cNvPr>
+          <p:cNvPicPr>
+            <a:picLocks noChangeAspect="1"/>
+          </p:cNvPicPr>
+          <p:nvPr/>
+        </p:nvPicPr>
+        <p:blipFill>
+          <a:blip r:embed="rId2"/>
+          <a:stretch>
+            <a:fillRect/>
+          </a:stretch>
+        </p:blipFill>
+        <p:spPr>
+          <a:xfrm>
+            <a:off x="2165638" y="2900362"/>
+            <a:ext cx="7029450" cy="1057275"/>
+          </a:xfrm>
+          <a:prstGeom prst="rect">
+            <a:avLst/>
+          </a:prstGeom>
+        </p:spPr>
+      </p:pic>
+    </p:spTree>
+    <p:extLst>
+      <p:ext uri="{BB962C8B-B14F-4D97-AF65-F5344CB8AC3E}">
+        <p14:creationId xmlns:p14="http://schemas.microsoft.com/office/powerpoint/2010/main" val="1102199513"/>
+      </p:ext>
+    </p:extLst>
+  </p:cSld>
+  <p:clrMapOvr>
+    <a:masterClrMapping/>
+  </p:clrMapOvr>
+</p:sld>
+</file>
+
+<file path=ppt/slides/slide15.xml><?xml version="1.0" encoding="utf-8"?>
+<p:sld xmlns:a="http://schemas.openxmlformats.org/drawingml/2006/main" xmlns:r="http://schemas.openxmlformats.org/officeDocument/2006/relationships" xmlns:p="http://schemas.openxmlformats.org/presentationml/2006/main">
+  <p:cSld>
+    <p:spTree>
+      <p:nvGrpSpPr>
+        <p:cNvPr id="1" name=""/>
+        <p:cNvGrpSpPr/>
+        <p:nvPr/>
+      </p:nvGrpSpPr>
+      <p:grpSpPr>
+        <a:xfrm>
+          <a:off x="0" y="0"/>
+          <a:ext cx="0" cy="0"/>
+          <a:chOff x="0" y="0"/>
+          <a:chExt cx="0" cy="0"/>
+        </a:xfrm>
+      </p:grpSpPr>
+      <p:sp>
+        <p:nvSpPr>
+          <p:cNvPr id="2" name="Title 1">
+            <a:extLst>
+              <a:ext uri="{FF2B5EF4-FFF2-40B4-BE49-F238E27FC236}">
+                <a16:creationId xmlns:a16="http://schemas.microsoft.com/office/drawing/2014/main" id="{69BAA4B6-CE37-C038-3DAF-42C1DFF6FF4C}"/>
+              </a:ext>
+            </a:extLst>
+          </p:cNvPr>
+          <p:cNvSpPr>
+            <a:spLocks noGrp="1"/>
+          </p:cNvSpPr>
+          <p:nvPr>
+            <p:ph type="title"/>
+          </p:nvPr>
+        </p:nvSpPr>
+        <p:spPr/>
+        <p:txBody>
+          <a:bodyPr/>
+          <a:lstStyle/>
+          <a:p>
+            <a:r>
+              <a:rPr lang="en-US" dirty="0"/>
+              <a:t>Strict mock, will throw if called unconfigured members</a:t>
+            </a:r>
+          </a:p>
+        </p:txBody>
+      </p:sp>
+      <p:sp>
+        <p:nvSpPr>
+          <p:cNvPr id="3" name="Content Placeholder 2">
+            <a:extLst>
+              <a:ext uri="{FF2B5EF4-FFF2-40B4-BE49-F238E27FC236}">
+                <a16:creationId xmlns:a16="http://schemas.microsoft.com/office/drawing/2014/main" id="{A377E69D-B457-63DD-4422-124A8023CEA0}"/>
+              </a:ext>
+            </a:extLst>
+          </p:cNvPr>
+          <p:cNvSpPr>
+            <a:spLocks noGrp="1"/>
+          </p:cNvSpPr>
+          <p:nvPr>
+            <p:ph idx="1"/>
+          </p:nvPr>
+        </p:nvSpPr>
+        <p:spPr/>
+        <p:txBody>
+          <a:bodyPr/>
+          <a:lstStyle/>
+          <a:p>
+            <a:endParaRPr lang="en-US" dirty="0"/>
+          </a:p>
+        </p:txBody>
+      </p:sp>
+      <p:pic>
+        <p:nvPicPr>
+          <p:cNvPr id="5" name="Picture 4">
+            <a:extLst>
+              <a:ext uri="{FF2B5EF4-FFF2-40B4-BE49-F238E27FC236}">
+                <a16:creationId xmlns:a16="http://schemas.microsoft.com/office/drawing/2014/main" id="{B6DCB9C0-1C7B-0819-F290-C1DEE12B493A}"/>
+              </a:ext>
+            </a:extLst>
+          </p:cNvPr>
+          <p:cNvPicPr>
+            <a:picLocks noChangeAspect="1"/>
+          </p:cNvPicPr>
+          <p:nvPr/>
+        </p:nvPicPr>
+        <p:blipFill>
+          <a:blip r:embed="rId2"/>
+          <a:stretch>
+            <a:fillRect/>
+          </a:stretch>
+        </p:blipFill>
+        <p:spPr>
+          <a:xfrm>
+            <a:off x="4157662" y="3200400"/>
+            <a:ext cx="3876675" cy="457200"/>
+          </a:xfrm>
+          <a:prstGeom prst="rect">
+            <a:avLst/>
+          </a:prstGeom>
+        </p:spPr>
+      </p:pic>
+    </p:spTree>
+    <p:extLst>
+      <p:ext uri="{BB962C8B-B14F-4D97-AF65-F5344CB8AC3E}">
+        <p14:creationId xmlns:p14="http://schemas.microsoft.com/office/powerpoint/2010/main" val="1839471264"/>
+      </p:ext>
+    </p:extLst>
+  </p:cSld>
+  <p:clrMapOvr>
+    <a:masterClrMapping/>
+  </p:clrMapOvr>
+</p:sld>
+</file>
+
+<file path=ppt/slides/slide16.xml><?xml version="1.0" encoding="utf-8"?>
+<p:sld xmlns:a="http://schemas.openxmlformats.org/drawingml/2006/main" xmlns:r="http://schemas.openxmlformats.org/officeDocument/2006/relationships" xmlns:p="http://schemas.openxmlformats.org/presentationml/2006/main">
+  <p:cSld>
+    <p:spTree>
+      <p:nvGrpSpPr>
+        <p:cNvPr id="1" name=""/>
+        <p:cNvGrpSpPr/>
+        <p:nvPr/>
+      </p:nvGrpSpPr>
+      <p:grpSpPr>
+        <a:xfrm>
+          <a:off x="0" y="0"/>
+          <a:ext cx="0" cy="0"/>
+          <a:chOff x="0" y="0"/>
+          <a:chExt cx="0" cy="0"/>
+        </a:xfrm>
+      </p:grpSpPr>
+      <p:sp>
+        <p:nvSpPr>
+          <p:cNvPr id="2" name="Title 1">
+            <a:extLst>
+              <a:ext uri="{FF2B5EF4-FFF2-40B4-BE49-F238E27FC236}">
+                <a16:creationId xmlns:a16="http://schemas.microsoft.com/office/drawing/2014/main" id="{56722692-9021-5B1C-D569-F0A3833CD9D2}"/>
+              </a:ext>
+            </a:extLst>
+          </p:cNvPr>
+          <p:cNvSpPr>
+            <a:spLocks noGrp="1"/>
+          </p:cNvSpPr>
+          <p:nvPr>
+            <p:ph type="title"/>
+          </p:nvPr>
+        </p:nvSpPr>
+        <p:spPr/>
+        <p:txBody>
+          <a:bodyPr/>
+          <a:lstStyle/>
+          <a:p>
+            <a:r>
+              <a:rPr lang="en-US" dirty="0"/>
+              <a:t>Dummies</a:t>
+            </a:r>
+          </a:p>
+        </p:txBody>
+      </p:sp>
+      <p:sp>
+        <p:nvSpPr>
+          <p:cNvPr id="3" name="Content Placeholder 2">
+            <a:extLst>
+              <a:ext uri="{FF2B5EF4-FFF2-40B4-BE49-F238E27FC236}">
+                <a16:creationId xmlns:a16="http://schemas.microsoft.com/office/drawing/2014/main" id="{3C9EEBCA-E0EE-C178-5717-B588B9282804}"/>
+              </a:ext>
+            </a:extLst>
+          </p:cNvPr>
+          <p:cNvSpPr>
+            <a:spLocks noGrp="1"/>
+          </p:cNvSpPr>
+          <p:nvPr>
+            <p:ph idx="1"/>
+          </p:nvPr>
+        </p:nvSpPr>
+        <p:spPr/>
+        <p:txBody>
+          <a:bodyPr/>
+          <a:lstStyle/>
+          <a:p>
+            <a:endParaRPr lang="en-US" dirty="0"/>
+          </a:p>
+        </p:txBody>
+      </p:sp>
+      <p:pic>
+        <p:nvPicPr>
+          <p:cNvPr id="5" name="Picture 4">
+            <a:extLst>
+              <a:ext uri="{FF2B5EF4-FFF2-40B4-BE49-F238E27FC236}">
+                <a16:creationId xmlns:a16="http://schemas.microsoft.com/office/drawing/2014/main" id="{619323E7-7962-3CD2-77DF-5D924184BACE}"/>
+              </a:ext>
+            </a:extLst>
+          </p:cNvPr>
+          <p:cNvPicPr>
+            <a:picLocks noChangeAspect="1"/>
+          </p:cNvPicPr>
+          <p:nvPr/>
+        </p:nvPicPr>
+        <p:blipFill>
+          <a:blip r:embed="rId2"/>
+          <a:stretch>
+            <a:fillRect/>
+          </a:stretch>
+        </p:blipFill>
+        <p:spPr>
+          <a:xfrm>
+            <a:off x="2455703" y="3002079"/>
+            <a:ext cx="4914900" cy="438150"/>
+          </a:xfrm>
+          <a:prstGeom prst="rect">
+            <a:avLst/>
+          </a:prstGeom>
+        </p:spPr>
+      </p:pic>
+      <p:pic>
+        <p:nvPicPr>
+          <p:cNvPr id="7" name="Picture 6">
+            <a:extLst>
+              <a:ext uri="{FF2B5EF4-FFF2-40B4-BE49-F238E27FC236}">
+                <a16:creationId xmlns:a16="http://schemas.microsoft.com/office/drawing/2014/main" id="{D6E39504-AE20-966A-AFC8-30EC5148B80A}"/>
+              </a:ext>
+            </a:extLst>
+          </p:cNvPr>
+          <p:cNvPicPr>
+            <a:picLocks noChangeAspect="1"/>
+          </p:cNvPicPr>
+          <p:nvPr/>
+        </p:nvPicPr>
+        <p:blipFill>
+          <a:blip r:embed="rId3"/>
+          <a:stretch>
+            <a:fillRect/>
+          </a:stretch>
+        </p:blipFill>
+        <p:spPr>
+          <a:xfrm>
+            <a:off x="2455703" y="3764079"/>
+            <a:ext cx="2952750" cy="361950"/>
+          </a:xfrm>
+          <a:prstGeom prst="rect">
+            <a:avLst/>
+          </a:prstGeom>
+        </p:spPr>
+      </p:pic>
+      <p:pic>
+        <p:nvPicPr>
+          <p:cNvPr id="9" name="Picture 8">
+            <a:extLst>
+              <a:ext uri="{FF2B5EF4-FFF2-40B4-BE49-F238E27FC236}">
+                <a16:creationId xmlns:a16="http://schemas.microsoft.com/office/drawing/2014/main" id="{9D1882B5-BD2B-5816-8FD5-7749997986F9}"/>
+              </a:ext>
+            </a:extLst>
+          </p:cNvPr>
+          <p:cNvPicPr>
+            <a:picLocks noChangeAspect="1"/>
+          </p:cNvPicPr>
+          <p:nvPr/>
+        </p:nvPicPr>
+        <p:blipFill>
+          <a:blip r:embed="rId4"/>
+          <a:stretch>
+            <a:fillRect/>
+          </a:stretch>
+        </p:blipFill>
+        <p:spPr>
+          <a:xfrm>
+            <a:off x="2455703" y="4631706"/>
+            <a:ext cx="5334000" cy="1057275"/>
+          </a:xfrm>
+          <a:prstGeom prst="rect">
+            <a:avLst/>
+          </a:prstGeom>
+        </p:spPr>
+      </p:pic>
+    </p:spTree>
+    <p:extLst>
+      <p:ext uri="{BB962C8B-B14F-4D97-AF65-F5344CB8AC3E}">
+        <p14:creationId xmlns:p14="http://schemas.microsoft.com/office/powerpoint/2010/main" val="3802357882"/>
+      </p:ext>
+    </p:extLst>
+  </p:cSld>
+  <p:clrMapOvr>
+    <a:masterClrMapping/>
+  </p:clrMapOvr>
+</p:sld>
+</file>
+
+<file path=ppt/slides/slide17.xml><?xml version="1.0" encoding="utf-8"?>
+<p:sld xmlns:a="http://schemas.openxmlformats.org/drawingml/2006/main" xmlns:r="http://schemas.openxmlformats.org/officeDocument/2006/relationships" xmlns:p="http://schemas.openxmlformats.org/presentationml/2006/main">
+  <p:cSld>
+    <p:spTree>
+      <p:nvGrpSpPr>
+        <p:cNvPr id="1" name=""/>
+        <p:cNvGrpSpPr/>
+        <p:nvPr/>
+      </p:nvGrpSpPr>
+      <p:grpSpPr>
+        <a:xfrm>
+          <a:off x="0" y="0"/>
+          <a:ext cx="0" cy="0"/>
+          <a:chOff x="0" y="0"/>
+          <a:chExt cx="0" cy="0"/>
+        </a:xfrm>
+      </p:grpSpPr>
+      <p:sp>
+        <p:nvSpPr>
+          <p:cNvPr id="2" name="Title 1">
+            <a:extLst>
+              <a:ext uri="{FF2B5EF4-FFF2-40B4-BE49-F238E27FC236}">
+                <a16:creationId xmlns:a16="http://schemas.microsoft.com/office/drawing/2014/main" id="{9D1B6DD3-A7E2-B6D7-32CF-68AD170742A7}"/>
+              </a:ext>
+            </a:extLst>
+          </p:cNvPr>
+          <p:cNvSpPr>
+            <a:spLocks noGrp="1"/>
+          </p:cNvSpPr>
+          <p:nvPr>
+            <p:ph type="title"/>
+          </p:nvPr>
+        </p:nvSpPr>
+        <p:spPr/>
+        <p:txBody>
+          <a:bodyPr/>
+          <a:lstStyle/>
+          <a:p>
+            <a:r>
+              <a:rPr lang="en-US" dirty="0"/>
+              <a:t>Advanced usage</a:t>
+            </a:r>
+          </a:p>
+        </p:txBody>
+      </p:sp>
+      <p:sp>
+        <p:nvSpPr>
+          <p:cNvPr id="3" name="Content Placeholder 2">
+            <a:extLst>
+              <a:ext uri="{FF2B5EF4-FFF2-40B4-BE49-F238E27FC236}">
+                <a16:creationId xmlns:a16="http://schemas.microsoft.com/office/drawing/2014/main" id="{BBD7CE76-45A9-93F8-6DE1-D3AD950EADC8}"/>
+              </a:ext>
+            </a:extLst>
+          </p:cNvPr>
+          <p:cNvSpPr>
+            <a:spLocks noGrp="1"/>
+          </p:cNvSpPr>
+          <p:nvPr>
+            <p:ph idx="1"/>
+          </p:nvPr>
+        </p:nvSpPr>
+        <p:spPr/>
+        <p:txBody>
+          <a:bodyPr/>
+          <a:lstStyle/>
+          <a:p>
+            <a:endParaRPr lang="en-US" dirty="0"/>
+          </a:p>
+        </p:txBody>
+      </p:sp>
+      <p:pic>
+        <p:nvPicPr>
+          <p:cNvPr id="5" name="Picture 4">
+            <a:extLst>
+              <a:ext uri="{FF2B5EF4-FFF2-40B4-BE49-F238E27FC236}">
+                <a16:creationId xmlns:a16="http://schemas.microsoft.com/office/drawing/2014/main" id="{17F0BF0F-0634-C4FE-E3FB-F897177417D5}"/>
+              </a:ext>
+            </a:extLst>
+          </p:cNvPr>
+          <p:cNvPicPr>
+            <a:picLocks noChangeAspect="1"/>
+          </p:cNvPicPr>
+          <p:nvPr/>
+        </p:nvPicPr>
+        <p:blipFill>
+          <a:blip r:embed="rId2"/>
+          <a:stretch>
+            <a:fillRect/>
+          </a:stretch>
+        </p:blipFill>
+        <p:spPr>
+          <a:xfrm>
+            <a:off x="4214812" y="2633662"/>
+            <a:ext cx="3762375" cy="1590675"/>
+          </a:xfrm>
+          <a:prstGeom prst="rect">
+            <a:avLst/>
+          </a:prstGeom>
+        </p:spPr>
+      </p:pic>
+    </p:spTree>
+    <p:extLst>
+      <p:ext uri="{BB962C8B-B14F-4D97-AF65-F5344CB8AC3E}">
+        <p14:creationId xmlns:p14="http://schemas.microsoft.com/office/powerpoint/2010/main" val="642327811"/>
+      </p:ext>
+    </p:extLst>
+  </p:cSld>
+  <p:clrMapOvr>
+    <a:masterClrMapping/>
+  </p:clrMapOvr>
+</p:sld>
+</file>
+
+<file path=ppt/slides/slide18.xml><?xml version="1.0" encoding="utf-8"?>
+<p:sld xmlns:a="http://schemas.openxmlformats.org/drawingml/2006/main" xmlns:r="http://schemas.openxmlformats.org/officeDocument/2006/relationships" xmlns:p="http://schemas.openxmlformats.org/presentationml/2006/main">
+  <p:cSld>
+    <p:spTree>
+      <p:nvGrpSpPr>
+        <p:cNvPr id="1" name=""/>
+        <p:cNvGrpSpPr/>
+        <p:nvPr/>
+      </p:nvGrpSpPr>
+      <p:grpSpPr>
+        <a:xfrm>
+          <a:off x="0" y="0"/>
+          <a:ext cx="0" cy="0"/>
+          <a:chOff x="0" y="0"/>
+          <a:chExt cx="0" cy="0"/>
+        </a:xfrm>
+      </p:grpSpPr>
+      <p:sp>
+        <p:nvSpPr>
+          <p:cNvPr id="2" name="Title 1">
+            <a:extLst>
+              <a:ext uri="{FF2B5EF4-FFF2-40B4-BE49-F238E27FC236}">
+                <a16:creationId xmlns:a16="http://schemas.microsoft.com/office/drawing/2014/main" id="{6E0ED0A1-71CD-65A7-8D44-697A84723B3D}"/>
+              </a:ext>
+            </a:extLst>
+          </p:cNvPr>
+          <p:cNvSpPr>
+            <a:spLocks noGrp="1"/>
+          </p:cNvSpPr>
+          <p:nvPr>
+            <p:ph type="title"/>
+          </p:nvPr>
+        </p:nvSpPr>
+        <p:spPr/>
+        <p:txBody>
+          <a:bodyPr/>
+          <a:lstStyle/>
+          <a:p>
+            <a:r>
+              <a:rPr lang="en-US" dirty="0"/>
+              <a:t>Built in </a:t>
+            </a:r>
+            <a:r>
+              <a:rPr lang="en-US" dirty="0" err="1"/>
+              <a:t>HttpClient</a:t>
+            </a:r>
+            <a:r>
+              <a:rPr lang="en-US" dirty="0"/>
+              <a:t> mock</a:t>
+            </a:r>
+          </a:p>
+        </p:txBody>
+      </p:sp>
+      <p:sp>
+        <p:nvSpPr>
+          <p:cNvPr id="3" name="Content Placeholder 2">
+            <a:extLst>
+              <a:ext uri="{FF2B5EF4-FFF2-40B4-BE49-F238E27FC236}">
+                <a16:creationId xmlns:a16="http://schemas.microsoft.com/office/drawing/2014/main" id="{7AF260C8-D724-C9F3-8237-1B100A75E0E9}"/>
+              </a:ext>
+            </a:extLst>
+          </p:cNvPr>
+          <p:cNvSpPr>
+            <a:spLocks noGrp="1"/>
+          </p:cNvSpPr>
+          <p:nvPr>
+            <p:ph idx="1"/>
+          </p:nvPr>
+        </p:nvSpPr>
+        <p:spPr/>
+        <p:txBody>
+          <a:bodyPr/>
+          <a:lstStyle/>
+          <a:p>
+            <a:endParaRPr lang="en-US"/>
+          </a:p>
+        </p:txBody>
+      </p:sp>
+      <p:pic>
+        <p:nvPicPr>
+          <p:cNvPr id="5" name="Picture 4">
+            <a:extLst>
+              <a:ext uri="{FF2B5EF4-FFF2-40B4-BE49-F238E27FC236}">
+                <a16:creationId xmlns:a16="http://schemas.microsoft.com/office/drawing/2014/main" id="{445F66B7-716C-FB64-8AA7-693261E28FC4}"/>
+              </a:ext>
+            </a:extLst>
+          </p:cNvPr>
+          <p:cNvPicPr>
+            <a:picLocks noChangeAspect="1"/>
+          </p:cNvPicPr>
+          <p:nvPr/>
+        </p:nvPicPr>
+        <p:blipFill>
+          <a:blip r:embed="rId2"/>
+          <a:stretch>
+            <a:fillRect/>
+          </a:stretch>
+        </p:blipFill>
+        <p:spPr>
+          <a:xfrm>
+            <a:off x="2376793" y="2559210"/>
+            <a:ext cx="6800850" cy="4105275"/>
+          </a:xfrm>
+          <a:prstGeom prst="rect">
+            <a:avLst/>
+          </a:prstGeom>
+        </p:spPr>
+      </p:pic>
+    </p:spTree>
+    <p:extLst>
+      <p:ext uri="{BB962C8B-B14F-4D97-AF65-F5344CB8AC3E}">
+        <p14:creationId xmlns:p14="http://schemas.microsoft.com/office/powerpoint/2010/main" val="2394219521"/>
+      </p:ext>
+    </p:extLst>
+  </p:cSld>
+  <p:clrMapOvr>
+    <a:masterClrMapping/>
+  </p:clrMapOvr>
+</p:sld>
+</file>
+
+<file path=ppt/slides/slide19.xml><?xml version="1.0" encoding="utf-8"?>
+<p:sld xmlns:a="http://schemas.openxmlformats.org/drawingml/2006/main" xmlns:r="http://schemas.openxmlformats.org/officeDocument/2006/relationships" xmlns:p="http://schemas.openxmlformats.org/presentationml/2006/main">
+  <p:cSld>
+    <p:spTree>
+      <p:nvGrpSpPr>
+        <p:cNvPr id="1" name=""/>
+        <p:cNvGrpSpPr/>
+        <p:nvPr/>
+      </p:nvGrpSpPr>
+      <p:grpSpPr>
+        <a:xfrm>
+          <a:off x="0" y="0"/>
+          <a:ext cx="0" cy="0"/>
+          <a:chOff x="0" y="0"/>
+          <a:chExt cx="0" cy="0"/>
+        </a:xfrm>
+      </p:grpSpPr>
+      <p:pic>
+        <p:nvPicPr>
+          <p:cNvPr id="4" name="Picture 3" descr="An image of a rhino in black and white">
+            <a:extLst>
+              <a:ext uri="{FF2B5EF4-FFF2-40B4-BE49-F238E27FC236}">
+                <a16:creationId xmlns:a16="http://schemas.microsoft.com/office/drawing/2014/main" id="{BCFF856F-2F05-8255-5473-D4B83649DE41}"/>
+              </a:ext>
+            </a:extLst>
+          </p:cNvPr>
+          <p:cNvPicPr>
+            <a:picLocks noChangeAspect="1"/>
+          </p:cNvPicPr>
+          <p:nvPr/>
+        </p:nvPicPr>
+        <p:blipFill rotWithShape="1">
+          <a:blip r:embed="rId2"/>
+          <a:srcRect l="19426" r="11940" b="-1"/>
+          <a:stretch/>
+        </p:blipFill>
+        <p:spPr>
+          <a:xfrm>
+            <a:off x="20" y="-2"/>
+            <a:ext cx="8115280" cy="6858001"/>
+          </a:xfrm>
+          <a:prstGeom prst="rect">
+            <a:avLst/>
+          </a:prstGeom>
+          <a:noFill/>
+        </p:spPr>
+      </p:pic>
+      <p:sp>
+        <p:nvSpPr>
+          <p:cNvPr id="2" name="Title 1">
+            <a:extLst>
+              <a:ext uri="{FF2B5EF4-FFF2-40B4-BE49-F238E27FC236}">
+                <a16:creationId xmlns:a16="http://schemas.microsoft.com/office/drawing/2014/main" id="{3D4A1983-C5B7-719B-5421-2866A017C368}"/>
+              </a:ext>
+            </a:extLst>
+          </p:cNvPr>
+          <p:cNvSpPr>
+            <a:spLocks noGrp="1"/>
+          </p:cNvSpPr>
+          <p:nvPr>
+            <p:ph type="ctrTitle"/>
+          </p:nvPr>
+        </p:nvSpPr>
+        <p:spPr>
+          <a:xfrm>
+            <a:off x="4038600" y="2502489"/>
+            <a:ext cx="3314700" cy="1853023"/>
+          </a:xfrm>
+        </p:spPr>
+        <p:txBody>
+          <a:bodyPr anchor="ctr">
+            <a:normAutofit/>
+          </a:bodyPr>
+          <a:lstStyle/>
+          <a:p>
+            <a:r>
+              <a:rPr lang="en-US" sz="3200" dirty="0">
+                <a:solidFill>
+                  <a:schemeClr val="bg1"/>
+                </a:solidFill>
+              </a:rPr>
+              <a:t>Rhino Mocks</a:t>
+            </a:r>
+          </a:p>
+        </p:txBody>
+      </p:sp>
+      <p:sp>
+        <p:nvSpPr>
+          <p:cNvPr id="8" name="Subtitle 2">
+            <a:extLst>
+              <a:ext uri="{FF2B5EF4-FFF2-40B4-BE49-F238E27FC236}">
+                <a16:creationId xmlns:a16="http://schemas.microsoft.com/office/drawing/2014/main" id="{31A16E05-71A5-4BEB-9E57-08F801A77853}"/>
+              </a:ext>
+            </a:extLst>
+          </p:cNvPr>
+          <p:cNvSpPr>
+            <a:spLocks noGrp="1"/>
+          </p:cNvSpPr>
+          <p:nvPr>
+            <p:ph type="subTitle" idx="1"/>
+          </p:nvPr>
+        </p:nvSpPr>
+        <p:spPr>
+          <a:xfrm>
+            <a:off x="8660055" y="2502489"/>
+            <a:ext cx="2289028" cy="1853023"/>
+          </a:xfrm>
+        </p:spPr>
+        <p:txBody>
+          <a:bodyPr anchor="ctr">
+            <a:normAutofit/>
+          </a:bodyPr>
+          <a:lstStyle/>
+          <a:p>
+            <a:endParaRPr lang="en-US" sz="1600" dirty="0"/>
+          </a:p>
+        </p:txBody>
+      </p:sp>
+      <p:sp>
+        <p:nvSpPr>
+          <p:cNvPr id="10" name="Date Placeholder 3">
+            <a:extLst>
+              <a:ext uri="{FF2B5EF4-FFF2-40B4-BE49-F238E27FC236}">
+                <a16:creationId xmlns:a16="http://schemas.microsoft.com/office/drawing/2014/main" id="{BCC502FE-2A33-48B8-80DC-2DB5B10F91AF}"/>
+              </a:ext>
+            </a:extLst>
+          </p:cNvPr>
+          <p:cNvSpPr>
+            <a:spLocks noGrp="1"/>
+          </p:cNvSpPr>
+          <p:nvPr>
+            <p:ph type="dt" sz="half" idx="10"/>
+          </p:nvPr>
+        </p:nvSpPr>
+        <p:spPr>
+          <a:xfrm rot="5400000">
+            <a:off x="-1001475" y="1517536"/>
+            <a:ext cx="2801123" cy="365125"/>
+          </a:xfrm>
+        </p:spPr>
+        <p:txBody>
+          <a:bodyPr/>
+          <a:lstStyle/>
+          <a:p>
+            <a:pPr>
+              <a:spcAft>
+                <a:spcPts val="600"/>
+              </a:spcAft>
+            </a:pPr>
+            <a:fld id="{B9D10FB2-1712-417E-8236-C4017D35AE56}" type="datetime1">
               <a:rPr lang="en-US" smtClean="0">
                 <a:solidFill>
                   <a:srgbClr val="FFFFFF"/>
@@ -3885,7 +5148,7 @@
                   <a:spcPts val="600"/>
                 </a:spcAft>
               </a:pPr>
-              <a:t>8/15/2023</a:t>
+              <a:t>8/16/2023</a:t>
             </a:fld>
             <a:endParaRPr lang="en-US" dirty="0">
               <a:solidFill>
@@ -3904,10 +5167,10 @@
       </p:sp>
       <p:sp>
         <p:nvSpPr>
-          <p:cNvPr id="12" name="Footer Placeholder 17">
-            <a:extLst>
-              <a:ext uri="{FF2B5EF4-FFF2-40B4-BE49-F238E27FC236}">
-                <a16:creationId xmlns:a16="http://schemas.microsoft.com/office/drawing/2014/main" id="{ED3F0938-885D-4EDD-AECA-100BAA42A1FA}"/>
+          <p:cNvPr id="12" name="Footer Placeholder 4">
+            <a:extLst>
+              <a:ext uri="{FF2B5EF4-FFF2-40B4-BE49-F238E27FC236}">
+                <a16:creationId xmlns:a16="http://schemas.microsoft.com/office/drawing/2014/main" id="{F9A67DB4-2DF1-44AA-8AA1-B9A9D488C3E5}"/>
               </a:ext>
             </a:extLst>
           </p:cNvPr>
@@ -3945,7 +5208,7 @@
           <p:cNvPr id="14" name="Slide Number Placeholder 5">
             <a:extLst>
               <a:ext uri="{FF2B5EF4-FFF2-40B4-BE49-F238E27FC236}">
-                <a16:creationId xmlns:a16="http://schemas.microsoft.com/office/drawing/2014/main" id="{08EC9005-5705-4BF3-9E28-A32B3886CE50}"/>
+                <a16:creationId xmlns:a16="http://schemas.microsoft.com/office/drawing/2014/main" id="{2C1A5F6F-14E3-4A18-9AD2-ED95DC7184D2}"/>
               </a:ext>
             </a:extLst>
           </p:cNvPr>
@@ -3971,23 +5234,23 @@
                 <a:spcPts val="600"/>
               </a:spcAft>
             </a:pPr>
-            <a:fld id="{18F23307-8124-4758-BAB0-3667EABA0B67}" type="slidenum">
+            <a:fld id="{C15563AB-8317-4F4A-8C10-D6F570F02A77}" type="slidenum">
               <a:rPr lang="en-US" smtClean="0"/>
               <a:pPr>
                 <a:spcAft>
                   <a:spcPts val="600"/>
                 </a:spcAft>
               </a:pPr>
-              <a:t>10</a:t>
+              <a:t>19</a:t>
             </a:fld>
-            <a:endParaRPr lang="en-US"/>
+            <a:endParaRPr lang="en-US" dirty="0"/>
           </a:p>
         </p:txBody>
       </p:sp>
     </p:spTree>
     <p:extLst>
       <p:ext uri="{BB962C8B-B14F-4D97-AF65-F5344CB8AC3E}">
-        <p14:creationId xmlns:p14="http://schemas.microsoft.com/office/powerpoint/2010/main" val="3746716699"/>
+        <p14:creationId xmlns:p14="http://schemas.microsoft.com/office/powerpoint/2010/main" val="1499845794"/>
       </p:ext>
     </p:extLst>
   </p:cSld>
@@ -4155,7 +5418,7 @@
                   <a:spcPts val="600"/>
                 </a:spcAft>
               </a:pPr>
-              <a:t>8/14/2023</a:t>
+              <a:t>8/16/2023</a:t>
             </a:fld>
             <a:endParaRPr lang="en-US"/>
           </a:p>
@@ -4256,1671 +5519,7 @@
 </p:sld>
 </file>
 
-<file path=ppt/slides/slide3.xml><?xml version="1.0" encoding="utf-8"?>
-<p:sld xmlns:a="http://schemas.openxmlformats.org/drawingml/2006/main" xmlns:r="http://schemas.openxmlformats.org/officeDocument/2006/relationships" xmlns:p="http://schemas.openxmlformats.org/presentationml/2006/main">
-  <p:cSld>
-    <p:spTree>
-      <p:nvGrpSpPr>
-        <p:cNvPr id="1" name=""/>
-        <p:cNvGrpSpPr/>
-        <p:nvPr/>
-      </p:nvGrpSpPr>
-      <p:grpSpPr>
-        <a:xfrm>
-          <a:off x="0" y="0"/>
-          <a:ext cx="0" cy="0"/>
-          <a:chOff x="0" y="0"/>
-          <a:chExt cx="0" cy="0"/>
-        </a:xfrm>
-      </p:grpSpPr>
-      <p:pic>
-        <p:nvPicPr>
-          <p:cNvPr id="5" name="Picture 4" descr="Wooden hand holding pencil">
-            <a:extLst>
-              <a:ext uri="{FF2B5EF4-FFF2-40B4-BE49-F238E27FC236}">
-                <a16:creationId xmlns:a16="http://schemas.microsoft.com/office/drawing/2014/main" id="{E228579A-7B55-CB86-CD28-59BF976474A6}"/>
-              </a:ext>
-            </a:extLst>
-          </p:cNvPr>
-          <p:cNvPicPr>
-            <a:picLocks noChangeAspect="1"/>
-          </p:cNvPicPr>
-          <p:nvPr/>
-        </p:nvPicPr>
-        <p:blipFill rotWithShape="1">
-          <a:blip r:embed="rId2"/>
-          <a:srcRect l="4202" r="24597" b="-2"/>
-          <a:stretch/>
-        </p:blipFill>
-        <p:spPr>
-          <a:xfrm>
-            <a:off x="4876800" y="-2"/>
-            <a:ext cx="7315200" cy="6858001"/>
-          </a:xfrm>
-          <a:prstGeom prst="rect">
-            <a:avLst/>
-          </a:prstGeom>
-          <a:noFill/>
-        </p:spPr>
-      </p:pic>
-      <p:sp>
-        <p:nvSpPr>
-          <p:cNvPr id="2" name="Title 1">
-            <a:extLst>
-              <a:ext uri="{FF2B5EF4-FFF2-40B4-BE49-F238E27FC236}">
-                <a16:creationId xmlns:a16="http://schemas.microsoft.com/office/drawing/2014/main" id="{CE93527C-963E-6AB1-7DB7-15403B7AD5C1}"/>
-              </a:ext>
-            </a:extLst>
-          </p:cNvPr>
-          <p:cNvSpPr>
-            <a:spLocks noGrp="1"/>
-          </p:cNvSpPr>
-          <p:nvPr>
-            <p:ph type="ctrTitle"/>
-          </p:nvPr>
-        </p:nvSpPr>
-        <p:spPr>
-          <a:xfrm>
-            <a:off x="1638104" y="2502489"/>
-            <a:ext cx="3020049" cy="1853023"/>
-          </a:xfrm>
-        </p:spPr>
-        <p:txBody>
-          <a:bodyPr anchor="ctr">
-            <a:normAutofit/>
-          </a:bodyPr>
-          <a:lstStyle/>
-          <a:p>
-            <a:r>
-              <a:rPr lang="en-US" sz="3200"/>
-              <a:t>Concepts of Mocking</a:t>
-            </a:r>
-          </a:p>
-        </p:txBody>
-      </p:sp>
-      <p:sp>
-        <p:nvSpPr>
-          <p:cNvPr id="9" name="Subtitle 2">
-            <a:extLst>
-              <a:ext uri="{FF2B5EF4-FFF2-40B4-BE49-F238E27FC236}">
-                <a16:creationId xmlns:a16="http://schemas.microsoft.com/office/drawing/2014/main" id="{31A16E05-71A5-4BEB-9E57-08F801A77853}"/>
-              </a:ext>
-            </a:extLst>
-          </p:cNvPr>
-          <p:cNvSpPr>
-            <a:spLocks noGrp="1"/>
-          </p:cNvSpPr>
-          <p:nvPr>
-            <p:ph type="subTitle" idx="1"/>
-          </p:nvPr>
-        </p:nvSpPr>
-        <p:spPr>
-          <a:xfrm>
-            <a:off x="5383455" y="2527656"/>
-            <a:ext cx="2289028" cy="1792675"/>
-          </a:xfrm>
-        </p:spPr>
-        <p:txBody>
-          <a:bodyPr anchor="ctr">
-            <a:normAutofit/>
-          </a:bodyPr>
-          <a:lstStyle/>
-          <a:p>
-            <a:r>
-              <a:rPr lang="en-US" sz="1600"/>
-              <a:t>Test double, stub</a:t>
-            </a:r>
-            <a:endParaRPr lang="en-US" sz="1600" dirty="0"/>
-          </a:p>
-        </p:txBody>
-      </p:sp>
-      <p:sp>
-        <p:nvSpPr>
-          <p:cNvPr id="11" name="Date Placeholder 3">
-            <a:extLst>
-              <a:ext uri="{FF2B5EF4-FFF2-40B4-BE49-F238E27FC236}">
-                <a16:creationId xmlns:a16="http://schemas.microsoft.com/office/drawing/2014/main" id="{BCC502FE-2A33-48B8-80DC-2DB5B10F91AF}"/>
-              </a:ext>
-            </a:extLst>
-          </p:cNvPr>
-          <p:cNvSpPr>
-            <a:spLocks noGrp="1"/>
-          </p:cNvSpPr>
-          <p:nvPr>
-            <p:ph type="dt" sz="half" idx="10"/>
-          </p:nvPr>
-        </p:nvSpPr>
-        <p:spPr>
-          <a:xfrm rot="5400000">
-            <a:off x="-1001475" y="1517536"/>
-            <a:ext cx="2801123" cy="365125"/>
-          </a:xfrm>
-        </p:spPr>
-        <p:txBody>
-          <a:bodyPr>
-            <a:normAutofit/>
-          </a:bodyPr>
-          <a:lstStyle/>
-          <a:p>
-            <a:pPr>
-              <a:spcAft>
-                <a:spcPts val="600"/>
-              </a:spcAft>
-            </a:pPr>
-            <a:fld id="{B9D10FB2-1712-417E-8236-C4017D35AE56}" type="datetime1">
-              <a:rPr lang="en-US" smtClean="0">
-                <a:effectLst>
-                  <a:outerShdw blurRad="38100" dist="38100" dir="2700000" algn="tl">
-                    <a:srgbClr val="000000">
-                      <a:alpha val="43137"/>
-                    </a:srgbClr>
-                  </a:outerShdw>
-                </a:effectLst>
-              </a:rPr>
-              <a:pPr>
-                <a:spcAft>
-                  <a:spcPts val="600"/>
-                </a:spcAft>
-              </a:pPr>
-              <a:t>8/14/2023</a:t>
-            </a:fld>
-            <a:endParaRPr lang="en-US">
-              <a:effectLst>
-                <a:outerShdw blurRad="38100" dist="38100" dir="2700000" algn="tl">
-                  <a:srgbClr val="000000">
-                    <a:alpha val="43137"/>
-                  </a:srgbClr>
-                </a:outerShdw>
-              </a:effectLst>
-            </a:endParaRPr>
-          </a:p>
-        </p:txBody>
-      </p:sp>
-      <p:sp>
-        <p:nvSpPr>
-          <p:cNvPr id="13" name="Footer Placeholder 4">
-            <a:extLst>
-              <a:ext uri="{FF2B5EF4-FFF2-40B4-BE49-F238E27FC236}">
-                <a16:creationId xmlns:a16="http://schemas.microsoft.com/office/drawing/2014/main" id="{F9A67DB4-2DF1-44AA-8AA1-B9A9D488C3E5}"/>
-              </a:ext>
-            </a:extLst>
-          </p:cNvPr>
-          <p:cNvSpPr>
-            <a:spLocks noGrp="1"/>
-          </p:cNvSpPr>
-          <p:nvPr>
-            <p:ph type="ftr" sz="quarter" idx="11"/>
-          </p:nvPr>
-        </p:nvSpPr>
-        <p:spPr>
-          <a:xfrm rot="5400000">
-            <a:off x="10118764" y="4237870"/>
-            <a:ext cx="3344053" cy="365125"/>
-          </a:xfrm>
-        </p:spPr>
-        <p:txBody>
-          <a:bodyPr>
-            <a:normAutofit/>
-          </a:bodyPr>
-          <a:lstStyle/>
-          <a:p>
-            <a:pPr>
-              <a:spcAft>
-                <a:spcPts val="600"/>
-              </a:spcAft>
-            </a:pPr>
-            <a:r>
-              <a:rPr lang="en-US">
-                <a:solidFill>
-                  <a:srgbClr val="FFFFFF"/>
-                </a:solidFill>
-              </a:rPr>
-              <a:t>Sample Footer Text</a:t>
-            </a:r>
-          </a:p>
-        </p:txBody>
-      </p:sp>
-      <p:sp>
-        <p:nvSpPr>
-          <p:cNvPr id="15" name="Slide Number Placeholder 5">
-            <a:extLst>
-              <a:ext uri="{FF2B5EF4-FFF2-40B4-BE49-F238E27FC236}">
-                <a16:creationId xmlns:a16="http://schemas.microsoft.com/office/drawing/2014/main" id="{2C1A5F6F-14E3-4A18-9AD2-ED95DC7184D2}"/>
-              </a:ext>
-            </a:extLst>
-          </p:cNvPr>
-          <p:cNvSpPr>
-            <a:spLocks noGrp="1"/>
-          </p:cNvSpPr>
-          <p:nvPr>
-            <p:ph type="sldNum" sz="quarter" idx="12"/>
-          </p:nvPr>
-        </p:nvSpPr>
-        <p:spPr>
-          <a:xfrm>
-            <a:off x="11228877" y="6319138"/>
-            <a:ext cx="710647" cy="365125"/>
-          </a:xfrm>
-        </p:spPr>
-        <p:txBody>
-          <a:bodyPr>
-            <a:normAutofit/>
-          </a:bodyPr>
-          <a:lstStyle/>
-          <a:p>
-            <a:pPr>
-              <a:spcAft>
-                <a:spcPts val="600"/>
-              </a:spcAft>
-            </a:pPr>
-            <a:fld id="{C15563AB-8317-4F4A-8C10-D6F570F02A77}" type="slidenum">
-              <a:rPr lang="en-US">
-                <a:solidFill>
-                  <a:srgbClr val="FFFFFF"/>
-                </a:solidFill>
-              </a:rPr>
-              <a:pPr>
-                <a:spcAft>
-                  <a:spcPts val="600"/>
-                </a:spcAft>
-              </a:pPr>
-              <a:t>3</a:t>
-            </a:fld>
-            <a:endParaRPr lang="en-US">
-              <a:solidFill>
-                <a:srgbClr val="FFFFFF"/>
-              </a:solidFill>
-            </a:endParaRPr>
-          </a:p>
-        </p:txBody>
-      </p:sp>
-    </p:spTree>
-    <p:extLst>
-      <p:ext uri="{BB962C8B-B14F-4D97-AF65-F5344CB8AC3E}">
-        <p14:creationId xmlns:p14="http://schemas.microsoft.com/office/powerpoint/2010/main" val="4246556095"/>
-      </p:ext>
-    </p:extLst>
-  </p:cSld>
-  <p:clrMapOvr>
-    <a:masterClrMapping/>
-  </p:clrMapOvr>
-</p:sld>
-</file>
-
-<file path=ppt/slides/slide4.xml><?xml version="1.0" encoding="utf-8"?>
-<p:sld xmlns:a="http://schemas.openxmlformats.org/drawingml/2006/main" xmlns:r="http://schemas.openxmlformats.org/officeDocument/2006/relationships" xmlns:p="http://schemas.openxmlformats.org/presentationml/2006/main">
-  <p:cSld>
-    <p:spTree>
-      <p:nvGrpSpPr>
-        <p:cNvPr id="1" name=""/>
-        <p:cNvGrpSpPr/>
-        <p:nvPr/>
-      </p:nvGrpSpPr>
-      <p:grpSpPr>
-        <a:xfrm>
-          <a:off x="0" y="0"/>
-          <a:ext cx="0" cy="0"/>
-          <a:chOff x="0" y="0"/>
-          <a:chExt cx="0" cy="0"/>
-        </a:xfrm>
-      </p:grpSpPr>
-      <p:pic>
-        <p:nvPicPr>
-          <p:cNvPr id="5" name="Picture 4" descr="Artificial hands reaching out">
-            <a:extLst>
-              <a:ext uri="{FF2B5EF4-FFF2-40B4-BE49-F238E27FC236}">
-                <a16:creationId xmlns:a16="http://schemas.microsoft.com/office/drawing/2014/main" id="{32C43398-0C90-4857-985D-06563B533FEE}"/>
-              </a:ext>
-            </a:extLst>
-          </p:cNvPr>
-          <p:cNvPicPr>
-            <a:picLocks noChangeAspect="1"/>
-          </p:cNvPicPr>
-          <p:nvPr/>
-        </p:nvPicPr>
-        <p:blipFill rotWithShape="1">
-          <a:blip r:embed="rId2"/>
-          <a:srcRect l="32475" r="35876" b="-1"/>
-          <a:stretch/>
-        </p:blipFill>
-        <p:spPr>
-          <a:xfrm>
-            <a:off x="20" y="10"/>
-            <a:ext cx="5674560" cy="6857990"/>
-          </a:xfrm>
-          <a:prstGeom prst="rect">
-            <a:avLst/>
-          </a:prstGeom>
-          <a:noFill/>
-        </p:spPr>
-      </p:pic>
-      <p:sp>
-        <p:nvSpPr>
-          <p:cNvPr id="2" name="Title 1">
-            <a:extLst>
-              <a:ext uri="{FF2B5EF4-FFF2-40B4-BE49-F238E27FC236}">
-                <a16:creationId xmlns:a16="http://schemas.microsoft.com/office/drawing/2014/main" id="{AD261C03-1CD6-A6AA-F57B-493481F88247}"/>
-              </a:ext>
-            </a:extLst>
-          </p:cNvPr>
-          <p:cNvSpPr>
-            <a:spLocks noGrp="1"/>
-          </p:cNvSpPr>
-          <p:nvPr>
-            <p:ph type="title"/>
-          </p:nvPr>
-        </p:nvSpPr>
-        <p:spPr>
-          <a:xfrm>
-            <a:off x="1638300" y="2057400"/>
-            <a:ext cx="3454484" cy="2743200"/>
-          </a:xfrm>
-        </p:spPr>
-        <p:txBody>
-          <a:bodyPr anchor="t">
-            <a:normAutofit/>
-          </a:bodyPr>
-          <a:lstStyle/>
-          <a:p>
-            <a:r>
-              <a:rPr lang="en-US"/>
-              <a:t>Concepts of Mocking</a:t>
-            </a:r>
-          </a:p>
-        </p:txBody>
-      </p:sp>
-      <p:sp>
-        <p:nvSpPr>
-          <p:cNvPr id="3" name="Content Placeholder 2">
-            <a:extLst>
-              <a:ext uri="{FF2B5EF4-FFF2-40B4-BE49-F238E27FC236}">
-                <a16:creationId xmlns:a16="http://schemas.microsoft.com/office/drawing/2014/main" id="{8F45BA6A-ADFC-8BD2-926D-CAB597DE5165}"/>
-              </a:ext>
-            </a:extLst>
-          </p:cNvPr>
-          <p:cNvSpPr>
-            <a:spLocks noGrp="1"/>
-          </p:cNvSpPr>
-          <p:nvPr>
-            <p:ph idx="1"/>
-          </p:nvPr>
-        </p:nvSpPr>
-        <p:spPr>
-          <a:xfrm>
-            <a:off x="6474679" y="2079860"/>
-            <a:ext cx="4914901" cy="2764644"/>
-          </a:xfrm>
-        </p:spPr>
-        <p:txBody>
-          <a:bodyPr>
-            <a:normAutofit/>
-          </a:bodyPr>
-          <a:lstStyle/>
-          <a:p>
-            <a:r>
-              <a:rPr lang="en-US" dirty="0"/>
-              <a:t>Fake</a:t>
-            </a:r>
-          </a:p>
-          <a:p>
-            <a:r>
-              <a:rPr lang="en-US" dirty="0"/>
-              <a:t>Spy</a:t>
-            </a:r>
-          </a:p>
-        </p:txBody>
-      </p:sp>
-      <p:sp>
-        <p:nvSpPr>
-          <p:cNvPr id="9" name="Date Placeholder 8">
-            <a:extLst>
-              <a:ext uri="{FF2B5EF4-FFF2-40B4-BE49-F238E27FC236}">
-                <a16:creationId xmlns:a16="http://schemas.microsoft.com/office/drawing/2014/main" id="{2C656694-E8B8-4DAB-A4FD-23655A1F1187}"/>
-              </a:ext>
-            </a:extLst>
-          </p:cNvPr>
-          <p:cNvSpPr>
-            <a:spLocks noGrp="1"/>
-          </p:cNvSpPr>
-          <p:nvPr>
-            <p:ph type="dt" sz="half" idx="10"/>
-          </p:nvPr>
-        </p:nvSpPr>
-        <p:spPr>
-          <a:xfrm rot="5400000">
-            <a:off x="-1001475" y="1517536"/>
-            <a:ext cx="2801123" cy="365125"/>
-          </a:xfrm>
-        </p:spPr>
-        <p:txBody>
-          <a:bodyPr>
-            <a:normAutofit/>
-          </a:bodyPr>
-          <a:lstStyle/>
-          <a:p>
-            <a:pPr>
-              <a:spcAft>
-                <a:spcPts val="600"/>
-              </a:spcAft>
-            </a:pPr>
-            <a:fld id="{E8C60573-8BA9-4F06-8BC5-309D58F96E5C}" type="datetime1">
-              <a:rPr lang="en-US">
-                <a:solidFill>
-                  <a:srgbClr val="FFFFFF"/>
-                </a:solidFill>
-              </a:rPr>
-              <a:pPr>
-                <a:spcAft>
-                  <a:spcPts val="600"/>
-                </a:spcAft>
-              </a:pPr>
-              <a:t>8/14/2023</a:t>
-            </a:fld>
-            <a:endParaRPr lang="en-US">
-              <a:solidFill>
-                <a:srgbClr val="FFFFFF"/>
-              </a:solidFill>
-            </a:endParaRPr>
-          </a:p>
-        </p:txBody>
-      </p:sp>
-      <p:sp>
-        <p:nvSpPr>
-          <p:cNvPr id="11" name="Footer Placeholder 9">
-            <a:extLst>
-              <a:ext uri="{FF2B5EF4-FFF2-40B4-BE49-F238E27FC236}">
-                <a16:creationId xmlns:a16="http://schemas.microsoft.com/office/drawing/2014/main" id="{2C26A52E-FD03-472C-B2A6-1828C634DA21}"/>
-              </a:ext>
-            </a:extLst>
-          </p:cNvPr>
-          <p:cNvSpPr>
-            <a:spLocks noGrp="1"/>
-          </p:cNvSpPr>
-          <p:nvPr>
-            <p:ph type="ftr" sz="quarter" idx="11"/>
-          </p:nvPr>
-        </p:nvSpPr>
-        <p:spPr>
-          <a:xfrm rot="5400000">
-            <a:off x="10118764" y="4237870"/>
-            <a:ext cx="3344053" cy="365125"/>
-          </a:xfrm>
-        </p:spPr>
-        <p:txBody>
-          <a:bodyPr>
-            <a:normAutofit/>
-          </a:bodyPr>
-          <a:lstStyle/>
-          <a:p>
-            <a:pPr>
-              <a:spcAft>
-                <a:spcPts val="600"/>
-              </a:spcAft>
-            </a:pPr>
-            <a:r>
-              <a:rPr lang="en-US">
-                <a:effectLst>
-                  <a:outerShdw blurRad="38100" dist="38100" dir="2700000" algn="tl">
-                    <a:srgbClr val="000000">
-                      <a:alpha val="43137"/>
-                    </a:srgbClr>
-                  </a:outerShdw>
-                </a:effectLst>
-              </a:rPr>
-              <a:t>Sample Footer Text</a:t>
-            </a:r>
-          </a:p>
-        </p:txBody>
-      </p:sp>
-      <p:sp>
-        <p:nvSpPr>
-          <p:cNvPr id="13" name="Slide Number Placeholder 10">
-            <a:extLst>
-              <a:ext uri="{FF2B5EF4-FFF2-40B4-BE49-F238E27FC236}">
-                <a16:creationId xmlns:a16="http://schemas.microsoft.com/office/drawing/2014/main" id="{1F03B11F-7EA0-4DD0-B80D-8B0E6DF73819}"/>
-              </a:ext>
-            </a:extLst>
-          </p:cNvPr>
-          <p:cNvSpPr>
-            <a:spLocks noGrp="1"/>
-          </p:cNvSpPr>
-          <p:nvPr>
-            <p:ph type="sldNum" sz="quarter" idx="12"/>
-          </p:nvPr>
-        </p:nvSpPr>
-        <p:spPr>
-          <a:xfrm>
-            <a:off x="11228877" y="6319138"/>
-            <a:ext cx="710647" cy="365125"/>
-          </a:xfrm>
-        </p:spPr>
-        <p:txBody>
-          <a:bodyPr>
-            <a:normAutofit/>
-          </a:bodyPr>
-          <a:lstStyle/>
-          <a:p>
-            <a:pPr>
-              <a:spcAft>
-                <a:spcPts val="600"/>
-              </a:spcAft>
-            </a:pPr>
-            <a:fld id="{38AB6432-E879-4FE7-87DD-5FEE9CC88187}" type="slidenum">
-              <a:rPr lang="en-US" smtClean="0">
-                <a:effectLst>
-                  <a:outerShdw blurRad="38100" dist="38100" dir="2700000" algn="tl">
-                    <a:srgbClr val="000000">
-                      <a:alpha val="43137"/>
-                    </a:srgbClr>
-                  </a:outerShdw>
-                </a:effectLst>
-              </a:rPr>
-              <a:pPr>
-                <a:spcAft>
-                  <a:spcPts val="600"/>
-                </a:spcAft>
-              </a:pPr>
-              <a:t>4</a:t>
-            </a:fld>
-            <a:endParaRPr lang="en-US">
-              <a:effectLst>
-                <a:outerShdw blurRad="38100" dist="38100" dir="2700000" algn="tl">
-                  <a:srgbClr val="000000">
-                    <a:alpha val="43137"/>
-                  </a:srgbClr>
-                </a:outerShdw>
-              </a:effectLst>
-            </a:endParaRPr>
-          </a:p>
-        </p:txBody>
-      </p:sp>
-    </p:spTree>
-    <p:extLst>
-      <p:ext uri="{BB962C8B-B14F-4D97-AF65-F5344CB8AC3E}">
-        <p14:creationId xmlns:p14="http://schemas.microsoft.com/office/powerpoint/2010/main" val="1559768314"/>
-      </p:ext>
-    </p:extLst>
-  </p:cSld>
-  <p:clrMapOvr>
-    <a:masterClrMapping/>
-  </p:clrMapOvr>
-</p:sld>
-</file>
-
-<file path=ppt/slides/slide5.xml><?xml version="1.0" encoding="utf-8"?>
-<p:sld xmlns:a="http://schemas.openxmlformats.org/drawingml/2006/main" xmlns:r="http://schemas.openxmlformats.org/officeDocument/2006/relationships" xmlns:p="http://schemas.openxmlformats.org/presentationml/2006/main">
-  <p:cSld>
-    <p:spTree>
-      <p:nvGrpSpPr>
-        <p:cNvPr id="1" name=""/>
-        <p:cNvGrpSpPr/>
-        <p:nvPr/>
-      </p:nvGrpSpPr>
-      <p:grpSpPr>
-        <a:xfrm>
-          <a:off x="0" y="0"/>
-          <a:ext cx="0" cy="0"/>
-          <a:chOff x="0" y="0"/>
-          <a:chExt cx="0" cy="0"/>
-        </a:xfrm>
-      </p:grpSpPr>
-      <p:pic>
-        <p:nvPicPr>
-          <p:cNvPr id="20" name="Picture 19">
-            <a:extLst>
-              <a:ext uri="{FF2B5EF4-FFF2-40B4-BE49-F238E27FC236}">
-                <a16:creationId xmlns:a16="http://schemas.microsoft.com/office/drawing/2014/main" id="{FE5D7F59-D4CF-B06D-FD36-E9D4BCA30162}"/>
-              </a:ext>
-            </a:extLst>
-          </p:cNvPr>
-          <p:cNvPicPr>
-            <a:picLocks noChangeAspect="1"/>
-          </p:cNvPicPr>
-          <p:nvPr/>
-        </p:nvPicPr>
-        <p:blipFill rotWithShape="1">
-          <a:blip r:embed="rId2"/>
-          <a:srcRect t="15493" r="-1" b="-1"/>
-          <a:stretch/>
-        </p:blipFill>
-        <p:spPr>
-          <a:xfrm>
-            <a:off x="20" y="-2"/>
-            <a:ext cx="8115280" cy="6858001"/>
-          </a:xfrm>
-          <a:prstGeom prst="rect">
-            <a:avLst/>
-          </a:prstGeom>
-          <a:noFill/>
-        </p:spPr>
-      </p:pic>
-      <p:sp>
-        <p:nvSpPr>
-          <p:cNvPr id="2" name="Title 1">
-            <a:extLst>
-              <a:ext uri="{FF2B5EF4-FFF2-40B4-BE49-F238E27FC236}">
-                <a16:creationId xmlns:a16="http://schemas.microsoft.com/office/drawing/2014/main" id="{714B3A5B-2224-A0B0-A507-D491804F63D9}"/>
-              </a:ext>
-            </a:extLst>
-          </p:cNvPr>
-          <p:cNvSpPr>
-            <a:spLocks noGrp="1"/>
-          </p:cNvSpPr>
-          <p:nvPr>
-            <p:ph type="ctrTitle"/>
-          </p:nvPr>
-        </p:nvSpPr>
-        <p:spPr>
-          <a:xfrm>
-            <a:off x="4038600" y="2502489"/>
-            <a:ext cx="3314700" cy="1853023"/>
-          </a:xfrm>
-        </p:spPr>
-        <p:txBody>
-          <a:bodyPr anchor="ctr">
-            <a:normAutofit/>
-          </a:bodyPr>
-          <a:lstStyle/>
-          <a:p>
-            <a:r>
-              <a:rPr lang="en-US" sz="3200"/>
-              <a:t>Moq</a:t>
-            </a:r>
-          </a:p>
-        </p:txBody>
-      </p:sp>
-      <p:sp>
-        <p:nvSpPr>
-          <p:cNvPr id="24" name="Subtitle 2">
-            <a:extLst>
-              <a:ext uri="{FF2B5EF4-FFF2-40B4-BE49-F238E27FC236}">
-                <a16:creationId xmlns:a16="http://schemas.microsoft.com/office/drawing/2014/main" id="{31A16E05-71A5-4BEB-9E57-08F801A77853}"/>
-              </a:ext>
-            </a:extLst>
-          </p:cNvPr>
-          <p:cNvSpPr>
-            <a:spLocks noGrp="1"/>
-          </p:cNvSpPr>
-          <p:nvPr>
-            <p:ph type="subTitle" idx="1"/>
-          </p:nvPr>
-        </p:nvSpPr>
-        <p:spPr>
-          <a:xfrm>
-            <a:off x="8660055" y="2502489"/>
-            <a:ext cx="2289028" cy="1853023"/>
-          </a:xfrm>
-        </p:spPr>
-        <p:txBody>
-          <a:bodyPr anchor="ctr">
-            <a:normAutofit/>
-          </a:bodyPr>
-          <a:lstStyle/>
-          <a:p>
-            <a:endParaRPr lang="en-US" sz="1600" dirty="0"/>
-          </a:p>
-        </p:txBody>
-      </p:sp>
-      <p:sp>
-        <p:nvSpPr>
-          <p:cNvPr id="16" name="Date Placeholder 3">
-            <a:extLst>
-              <a:ext uri="{FF2B5EF4-FFF2-40B4-BE49-F238E27FC236}">
-                <a16:creationId xmlns:a16="http://schemas.microsoft.com/office/drawing/2014/main" id="{AAE0E13E-A36D-4A53-8436-CA54193D1CE4}"/>
-              </a:ext>
-            </a:extLst>
-          </p:cNvPr>
-          <p:cNvSpPr>
-            <a:spLocks noGrp="1"/>
-          </p:cNvSpPr>
-          <p:nvPr>
-            <p:ph type="dt" sz="half" idx="10"/>
-          </p:nvPr>
-        </p:nvSpPr>
-        <p:spPr>
-          <a:xfrm rot="5400000">
-            <a:off x="-1001475" y="1517536"/>
-            <a:ext cx="2801123" cy="365125"/>
-          </a:xfrm>
-        </p:spPr>
-        <p:txBody>
-          <a:bodyPr>
-            <a:normAutofit/>
-          </a:bodyPr>
-          <a:lstStyle/>
-          <a:p>
-            <a:pPr>
-              <a:spcAft>
-                <a:spcPts val="600"/>
-              </a:spcAft>
-            </a:pPr>
-            <a:fld id="{6F6F7A39-68A7-4893-A9DB-DDE788E6BFBA}" type="datetime1">
-              <a:rPr lang="en-US">
-                <a:solidFill>
-                  <a:srgbClr val="FFFFFF"/>
-                </a:solidFill>
-              </a:rPr>
-              <a:pPr>
-                <a:spcAft>
-                  <a:spcPts val="600"/>
-                </a:spcAft>
-              </a:pPr>
-              <a:t>8/14/2023</a:t>
-            </a:fld>
-            <a:endParaRPr lang="en-US">
-              <a:solidFill>
-                <a:srgbClr val="FFFFFF"/>
-              </a:solidFill>
-            </a:endParaRPr>
-          </a:p>
-        </p:txBody>
-      </p:sp>
-      <p:sp>
-        <p:nvSpPr>
-          <p:cNvPr id="17" name="Footer Placeholder 4">
-            <a:extLst>
-              <a:ext uri="{FF2B5EF4-FFF2-40B4-BE49-F238E27FC236}">
-                <a16:creationId xmlns:a16="http://schemas.microsoft.com/office/drawing/2014/main" id="{4428F461-242C-46E6-B120-73EE41EDFFA1}"/>
-              </a:ext>
-            </a:extLst>
-          </p:cNvPr>
-          <p:cNvSpPr>
-            <a:spLocks noGrp="1"/>
-          </p:cNvSpPr>
-          <p:nvPr>
-            <p:ph type="ftr" sz="quarter" idx="11"/>
-          </p:nvPr>
-        </p:nvSpPr>
-        <p:spPr>
-          <a:xfrm rot="5400000">
-            <a:off x="10118764" y="4237870"/>
-            <a:ext cx="3344053" cy="365125"/>
-          </a:xfrm>
-        </p:spPr>
-        <p:txBody>
-          <a:bodyPr>
-            <a:normAutofit/>
-          </a:bodyPr>
-          <a:lstStyle/>
-          <a:p>
-            <a:pPr>
-              <a:spcAft>
-                <a:spcPts val="600"/>
-              </a:spcAft>
-            </a:pPr>
-            <a:r>
-              <a:rPr lang="en-US"/>
-              <a:t>Sample Footer Text</a:t>
-            </a:r>
-          </a:p>
-        </p:txBody>
-      </p:sp>
-      <p:sp>
-        <p:nvSpPr>
-          <p:cNvPr id="18" name="Slide Number Placeholder 5">
-            <a:extLst>
-              <a:ext uri="{FF2B5EF4-FFF2-40B4-BE49-F238E27FC236}">
-                <a16:creationId xmlns:a16="http://schemas.microsoft.com/office/drawing/2014/main" id="{D61641D1-39F6-45D5-A871-0729C059ED7C}"/>
-              </a:ext>
-            </a:extLst>
-          </p:cNvPr>
-          <p:cNvSpPr>
-            <a:spLocks noGrp="1"/>
-          </p:cNvSpPr>
-          <p:nvPr>
-            <p:ph type="sldNum" sz="quarter" idx="12"/>
-          </p:nvPr>
-        </p:nvSpPr>
-        <p:spPr>
-          <a:xfrm>
-            <a:off x="11228877" y="6319138"/>
-            <a:ext cx="710647" cy="365125"/>
-          </a:xfrm>
-        </p:spPr>
-        <p:txBody>
-          <a:bodyPr>
-            <a:normAutofit/>
-          </a:bodyPr>
-          <a:lstStyle/>
-          <a:p>
-            <a:pPr>
-              <a:spcAft>
-                <a:spcPts val="600"/>
-              </a:spcAft>
-            </a:pPr>
-            <a:fld id="{CB43FFD5-6656-4C69-9CDD-D1B69A112D7A}" type="slidenum">
-              <a:rPr lang="en-US" smtClean="0"/>
-              <a:pPr>
-                <a:spcAft>
-                  <a:spcPts val="600"/>
-                </a:spcAft>
-              </a:pPr>
-              <a:t>5</a:t>
-            </a:fld>
-            <a:endParaRPr lang="en-US"/>
-          </a:p>
-        </p:txBody>
-      </p:sp>
-    </p:spTree>
-    <p:extLst>
-      <p:ext uri="{BB962C8B-B14F-4D97-AF65-F5344CB8AC3E}">
-        <p14:creationId xmlns:p14="http://schemas.microsoft.com/office/powerpoint/2010/main" val="3345654524"/>
-      </p:ext>
-    </p:extLst>
-  </p:cSld>
-  <p:clrMapOvr>
-    <a:masterClrMapping/>
-  </p:clrMapOvr>
-</p:sld>
-</file>
-
-<file path=ppt/slides/slide6.xml><?xml version="1.0" encoding="utf-8"?>
-<p:sld xmlns:a="http://schemas.openxmlformats.org/drawingml/2006/main" xmlns:r="http://schemas.openxmlformats.org/officeDocument/2006/relationships" xmlns:p="http://schemas.openxmlformats.org/presentationml/2006/main">
-  <p:cSld>
-    <p:spTree>
-      <p:nvGrpSpPr>
-        <p:cNvPr id="1" name=""/>
-        <p:cNvGrpSpPr/>
-        <p:nvPr/>
-      </p:nvGrpSpPr>
-      <p:grpSpPr>
-        <a:xfrm>
-          <a:off x="0" y="0"/>
-          <a:ext cx="0" cy="0"/>
-          <a:chOff x="0" y="0"/>
-          <a:chExt cx="0" cy="0"/>
-        </a:xfrm>
-      </p:grpSpPr>
-      <p:sp>
-        <p:nvSpPr>
-          <p:cNvPr id="2" name="Title 1">
-            <a:extLst>
-              <a:ext uri="{FF2B5EF4-FFF2-40B4-BE49-F238E27FC236}">
-                <a16:creationId xmlns:a16="http://schemas.microsoft.com/office/drawing/2014/main" id="{EF002939-4C68-EAA9-D373-CC5FB6702FF7}"/>
-              </a:ext>
-            </a:extLst>
-          </p:cNvPr>
-          <p:cNvSpPr>
-            <a:spLocks noGrp="1"/>
-          </p:cNvSpPr>
-          <p:nvPr>
-            <p:ph type="ctrTitle"/>
-          </p:nvPr>
-        </p:nvSpPr>
-        <p:spPr>
-          <a:xfrm>
-            <a:off x="4876799" y="2176549"/>
-            <a:ext cx="5676901" cy="1447466"/>
-          </a:xfrm>
-        </p:spPr>
-        <p:txBody>
-          <a:bodyPr>
-            <a:normAutofit/>
-          </a:bodyPr>
-          <a:lstStyle/>
-          <a:p>
-            <a:r>
-              <a:rPr lang="en-US" sz="3200"/>
-              <a:t>NSubstitute</a:t>
-            </a:r>
-          </a:p>
-        </p:txBody>
-      </p:sp>
-      <p:sp>
-        <p:nvSpPr>
-          <p:cNvPr id="24" name="Subtitle 2">
-            <a:extLst>
-              <a:ext uri="{FF2B5EF4-FFF2-40B4-BE49-F238E27FC236}">
-                <a16:creationId xmlns:a16="http://schemas.microsoft.com/office/drawing/2014/main" id="{E0BA1E29-6B4E-4DB4-8C92-84293BC9E84C}"/>
-              </a:ext>
-            </a:extLst>
-          </p:cNvPr>
-          <p:cNvSpPr>
-            <a:spLocks noGrp="1"/>
-          </p:cNvSpPr>
-          <p:nvPr>
-            <p:ph type="subTitle" idx="1"/>
-          </p:nvPr>
-        </p:nvSpPr>
-        <p:spPr>
-          <a:xfrm>
-            <a:off x="4876799" y="3858564"/>
-            <a:ext cx="5676901" cy="1061184"/>
-          </a:xfrm>
-        </p:spPr>
-        <p:txBody>
-          <a:bodyPr>
-            <a:normAutofit/>
-          </a:bodyPr>
-          <a:lstStyle/>
-          <a:p>
-            <a:endParaRPr lang="en-US" sz="1600" dirty="0"/>
-          </a:p>
-        </p:txBody>
-      </p:sp>
-      <p:pic>
-        <p:nvPicPr>
-          <p:cNvPr id="20" name="Picture 19" descr="A dna strand with dots and circles&#10;&#10;Description automatically generated">
-            <a:extLst>
-              <a:ext uri="{FF2B5EF4-FFF2-40B4-BE49-F238E27FC236}">
-                <a16:creationId xmlns:a16="http://schemas.microsoft.com/office/drawing/2014/main" id="{7D4D2BC2-074B-B7E9-F493-652B72241D50}"/>
-              </a:ext>
-            </a:extLst>
-          </p:cNvPr>
-          <p:cNvPicPr>
-            <a:picLocks noChangeAspect="1"/>
-          </p:cNvPicPr>
-          <p:nvPr/>
-        </p:nvPicPr>
-        <p:blipFill rotWithShape="1">
-          <a:blip r:embed="rId2"/>
-          <a:srcRect t="312" r="2" b="2"/>
-          <a:stretch/>
-        </p:blipFill>
-        <p:spPr>
-          <a:xfrm>
-            <a:off x="-1" y="1371600"/>
-            <a:ext cx="4076699" cy="4114800"/>
-          </a:xfrm>
-          <a:prstGeom prst="rect">
-            <a:avLst/>
-          </a:prstGeom>
-          <a:noFill/>
-        </p:spPr>
-      </p:pic>
-      <p:sp>
-        <p:nvSpPr>
-          <p:cNvPr id="9" name="Date Placeholder 3">
-            <a:extLst>
-              <a:ext uri="{FF2B5EF4-FFF2-40B4-BE49-F238E27FC236}">
-                <a16:creationId xmlns:a16="http://schemas.microsoft.com/office/drawing/2014/main" id="{AAE0E13E-A36D-4A53-8436-CA54193D1CE4}"/>
-              </a:ext>
-            </a:extLst>
-          </p:cNvPr>
-          <p:cNvSpPr>
-            <a:spLocks noGrp="1"/>
-          </p:cNvSpPr>
-          <p:nvPr>
-            <p:ph type="dt" sz="half" idx="10"/>
-          </p:nvPr>
-        </p:nvSpPr>
-        <p:spPr>
-          <a:xfrm rot="5400000">
-            <a:off x="-1001475" y="1517536"/>
-            <a:ext cx="2801123" cy="365125"/>
-          </a:xfrm>
-        </p:spPr>
-        <p:txBody>
-          <a:bodyPr>
-            <a:normAutofit/>
-          </a:bodyPr>
-          <a:lstStyle/>
-          <a:p>
-            <a:pPr>
-              <a:spcAft>
-                <a:spcPts val="600"/>
-              </a:spcAft>
-            </a:pPr>
-            <a:fld id="{6F6F7A39-68A7-4893-A9DB-DDE788E6BFBA}" type="datetime1">
-              <a:rPr lang="en-US" smtClean="0"/>
-              <a:pPr>
-                <a:spcAft>
-                  <a:spcPts val="600"/>
-                </a:spcAft>
-              </a:pPr>
-              <a:t>8/15/2023</a:t>
-            </a:fld>
-            <a:endParaRPr lang="en-US"/>
-          </a:p>
-        </p:txBody>
-      </p:sp>
-      <p:sp>
-        <p:nvSpPr>
-          <p:cNvPr id="11" name="Footer Placeholder 4">
-            <a:extLst>
-              <a:ext uri="{FF2B5EF4-FFF2-40B4-BE49-F238E27FC236}">
-                <a16:creationId xmlns:a16="http://schemas.microsoft.com/office/drawing/2014/main" id="{4428F461-242C-46E6-B120-73EE41EDFFA1}"/>
-              </a:ext>
-            </a:extLst>
-          </p:cNvPr>
-          <p:cNvSpPr>
-            <a:spLocks noGrp="1"/>
-          </p:cNvSpPr>
-          <p:nvPr>
-            <p:ph type="ftr" sz="quarter" idx="11"/>
-          </p:nvPr>
-        </p:nvSpPr>
-        <p:spPr>
-          <a:xfrm rot="5400000">
-            <a:off x="10118764" y="4237870"/>
-            <a:ext cx="3344053" cy="365125"/>
-          </a:xfrm>
-        </p:spPr>
-        <p:txBody>
-          <a:bodyPr>
-            <a:normAutofit/>
-          </a:bodyPr>
-          <a:lstStyle/>
-          <a:p>
-            <a:pPr>
-              <a:spcAft>
-                <a:spcPts val="600"/>
-              </a:spcAft>
-            </a:pPr>
-            <a:r>
-              <a:rPr lang="en-US"/>
-              <a:t>Sample Footer Text</a:t>
-            </a:r>
-          </a:p>
-        </p:txBody>
-      </p:sp>
-      <p:sp>
-        <p:nvSpPr>
-          <p:cNvPr id="13" name="Slide Number Placeholder 5">
-            <a:extLst>
-              <a:ext uri="{FF2B5EF4-FFF2-40B4-BE49-F238E27FC236}">
-                <a16:creationId xmlns:a16="http://schemas.microsoft.com/office/drawing/2014/main" id="{D61641D1-39F6-45D5-A871-0729C059ED7C}"/>
-              </a:ext>
-            </a:extLst>
-          </p:cNvPr>
-          <p:cNvSpPr>
-            <a:spLocks noGrp="1"/>
-          </p:cNvSpPr>
-          <p:nvPr>
-            <p:ph type="sldNum" sz="quarter" idx="12"/>
-          </p:nvPr>
-        </p:nvSpPr>
-        <p:spPr>
-          <a:xfrm>
-            <a:off x="11228877" y="6319138"/>
-            <a:ext cx="710647" cy="365125"/>
-          </a:xfrm>
-        </p:spPr>
-        <p:txBody>
-          <a:bodyPr>
-            <a:normAutofit/>
-          </a:bodyPr>
-          <a:lstStyle/>
-          <a:p>
-            <a:pPr>
-              <a:spcAft>
-                <a:spcPts val="600"/>
-              </a:spcAft>
-            </a:pPr>
-            <a:fld id="{CB43FFD5-6656-4C69-9CDD-D1B69A112D7A}" type="slidenum">
-              <a:rPr lang="en-US" smtClean="0"/>
-              <a:pPr>
-                <a:spcAft>
-                  <a:spcPts val="600"/>
-                </a:spcAft>
-              </a:pPr>
-              <a:t>6</a:t>
-            </a:fld>
-            <a:endParaRPr lang="en-US"/>
-          </a:p>
-        </p:txBody>
-      </p:sp>
-    </p:spTree>
-    <p:extLst>
-      <p:ext uri="{BB962C8B-B14F-4D97-AF65-F5344CB8AC3E}">
-        <p14:creationId xmlns:p14="http://schemas.microsoft.com/office/powerpoint/2010/main" val="1595908076"/>
-      </p:ext>
-    </p:extLst>
-  </p:cSld>
-  <p:clrMapOvr>
-    <a:masterClrMapping/>
-  </p:clrMapOvr>
-</p:sld>
-</file>
-
-<file path=ppt/slides/slide7.xml><?xml version="1.0" encoding="utf-8"?>
-<p:sld xmlns:a="http://schemas.openxmlformats.org/drawingml/2006/main" xmlns:r="http://schemas.openxmlformats.org/officeDocument/2006/relationships" xmlns:p="http://schemas.openxmlformats.org/presentationml/2006/main">
-  <p:cSld>
-    <p:spTree>
-      <p:nvGrpSpPr>
-        <p:cNvPr id="1" name=""/>
-        <p:cNvGrpSpPr/>
-        <p:nvPr/>
-      </p:nvGrpSpPr>
-      <p:grpSpPr>
-        <a:xfrm>
-          <a:off x="0" y="0"/>
-          <a:ext cx="0" cy="0"/>
-          <a:chOff x="0" y="0"/>
-          <a:chExt cx="0" cy="0"/>
-        </a:xfrm>
-      </p:grpSpPr>
-      <p:pic>
-        <p:nvPicPr>
-          <p:cNvPr id="15" name="Picture 14" descr="A collection of different shapes&#10;&#10;Description automatically generated">
-            <a:extLst>
-              <a:ext uri="{FF2B5EF4-FFF2-40B4-BE49-F238E27FC236}">
-                <a16:creationId xmlns:a16="http://schemas.microsoft.com/office/drawing/2014/main" id="{B188FFE4-043B-25AF-F104-282222F48CB0}"/>
-              </a:ext>
-            </a:extLst>
-          </p:cNvPr>
-          <p:cNvPicPr>
-            <a:picLocks noChangeAspect="1"/>
-          </p:cNvPicPr>
-          <p:nvPr/>
-        </p:nvPicPr>
-        <p:blipFill rotWithShape="1">
-          <a:blip r:embed="rId2"/>
-          <a:srcRect l="4832" r="10559"/>
-          <a:stretch/>
-        </p:blipFill>
-        <p:spPr>
-          <a:xfrm>
-            <a:off x="20" y="-2"/>
-            <a:ext cx="8115280" cy="6858001"/>
-          </a:xfrm>
-          <a:prstGeom prst="rect">
-            <a:avLst/>
-          </a:prstGeom>
-          <a:noFill/>
-        </p:spPr>
-      </p:pic>
-      <p:sp>
-        <p:nvSpPr>
-          <p:cNvPr id="2" name="Title 1">
-            <a:extLst>
-              <a:ext uri="{FF2B5EF4-FFF2-40B4-BE49-F238E27FC236}">
-                <a16:creationId xmlns:a16="http://schemas.microsoft.com/office/drawing/2014/main" id="{D44A398F-49F1-297C-03C0-86AFC840A345}"/>
-              </a:ext>
-            </a:extLst>
-          </p:cNvPr>
-          <p:cNvSpPr>
-            <a:spLocks noGrp="1"/>
-          </p:cNvSpPr>
-          <p:nvPr>
-            <p:ph type="ctrTitle"/>
-          </p:nvPr>
-        </p:nvSpPr>
-        <p:spPr>
-          <a:xfrm>
-            <a:off x="4038600" y="2502489"/>
-            <a:ext cx="3314700" cy="1853023"/>
-          </a:xfrm>
-        </p:spPr>
-        <p:txBody>
-          <a:bodyPr anchor="ctr">
-            <a:normAutofit/>
-          </a:bodyPr>
-          <a:lstStyle/>
-          <a:p>
-            <a:r>
-              <a:rPr lang="en-US" sz="3200" dirty="0" err="1"/>
-              <a:t>FakeItEasy</a:t>
-            </a:r>
-            <a:endParaRPr lang="en-US" sz="3200" dirty="0"/>
-          </a:p>
-        </p:txBody>
-      </p:sp>
-      <p:sp>
-        <p:nvSpPr>
-          <p:cNvPr id="19" name="Subtitle 2">
-            <a:extLst>
-              <a:ext uri="{FF2B5EF4-FFF2-40B4-BE49-F238E27FC236}">
-                <a16:creationId xmlns:a16="http://schemas.microsoft.com/office/drawing/2014/main" id="{31A16E05-71A5-4BEB-9E57-08F801A77853}"/>
-              </a:ext>
-            </a:extLst>
-          </p:cNvPr>
-          <p:cNvSpPr>
-            <a:spLocks noGrp="1"/>
-          </p:cNvSpPr>
-          <p:nvPr>
-            <p:ph type="subTitle" idx="1"/>
-          </p:nvPr>
-        </p:nvSpPr>
-        <p:spPr>
-          <a:xfrm>
-            <a:off x="8660055" y="2502489"/>
-            <a:ext cx="2289028" cy="1853023"/>
-          </a:xfrm>
-        </p:spPr>
-        <p:txBody>
-          <a:bodyPr anchor="ctr">
-            <a:normAutofit/>
-          </a:bodyPr>
-          <a:lstStyle/>
-          <a:p>
-            <a:endParaRPr lang="en-US" sz="1600" dirty="0"/>
-          </a:p>
-        </p:txBody>
-      </p:sp>
-      <p:sp>
-        <p:nvSpPr>
-          <p:cNvPr id="9" name="Date Placeholder 3">
-            <a:extLst>
-              <a:ext uri="{FF2B5EF4-FFF2-40B4-BE49-F238E27FC236}">
-                <a16:creationId xmlns:a16="http://schemas.microsoft.com/office/drawing/2014/main" id="{C04CEF74-E26D-4E0B-A195-FA813119FE38}"/>
-              </a:ext>
-            </a:extLst>
-          </p:cNvPr>
-          <p:cNvSpPr>
-            <a:spLocks noGrp="1"/>
-          </p:cNvSpPr>
-          <p:nvPr>
-            <p:ph type="dt" sz="half" idx="10"/>
-          </p:nvPr>
-        </p:nvSpPr>
-        <p:spPr>
-          <a:xfrm rot="5400000">
-            <a:off x="-1001475" y="1517536"/>
-            <a:ext cx="2801123" cy="365125"/>
-          </a:xfrm>
-        </p:spPr>
-        <p:txBody>
-          <a:bodyPr>
-            <a:normAutofit/>
-          </a:bodyPr>
-          <a:lstStyle/>
-          <a:p>
-            <a:pPr>
-              <a:spcAft>
-                <a:spcPts val="600"/>
-              </a:spcAft>
-            </a:pPr>
-            <a:fld id="{6F6F7A39-68A7-4893-A9DB-DDE788E6BFBA}" type="datetime1">
-              <a:rPr lang="en-US">
-                <a:solidFill>
-                  <a:srgbClr val="FFFFFF"/>
-                </a:solidFill>
-              </a:rPr>
-              <a:pPr>
-                <a:spcAft>
-                  <a:spcPts val="600"/>
-                </a:spcAft>
-              </a:pPr>
-              <a:t>8/15/2023</a:t>
-            </a:fld>
-            <a:endParaRPr lang="en-US">
-              <a:solidFill>
-                <a:srgbClr val="FFFFFF"/>
-              </a:solidFill>
-            </a:endParaRPr>
-          </a:p>
-        </p:txBody>
-      </p:sp>
-      <p:sp>
-        <p:nvSpPr>
-          <p:cNvPr id="11" name="Footer Placeholder 4">
-            <a:extLst>
-              <a:ext uri="{FF2B5EF4-FFF2-40B4-BE49-F238E27FC236}">
-                <a16:creationId xmlns:a16="http://schemas.microsoft.com/office/drawing/2014/main" id="{FC75CE3D-0138-4DAF-951A-29762735BBA8}"/>
-              </a:ext>
-            </a:extLst>
-          </p:cNvPr>
-          <p:cNvSpPr>
-            <a:spLocks noGrp="1"/>
-          </p:cNvSpPr>
-          <p:nvPr>
-            <p:ph type="ftr" sz="quarter" idx="11"/>
-          </p:nvPr>
-        </p:nvSpPr>
-        <p:spPr>
-          <a:xfrm rot="5400000">
-            <a:off x="10118764" y="4237870"/>
-            <a:ext cx="3344053" cy="365125"/>
-          </a:xfrm>
-        </p:spPr>
-        <p:txBody>
-          <a:bodyPr>
-            <a:normAutofit/>
-          </a:bodyPr>
-          <a:lstStyle/>
-          <a:p>
-            <a:pPr>
-              <a:spcAft>
-                <a:spcPts val="600"/>
-              </a:spcAft>
-            </a:pPr>
-            <a:r>
-              <a:rPr lang="en-US"/>
-              <a:t>Sample Footer Text</a:t>
-            </a:r>
-          </a:p>
-        </p:txBody>
-      </p:sp>
-      <p:sp>
-        <p:nvSpPr>
-          <p:cNvPr id="13" name="Slide Number Placeholder 5">
-            <a:extLst>
-              <a:ext uri="{FF2B5EF4-FFF2-40B4-BE49-F238E27FC236}">
-                <a16:creationId xmlns:a16="http://schemas.microsoft.com/office/drawing/2014/main" id="{90DD770C-4867-427E-B618-999618B9AA3E}"/>
-              </a:ext>
-            </a:extLst>
-          </p:cNvPr>
-          <p:cNvSpPr>
-            <a:spLocks noGrp="1"/>
-          </p:cNvSpPr>
-          <p:nvPr>
-            <p:ph type="sldNum" sz="quarter" idx="12"/>
-          </p:nvPr>
-        </p:nvSpPr>
-        <p:spPr>
-          <a:xfrm>
-            <a:off x="11228877" y="6319138"/>
-            <a:ext cx="710647" cy="365125"/>
-          </a:xfrm>
-        </p:spPr>
-        <p:txBody>
-          <a:bodyPr>
-            <a:normAutofit/>
-          </a:bodyPr>
-          <a:lstStyle/>
-          <a:p>
-            <a:pPr>
-              <a:spcAft>
-                <a:spcPts val="600"/>
-              </a:spcAft>
-            </a:pPr>
-            <a:fld id="{CB43FFD5-6656-4C69-9CDD-D1B69A112D7A}" type="slidenum">
-              <a:rPr lang="en-US" smtClean="0"/>
-              <a:pPr>
-                <a:spcAft>
-                  <a:spcPts val="600"/>
-                </a:spcAft>
-              </a:pPr>
-              <a:t>7</a:t>
-            </a:fld>
-            <a:endParaRPr lang="en-US"/>
-          </a:p>
-        </p:txBody>
-      </p:sp>
-    </p:spTree>
-    <p:extLst>
-      <p:ext uri="{BB962C8B-B14F-4D97-AF65-F5344CB8AC3E}">
-        <p14:creationId xmlns:p14="http://schemas.microsoft.com/office/powerpoint/2010/main" val="3117752766"/>
-      </p:ext>
-    </p:extLst>
-  </p:cSld>
-  <p:clrMapOvr>
-    <a:masterClrMapping/>
-  </p:clrMapOvr>
-</p:sld>
-</file>
-
-<file path=ppt/slides/slide8.xml><?xml version="1.0" encoding="utf-8"?>
-<p:sld xmlns:a="http://schemas.openxmlformats.org/drawingml/2006/main" xmlns:r="http://schemas.openxmlformats.org/officeDocument/2006/relationships" xmlns:p="http://schemas.openxmlformats.org/presentationml/2006/main">
-  <p:cSld>
-    <p:spTree>
-      <p:nvGrpSpPr>
-        <p:cNvPr id="1" name=""/>
-        <p:cNvGrpSpPr/>
-        <p:nvPr/>
-      </p:nvGrpSpPr>
-      <p:grpSpPr>
-        <a:xfrm>
-          <a:off x="0" y="0"/>
-          <a:ext cx="0" cy="0"/>
-          <a:chOff x="0" y="0"/>
-          <a:chExt cx="0" cy="0"/>
-        </a:xfrm>
-      </p:grpSpPr>
-      <p:pic>
-        <p:nvPicPr>
-          <p:cNvPr id="4" name="Picture 3" descr="An image of a rhino in black and white">
-            <a:extLst>
-              <a:ext uri="{FF2B5EF4-FFF2-40B4-BE49-F238E27FC236}">
-                <a16:creationId xmlns:a16="http://schemas.microsoft.com/office/drawing/2014/main" id="{BCFF856F-2F05-8255-5473-D4B83649DE41}"/>
-              </a:ext>
-            </a:extLst>
-          </p:cNvPr>
-          <p:cNvPicPr>
-            <a:picLocks noChangeAspect="1"/>
-          </p:cNvPicPr>
-          <p:nvPr/>
-        </p:nvPicPr>
-        <p:blipFill rotWithShape="1">
-          <a:blip r:embed="rId2"/>
-          <a:srcRect l="19426" r="11940" b="-1"/>
-          <a:stretch/>
-        </p:blipFill>
-        <p:spPr>
-          <a:xfrm>
-            <a:off x="20" y="-2"/>
-            <a:ext cx="8115280" cy="6858001"/>
-          </a:xfrm>
-          <a:prstGeom prst="rect">
-            <a:avLst/>
-          </a:prstGeom>
-          <a:noFill/>
-        </p:spPr>
-      </p:pic>
-      <p:sp>
-        <p:nvSpPr>
-          <p:cNvPr id="2" name="Title 1">
-            <a:extLst>
-              <a:ext uri="{FF2B5EF4-FFF2-40B4-BE49-F238E27FC236}">
-                <a16:creationId xmlns:a16="http://schemas.microsoft.com/office/drawing/2014/main" id="{3D4A1983-C5B7-719B-5421-2866A017C368}"/>
-              </a:ext>
-            </a:extLst>
-          </p:cNvPr>
-          <p:cNvSpPr>
-            <a:spLocks noGrp="1"/>
-          </p:cNvSpPr>
-          <p:nvPr>
-            <p:ph type="ctrTitle"/>
-          </p:nvPr>
-        </p:nvSpPr>
-        <p:spPr>
-          <a:xfrm>
-            <a:off x="4038600" y="2502489"/>
-            <a:ext cx="3314700" cy="1853023"/>
-          </a:xfrm>
-        </p:spPr>
-        <p:txBody>
-          <a:bodyPr anchor="ctr">
-            <a:normAutofit/>
-          </a:bodyPr>
-          <a:lstStyle/>
-          <a:p>
-            <a:r>
-              <a:rPr lang="en-US" sz="3200" dirty="0">
-                <a:solidFill>
-                  <a:schemeClr val="bg1"/>
-                </a:solidFill>
-              </a:rPr>
-              <a:t>Rhino Mocks</a:t>
-            </a:r>
-          </a:p>
-        </p:txBody>
-      </p:sp>
-      <p:sp>
-        <p:nvSpPr>
-          <p:cNvPr id="8" name="Subtitle 2">
-            <a:extLst>
-              <a:ext uri="{FF2B5EF4-FFF2-40B4-BE49-F238E27FC236}">
-                <a16:creationId xmlns:a16="http://schemas.microsoft.com/office/drawing/2014/main" id="{31A16E05-71A5-4BEB-9E57-08F801A77853}"/>
-              </a:ext>
-            </a:extLst>
-          </p:cNvPr>
-          <p:cNvSpPr>
-            <a:spLocks noGrp="1"/>
-          </p:cNvSpPr>
-          <p:nvPr>
-            <p:ph type="subTitle" idx="1"/>
-          </p:nvPr>
-        </p:nvSpPr>
-        <p:spPr>
-          <a:xfrm>
-            <a:off x="8660055" y="2502489"/>
-            <a:ext cx="2289028" cy="1853023"/>
-          </a:xfrm>
-        </p:spPr>
-        <p:txBody>
-          <a:bodyPr anchor="ctr">
-            <a:normAutofit/>
-          </a:bodyPr>
-          <a:lstStyle/>
-          <a:p>
-            <a:endParaRPr lang="en-US" sz="1600" dirty="0"/>
-          </a:p>
-        </p:txBody>
-      </p:sp>
-      <p:sp>
-        <p:nvSpPr>
-          <p:cNvPr id="10" name="Date Placeholder 3">
-            <a:extLst>
-              <a:ext uri="{FF2B5EF4-FFF2-40B4-BE49-F238E27FC236}">
-                <a16:creationId xmlns:a16="http://schemas.microsoft.com/office/drawing/2014/main" id="{BCC502FE-2A33-48B8-80DC-2DB5B10F91AF}"/>
-              </a:ext>
-            </a:extLst>
-          </p:cNvPr>
-          <p:cNvSpPr>
-            <a:spLocks noGrp="1"/>
-          </p:cNvSpPr>
-          <p:nvPr>
-            <p:ph type="dt" sz="half" idx="10"/>
-          </p:nvPr>
-        </p:nvSpPr>
-        <p:spPr>
-          <a:xfrm rot="5400000">
-            <a:off x="-1001475" y="1517536"/>
-            <a:ext cx="2801123" cy="365125"/>
-          </a:xfrm>
-        </p:spPr>
-        <p:txBody>
-          <a:bodyPr/>
-          <a:lstStyle/>
-          <a:p>
-            <a:pPr>
-              <a:spcAft>
-                <a:spcPts val="600"/>
-              </a:spcAft>
-            </a:pPr>
-            <a:fld id="{B9D10FB2-1712-417E-8236-C4017D35AE56}" type="datetime1">
-              <a:rPr lang="en-US" smtClean="0">
-                <a:solidFill>
-                  <a:srgbClr val="FFFFFF"/>
-                </a:solidFill>
-                <a:effectLst>
-                  <a:outerShdw blurRad="38100" dist="38100" dir="2700000" algn="tl">
-                    <a:srgbClr val="000000">
-                      <a:alpha val="43137"/>
-                    </a:srgbClr>
-                  </a:outerShdw>
-                </a:effectLst>
-              </a:rPr>
-              <a:pPr>
-                <a:spcAft>
-                  <a:spcPts val="600"/>
-                </a:spcAft>
-              </a:pPr>
-              <a:t>8/14/2023</a:t>
-            </a:fld>
-            <a:endParaRPr lang="en-US" dirty="0">
-              <a:solidFill>
-                <a:srgbClr val="FFFFFF"/>
-              </a:solidFill>
-              <a:effectLst>
-                <a:outerShdw blurRad="38100" dist="38100" dir="2700000" algn="tl">
-                  <a:srgbClr val="000000">
-                    <a:alpha val="43137"/>
-                  </a:srgbClr>
-                </a:outerShdw>
-              </a:effectLst>
-            </a:endParaRPr>
-          </a:p>
-        </p:txBody>
-      </p:sp>
-      <p:sp>
-        <p:nvSpPr>
-          <p:cNvPr id="12" name="Footer Placeholder 4">
-            <a:extLst>
-              <a:ext uri="{FF2B5EF4-FFF2-40B4-BE49-F238E27FC236}">
-                <a16:creationId xmlns:a16="http://schemas.microsoft.com/office/drawing/2014/main" id="{F9A67DB4-2DF1-44AA-8AA1-B9A9D488C3E5}"/>
-              </a:ext>
-            </a:extLst>
-          </p:cNvPr>
-          <p:cNvSpPr>
-            <a:spLocks noGrp="1"/>
-          </p:cNvSpPr>
-          <p:nvPr>
-            <p:ph type="ftr" sz="quarter" idx="11"/>
-          </p:nvPr>
-        </p:nvSpPr>
-        <p:spPr>
-          <a:xfrm rot="5400000">
-            <a:off x="10118764" y="4237870"/>
-            <a:ext cx="3344053" cy="365125"/>
-          </a:xfrm>
-        </p:spPr>
-        <p:txBody>
-          <a:bodyPr/>
-          <a:lstStyle/>
-          <a:p>
-            <a:pPr>
-              <a:spcAft>
-                <a:spcPts val="600"/>
-              </a:spcAft>
-            </a:pPr>
-            <a:r>
-              <a:rPr lang="en-US"/>
-              <a:t>Sample Footer Text</a:t>
-            </a:r>
-          </a:p>
-        </p:txBody>
-      </p:sp>
-      <p:sp>
-        <p:nvSpPr>
-          <p:cNvPr id="14" name="Slide Number Placeholder 5">
-            <a:extLst>
-              <a:ext uri="{FF2B5EF4-FFF2-40B4-BE49-F238E27FC236}">
-                <a16:creationId xmlns:a16="http://schemas.microsoft.com/office/drawing/2014/main" id="{2C1A5F6F-14E3-4A18-9AD2-ED95DC7184D2}"/>
-              </a:ext>
-            </a:extLst>
-          </p:cNvPr>
-          <p:cNvSpPr>
-            <a:spLocks noGrp="1"/>
-          </p:cNvSpPr>
-          <p:nvPr>
-            <p:ph type="sldNum" sz="quarter" idx="12"/>
-          </p:nvPr>
-        </p:nvSpPr>
-        <p:spPr>
-          <a:xfrm>
-            <a:off x="11228877" y="6319138"/>
-            <a:ext cx="710647" cy="365125"/>
-          </a:xfrm>
-        </p:spPr>
-        <p:txBody>
-          <a:bodyPr/>
-          <a:lstStyle/>
-          <a:p>
-            <a:pPr>
-              <a:spcAft>
-                <a:spcPts val="600"/>
-              </a:spcAft>
-            </a:pPr>
-            <a:fld id="{C15563AB-8317-4F4A-8C10-D6F570F02A77}" type="slidenum">
-              <a:rPr lang="en-US" smtClean="0"/>
-              <a:pPr>
-                <a:spcAft>
-                  <a:spcPts val="600"/>
-                </a:spcAft>
-              </a:pPr>
-              <a:t>8</a:t>
-            </a:fld>
-            <a:endParaRPr lang="en-US" dirty="0"/>
-          </a:p>
-        </p:txBody>
-      </p:sp>
-    </p:spTree>
-    <p:extLst>
-      <p:ext uri="{BB962C8B-B14F-4D97-AF65-F5344CB8AC3E}">
-        <p14:creationId xmlns:p14="http://schemas.microsoft.com/office/powerpoint/2010/main" val="1499845794"/>
-      </p:ext>
-    </p:extLst>
-  </p:cSld>
-  <p:clrMapOvr>
-    <a:masterClrMapping/>
-  </p:clrMapOvr>
-</p:sld>
-</file>
-
-<file path=ppt/slides/slide9.xml><?xml version="1.0" encoding="utf-8"?>
+<file path=ppt/slides/slide20.xml><?xml version="1.0" encoding="utf-8"?>
 <p:sld xmlns:a="http://schemas.openxmlformats.org/drawingml/2006/main" xmlns:r="http://schemas.openxmlformats.org/officeDocument/2006/relationships" xmlns:p="http://schemas.openxmlformats.org/presentationml/2006/main">
   <p:cSld>
     <p:spTree>
@@ -6713,6 +6312,2073 @@
 </p:sld>
 </file>
 
+<file path=ppt/slides/slide21.xml><?xml version="1.0" encoding="utf-8"?>
+<p:sld xmlns:a="http://schemas.openxmlformats.org/drawingml/2006/main" xmlns:r="http://schemas.openxmlformats.org/officeDocument/2006/relationships" xmlns:p="http://schemas.openxmlformats.org/presentationml/2006/main">
+  <p:cSld>
+    <p:spTree>
+      <p:nvGrpSpPr>
+        <p:cNvPr id="1" name=""/>
+        <p:cNvGrpSpPr/>
+        <p:nvPr/>
+      </p:nvGrpSpPr>
+      <p:grpSpPr>
+        <a:xfrm>
+          <a:off x="0" y="0"/>
+          <a:ext cx="0" cy="0"/>
+          <a:chOff x="0" y="0"/>
+          <a:chExt cx="0" cy="0"/>
+        </a:xfrm>
+      </p:grpSpPr>
+      <p:sp>
+        <p:nvSpPr>
+          <p:cNvPr id="2" name="Title 1">
+            <a:extLst>
+              <a:ext uri="{FF2B5EF4-FFF2-40B4-BE49-F238E27FC236}">
+                <a16:creationId xmlns:a16="http://schemas.microsoft.com/office/drawing/2014/main" id="{F94201CE-05FC-4F84-1CCB-6B4B4864A9A2}"/>
+              </a:ext>
+            </a:extLst>
+          </p:cNvPr>
+          <p:cNvSpPr>
+            <a:spLocks noGrp="1"/>
+          </p:cNvSpPr>
+          <p:nvPr>
+            <p:ph type="ctrTitle"/>
+          </p:nvPr>
+        </p:nvSpPr>
+        <p:spPr>
+          <a:xfrm>
+            <a:off x="1219200" y="5125144"/>
+            <a:ext cx="9334500" cy="771845"/>
+          </a:xfrm>
+        </p:spPr>
+        <p:txBody>
+          <a:bodyPr>
+            <a:normAutofit/>
+          </a:bodyPr>
+          <a:lstStyle/>
+          <a:p>
+            <a:r>
+              <a:rPr lang="en-US" sz="3200" dirty="0"/>
+              <a:t>The End</a:t>
+            </a:r>
+          </a:p>
+        </p:txBody>
+      </p:sp>
+      <p:sp>
+        <p:nvSpPr>
+          <p:cNvPr id="8" name="Subtitle 2">
+            <a:extLst>
+              <a:ext uri="{FF2B5EF4-FFF2-40B4-BE49-F238E27FC236}">
+                <a16:creationId xmlns:a16="http://schemas.microsoft.com/office/drawing/2014/main" id="{6D4893E4-C8BF-4FAD-8D6A-80BEA5802514}"/>
+              </a:ext>
+            </a:extLst>
+          </p:cNvPr>
+          <p:cNvSpPr>
+            <a:spLocks noGrp="1"/>
+          </p:cNvSpPr>
+          <p:nvPr>
+            <p:ph type="subTitle" idx="1"/>
+          </p:nvPr>
+        </p:nvSpPr>
+        <p:spPr>
+          <a:xfrm>
+            <a:off x="1219200" y="5970269"/>
+            <a:ext cx="9334500" cy="563187"/>
+          </a:xfrm>
+        </p:spPr>
+        <p:txBody>
+          <a:bodyPr>
+            <a:normAutofit fontScale="92500"/>
+          </a:bodyPr>
+          <a:lstStyle/>
+          <a:p>
+            <a:r>
+              <a:rPr lang="en-US" sz="1600" dirty="0"/>
+              <a:t>"The only way to do great work is to love what you do." - Steve Jobs</a:t>
+            </a:r>
+          </a:p>
+        </p:txBody>
+      </p:sp>
+      <p:pic>
+        <p:nvPicPr>
+          <p:cNvPr id="4" name="Picture 3" descr="Checkmate in a chess game">
+            <a:extLst>
+              <a:ext uri="{FF2B5EF4-FFF2-40B4-BE49-F238E27FC236}">
+                <a16:creationId xmlns:a16="http://schemas.microsoft.com/office/drawing/2014/main" id="{21619A00-9B60-0E14-9522-0ABA38ACD4C4}"/>
+              </a:ext>
+            </a:extLst>
+          </p:cNvPr>
+          <p:cNvPicPr>
+            <a:picLocks noChangeAspect="1"/>
+          </p:cNvPicPr>
+          <p:nvPr/>
+        </p:nvPicPr>
+        <p:blipFill rotWithShape="1">
+          <a:blip r:embed="rId2"/>
+          <a:srcRect t="46993" b="1026"/>
+          <a:stretch/>
+        </p:blipFill>
+        <p:spPr>
+          <a:xfrm>
+            <a:off x="20" y="10"/>
+            <a:ext cx="12191980" cy="4800590"/>
+          </a:xfrm>
+          <a:prstGeom prst="rect">
+            <a:avLst/>
+          </a:prstGeom>
+          <a:noFill/>
+        </p:spPr>
+      </p:pic>
+      <p:sp>
+        <p:nvSpPr>
+          <p:cNvPr id="10" name="Date Placeholder 3">
+            <a:extLst>
+              <a:ext uri="{FF2B5EF4-FFF2-40B4-BE49-F238E27FC236}">
+                <a16:creationId xmlns:a16="http://schemas.microsoft.com/office/drawing/2014/main" id="{136942C3-91AC-4FA1-824B-F446C8709FDA}"/>
+              </a:ext>
+            </a:extLst>
+          </p:cNvPr>
+          <p:cNvSpPr>
+            <a:spLocks noGrp="1"/>
+          </p:cNvSpPr>
+          <p:nvPr>
+            <p:ph type="dt" sz="half" idx="10"/>
+          </p:nvPr>
+        </p:nvSpPr>
+        <p:spPr>
+          <a:xfrm rot="5400000">
+            <a:off x="-1001475" y="1517536"/>
+            <a:ext cx="2801123" cy="365125"/>
+          </a:xfrm>
+        </p:spPr>
+        <p:txBody>
+          <a:bodyPr/>
+          <a:lstStyle/>
+          <a:p>
+            <a:pPr>
+              <a:spcAft>
+                <a:spcPts val="600"/>
+              </a:spcAft>
+            </a:pPr>
+            <a:fld id="{FB4A9B4C-7DF1-4A5F-B23B-BBFA693F2DE5}" type="datetime1">
+              <a:rPr lang="en-US" smtClean="0">
+                <a:solidFill>
+                  <a:srgbClr val="FFFFFF"/>
+                </a:solidFill>
+                <a:effectLst>
+                  <a:outerShdw blurRad="38100" dist="38100" dir="2700000" algn="tl">
+                    <a:srgbClr val="000000">
+                      <a:alpha val="43137"/>
+                    </a:srgbClr>
+                  </a:outerShdw>
+                </a:effectLst>
+              </a:rPr>
+              <a:pPr>
+                <a:spcAft>
+                  <a:spcPts val="600"/>
+                </a:spcAft>
+              </a:pPr>
+              <a:t>8/16/2023</a:t>
+            </a:fld>
+            <a:endParaRPr lang="en-US" dirty="0">
+              <a:solidFill>
+                <a:srgbClr val="FFFFFF"/>
+              </a:solidFill>
+              <a:effectLst>
+                <a:outerShdw blurRad="38100" dist="38100" dir="2700000" algn="tl">
+                  <a:srgbClr val="000000">
+                    <a:alpha val="43137"/>
+                  </a:srgbClr>
+                </a:outerShdw>
+              </a:effectLst>
+            </a:endParaRPr>
+          </a:p>
+        </p:txBody>
+      </p:sp>
+      <p:sp>
+        <p:nvSpPr>
+          <p:cNvPr id="12" name="Footer Placeholder 17">
+            <a:extLst>
+              <a:ext uri="{FF2B5EF4-FFF2-40B4-BE49-F238E27FC236}">
+                <a16:creationId xmlns:a16="http://schemas.microsoft.com/office/drawing/2014/main" id="{ED3F0938-885D-4EDD-AECA-100BAA42A1FA}"/>
+              </a:ext>
+            </a:extLst>
+          </p:cNvPr>
+          <p:cNvSpPr>
+            <a:spLocks noGrp="1"/>
+          </p:cNvSpPr>
+          <p:nvPr>
+            <p:ph type="ftr" sz="quarter" idx="11"/>
+          </p:nvPr>
+        </p:nvSpPr>
+        <p:spPr>
+          <a:xfrm rot="5400000">
+            <a:off x="10118764" y="4237870"/>
+            <a:ext cx="3344053" cy="365125"/>
+          </a:xfrm>
+        </p:spPr>
+        <p:txBody>
+          <a:bodyPr/>
+          <a:lstStyle/>
+          <a:p>
+            <a:pPr>
+              <a:spcAft>
+                <a:spcPts val="600"/>
+              </a:spcAft>
+            </a:pPr>
+            <a:r>
+              <a:rPr lang="en-US"/>
+              <a:t>Sample Footer Text</a:t>
+            </a:r>
+          </a:p>
+        </p:txBody>
+      </p:sp>
+      <p:sp>
+        <p:nvSpPr>
+          <p:cNvPr id="14" name="Slide Number Placeholder 5">
+            <a:extLst>
+              <a:ext uri="{FF2B5EF4-FFF2-40B4-BE49-F238E27FC236}">
+                <a16:creationId xmlns:a16="http://schemas.microsoft.com/office/drawing/2014/main" id="{08EC9005-5705-4BF3-9E28-A32B3886CE50}"/>
+              </a:ext>
+            </a:extLst>
+          </p:cNvPr>
+          <p:cNvSpPr>
+            <a:spLocks noGrp="1"/>
+          </p:cNvSpPr>
+          <p:nvPr>
+            <p:ph type="sldNum" sz="quarter" idx="12"/>
+          </p:nvPr>
+        </p:nvSpPr>
+        <p:spPr>
+          <a:xfrm>
+            <a:off x="11228877" y="6319138"/>
+            <a:ext cx="710647" cy="365125"/>
+          </a:xfrm>
+        </p:spPr>
+        <p:txBody>
+          <a:bodyPr/>
+          <a:lstStyle/>
+          <a:p>
+            <a:pPr>
+              <a:spcAft>
+                <a:spcPts val="600"/>
+              </a:spcAft>
+            </a:pPr>
+            <a:fld id="{18F23307-8124-4758-BAB0-3667EABA0B67}" type="slidenum">
+              <a:rPr lang="en-US" smtClean="0"/>
+              <a:pPr>
+                <a:spcAft>
+                  <a:spcPts val="600"/>
+                </a:spcAft>
+              </a:pPr>
+              <a:t>21</a:t>
+            </a:fld>
+            <a:endParaRPr lang="en-US"/>
+          </a:p>
+        </p:txBody>
+      </p:sp>
+    </p:spTree>
+    <p:extLst>
+      <p:ext uri="{BB962C8B-B14F-4D97-AF65-F5344CB8AC3E}">
+        <p14:creationId xmlns:p14="http://schemas.microsoft.com/office/powerpoint/2010/main" val="3746716699"/>
+      </p:ext>
+    </p:extLst>
+  </p:cSld>
+  <p:clrMapOvr>
+    <a:masterClrMapping/>
+  </p:clrMapOvr>
+</p:sld>
+</file>
+
+<file path=ppt/slides/slide3.xml><?xml version="1.0" encoding="utf-8"?>
+<p:sld xmlns:a="http://schemas.openxmlformats.org/drawingml/2006/main" xmlns:r="http://schemas.openxmlformats.org/officeDocument/2006/relationships" xmlns:p="http://schemas.openxmlformats.org/presentationml/2006/main">
+  <p:cSld>
+    <p:spTree>
+      <p:nvGrpSpPr>
+        <p:cNvPr id="1" name=""/>
+        <p:cNvGrpSpPr/>
+        <p:nvPr/>
+      </p:nvGrpSpPr>
+      <p:grpSpPr>
+        <a:xfrm>
+          <a:off x="0" y="0"/>
+          <a:ext cx="0" cy="0"/>
+          <a:chOff x="0" y="0"/>
+          <a:chExt cx="0" cy="0"/>
+        </a:xfrm>
+      </p:grpSpPr>
+      <p:pic>
+        <p:nvPicPr>
+          <p:cNvPr id="5" name="Picture 4" descr="Wooden hand holding pencil">
+            <a:extLst>
+              <a:ext uri="{FF2B5EF4-FFF2-40B4-BE49-F238E27FC236}">
+                <a16:creationId xmlns:a16="http://schemas.microsoft.com/office/drawing/2014/main" id="{E228579A-7B55-CB86-CD28-59BF976474A6}"/>
+              </a:ext>
+            </a:extLst>
+          </p:cNvPr>
+          <p:cNvPicPr>
+            <a:picLocks noChangeAspect="1"/>
+          </p:cNvPicPr>
+          <p:nvPr/>
+        </p:nvPicPr>
+        <p:blipFill rotWithShape="1">
+          <a:blip r:embed="rId2"/>
+          <a:srcRect l="4202" r="24597" b="-2"/>
+          <a:stretch/>
+        </p:blipFill>
+        <p:spPr>
+          <a:xfrm>
+            <a:off x="4876800" y="-2"/>
+            <a:ext cx="7315200" cy="6858001"/>
+          </a:xfrm>
+          <a:prstGeom prst="rect">
+            <a:avLst/>
+          </a:prstGeom>
+          <a:noFill/>
+        </p:spPr>
+      </p:pic>
+      <p:sp>
+        <p:nvSpPr>
+          <p:cNvPr id="2" name="Title 1">
+            <a:extLst>
+              <a:ext uri="{FF2B5EF4-FFF2-40B4-BE49-F238E27FC236}">
+                <a16:creationId xmlns:a16="http://schemas.microsoft.com/office/drawing/2014/main" id="{CE93527C-963E-6AB1-7DB7-15403B7AD5C1}"/>
+              </a:ext>
+            </a:extLst>
+          </p:cNvPr>
+          <p:cNvSpPr>
+            <a:spLocks noGrp="1"/>
+          </p:cNvSpPr>
+          <p:nvPr>
+            <p:ph type="ctrTitle"/>
+          </p:nvPr>
+        </p:nvSpPr>
+        <p:spPr>
+          <a:xfrm>
+            <a:off x="1638104" y="2502489"/>
+            <a:ext cx="3020049" cy="1853023"/>
+          </a:xfrm>
+        </p:spPr>
+        <p:txBody>
+          <a:bodyPr anchor="ctr">
+            <a:normAutofit/>
+          </a:bodyPr>
+          <a:lstStyle/>
+          <a:p>
+            <a:r>
+              <a:rPr lang="en-US" sz="3200"/>
+              <a:t>Concepts of Mocking</a:t>
+            </a:r>
+          </a:p>
+        </p:txBody>
+      </p:sp>
+      <p:sp>
+        <p:nvSpPr>
+          <p:cNvPr id="9" name="Subtitle 2">
+            <a:extLst>
+              <a:ext uri="{FF2B5EF4-FFF2-40B4-BE49-F238E27FC236}">
+                <a16:creationId xmlns:a16="http://schemas.microsoft.com/office/drawing/2014/main" id="{31A16E05-71A5-4BEB-9E57-08F801A77853}"/>
+              </a:ext>
+            </a:extLst>
+          </p:cNvPr>
+          <p:cNvSpPr>
+            <a:spLocks noGrp="1"/>
+          </p:cNvSpPr>
+          <p:nvPr>
+            <p:ph type="subTitle" idx="1"/>
+          </p:nvPr>
+        </p:nvSpPr>
+        <p:spPr>
+          <a:xfrm>
+            <a:off x="5383455" y="2527656"/>
+            <a:ext cx="2289028" cy="1792675"/>
+          </a:xfrm>
+        </p:spPr>
+        <p:txBody>
+          <a:bodyPr anchor="ctr">
+            <a:normAutofit/>
+          </a:bodyPr>
+          <a:lstStyle/>
+          <a:p>
+            <a:r>
+              <a:rPr lang="en-US" sz="1600"/>
+              <a:t>Test double, stub</a:t>
+            </a:r>
+            <a:endParaRPr lang="en-US" sz="1600" dirty="0"/>
+          </a:p>
+        </p:txBody>
+      </p:sp>
+      <p:sp>
+        <p:nvSpPr>
+          <p:cNvPr id="11" name="Date Placeholder 3">
+            <a:extLst>
+              <a:ext uri="{FF2B5EF4-FFF2-40B4-BE49-F238E27FC236}">
+                <a16:creationId xmlns:a16="http://schemas.microsoft.com/office/drawing/2014/main" id="{BCC502FE-2A33-48B8-80DC-2DB5B10F91AF}"/>
+              </a:ext>
+            </a:extLst>
+          </p:cNvPr>
+          <p:cNvSpPr>
+            <a:spLocks noGrp="1"/>
+          </p:cNvSpPr>
+          <p:nvPr>
+            <p:ph type="dt" sz="half" idx="10"/>
+          </p:nvPr>
+        </p:nvSpPr>
+        <p:spPr>
+          <a:xfrm rot="5400000">
+            <a:off x="-1001475" y="1517536"/>
+            <a:ext cx="2801123" cy="365125"/>
+          </a:xfrm>
+        </p:spPr>
+        <p:txBody>
+          <a:bodyPr>
+            <a:normAutofit/>
+          </a:bodyPr>
+          <a:lstStyle/>
+          <a:p>
+            <a:pPr>
+              <a:spcAft>
+                <a:spcPts val="600"/>
+              </a:spcAft>
+            </a:pPr>
+            <a:fld id="{B9D10FB2-1712-417E-8236-C4017D35AE56}" type="datetime1">
+              <a:rPr lang="en-US" smtClean="0">
+                <a:effectLst>
+                  <a:outerShdw blurRad="38100" dist="38100" dir="2700000" algn="tl">
+                    <a:srgbClr val="000000">
+                      <a:alpha val="43137"/>
+                    </a:srgbClr>
+                  </a:outerShdw>
+                </a:effectLst>
+              </a:rPr>
+              <a:pPr>
+                <a:spcAft>
+                  <a:spcPts val="600"/>
+                </a:spcAft>
+              </a:pPr>
+              <a:t>8/16/2023</a:t>
+            </a:fld>
+            <a:endParaRPr lang="en-US">
+              <a:effectLst>
+                <a:outerShdw blurRad="38100" dist="38100" dir="2700000" algn="tl">
+                  <a:srgbClr val="000000">
+                    <a:alpha val="43137"/>
+                  </a:srgbClr>
+                </a:outerShdw>
+              </a:effectLst>
+            </a:endParaRPr>
+          </a:p>
+        </p:txBody>
+      </p:sp>
+      <p:sp>
+        <p:nvSpPr>
+          <p:cNvPr id="13" name="Footer Placeholder 4">
+            <a:extLst>
+              <a:ext uri="{FF2B5EF4-FFF2-40B4-BE49-F238E27FC236}">
+                <a16:creationId xmlns:a16="http://schemas.microsoft.com/office/drawing/2014/main" id="{F9A67DB4-2DF1-44AA-8AA1-B9A9D488C3E5}"/>
+              </a:ext>
+            </a:extLst>
+          </p:cNvPr>
+          <p:cNvSpPr>
+            <a:spLocks noGrp="1"/>
+          </p:cNvSpPr>
+          <p:nvPr>
+            <p:ph type="ftr" sz="quarter" idx="11"/>
+          </p:nvPr>
+        </p:nvSpPr>
+        <p:spPr>
+          <a:xfrm rot="5400000">
+            <a:off x="10118764" y="4237870"/>
+            <a:ext cx="3344053" cy="365125"/>
+          </a:xfrm>
+        </p:spPr>
+        <p:txBody>
+          <a:bodyPr>
+            <a:normAutofit/>
+          </a:bodyPr>
+          <a:lstStyle/>
+          <a:p>
+            <a:pPr>
+              <a:spcAft>
+                <a:spcPts val="600"/>
+              </a:spcAft>
+            </a:pPr>
+            <a:r>
+              <a:rPr lang="en-US">
+                <a:solidFill>
+                  <a:srgbClr val="FFFFFF"/>
+                </a:solidFill>
+              </a:rPr>
+              <a:t>Sample Footer Text</a:t>
+            </a:r>
+          </a:p>
+        </p:txBody>
+      </p:sp>
+      <p:sp>
+        <p:nvSpPr>
+          <p:cNvPr id="15" name="Slide Number Placeholder 5">
+            <a:extLst>
+              <a:ext uri="{FF2B5EF4-FFF2-40B4-BE49-F238E27FC236}">
+                <a16:creationId xmlns:a16="http://schemas.microsoft.com/office/drawing/2014/main" id="{2C1A5F6F-14E3-4A18-9AD2-ED95DC7184D2}"/>
+              </a:ext>
+            </a:extLst>
+          </p:cNvPr>
+          <p:cNvSpPr>
+            <a:spLocks noGrp="1"/>
+          </p:cNvSpPr>
+          <p:nvPr>
+            <p:ph type="sldNum" sz="quarter" idx="12"/>
+          </p:nvPr>
+        </p:nvSpPr>
+        <p:spPr>
+          <a:xfrm>
+            <a:off x="11228877" y="6319138"/>
+            <a:ext cx="710647" cy="365125"/>
+          </a:xfrm>
+        </p:spPr>
+        <p:txBody>
+          <a:bodyPr>
+            <a:normAutofit/>
+          </a:bodyPr>
+          <a:lstStyle/>
+          <a:p>
+            <a:pPr>
+              <a:spcAft>
+                <a:spcPts val="600"/>
+              </a:spcAft>
+            </a:pPr>
+            <a:fld id="{C15563AB-8317-4F4A-8C10-D6F570F02A77}" type="slidenum">
+              <a:rPr lang="en-US">
+                <a:solidFill>
+                  <a:srgbClr val="FFFFFF"/>
+                </a:solidFill>
+              </a:rPr>
+              <a:pPr>
+                <a:spcAft>
+                  <a:spcPts val="600"/>
+                </a:spcAft>
+              </a:pPr>
+              <a:t>3</a:t>
+            </a:fld>
+            <a:endParaRPr lang="en-US">
+              <a:solidFill>
+                <a:srgbClr val="FFFFFF"/>
+              </a:solidFill>
+            </a:endParaRPr>
+          </a:p>
+        </p:txBody>
+      </p:sp>
+    </p:spTree>
+    <p:extLst>
+      <p:ext uri="{BB962C8B-B14F-4D97-AF65-F5344CB8AC3E}">
+        <p14:creationId xmlns:p14="http://schemas.microsoft.com/office/powerpoint/2010/main" val="4246556095"/>
+      </p:ext>
+    </p:extLst>
+  </p:cSld>
+  <p:clrMapOvr>
+    <a:masterClrMapping/>
+  </p:clrMapOvr>
+</p:sld>
+</file>
+
+<file path=ppt/slides/slide4.xml><?xml version="1.0" encoding="utf-8"?>
+<p:sld xmlns:a="http://schemas.openxmlformats.org/drawingml/2006/main" xmlns:r="http://schemas.openxmlformats.org/officeDocument/2006/relationships" xmlns:p="http://schemas.openxmlformats.org/presentationml/2006/main">
+  <p:cSld>
+    <p:spTree>
+      <p:nvGrpSpPr>
+        <p:cNvPr id="1" name=""/>
+        <p:cNvGrpSpPr/>
+        <p:nvPr/>
+      </p:nvGrpSpPr>
+      <p:grpSpPr>
+        <a:xfrm>
+          <a:off x="0" y="0"/>
+          <a:ext cx="0" cy="0"/>
+          <a:chOff x="0" y="0"/>
+          <a:chExt cx="0" cy="0"/>
+        </a:xfrm>
+      </p:grpSpPr>
+      <p:pic>
+        <p:nvPicPr>
+          <p:cNvPr id="5" name="Picture 4" descr="Artificial hands reaching out">
+            <a:extLst>
+              <a:ext uri="{FF2B5EF4-FFF2-40B4-BE49-F238E27FC236}">
+                <a16:creationId xmlns:a16="http://schemas.microsoft.com/office/drawing/2014/main" id="{32C43398-0C90-4857-985D-06563B533FEE}"/>
+              </a:ext>
+            </a:extLst>
+          </p:cNvPr>
+          <p:cNvPicPr>
+            <a:picLocks noChangeAspect="1"/>
+          </p:cNvPicPr>
+          <p:nvPr/>
+        </p:nvPicPr>
+        <p:blipFill rotWithShape="1">
+          <a:blip r:embed="rId2"/>
+          <a:srcRect l="32475" r="35876" b="-1"/>
+          <a:stretch/>
+        </p:blipFill>
+        <p:spPr>
+          <a:xfrm>
+            <a:off x="20" y="10"/>
+            <a:ext cx="5674560" cy="6857990"/>
+          </a:xfrm>
+          <a:prstGeom prst="rect">
+            <a:avLst/>
+          </a:prstGeom>
+          <a:noFill/>
+        </p:spPr>
+      </p:pic>
+      <p:sp>
+        <p:nvSpPr>
+          <p:cNvPr id="2" name="Title 1">
+            <a:extLst>
+              <a:ext uri="{FF2B5EF4-FFF2-40B4-BE49-F238E27FC236}">
+                <a16:creationId xmlns:a16="http://schemas.microsoft.com/office/drawing/2014/main" id="{AD261C03-1CD6-A6AA-F57B-493481F88247}"/>
+              </a:ext>
+            </a:extLst>
+          </p:cNvPr>
+          <p:cNvSpPr>
+            <a:spLocks noGrp="1"/>
+          </p:cNvSpPr>
+          <p:nvPr>
+            <p:ph type="title"/>
+          </p:nvPr>
+        </p:nvSpPr>
+        <p:spPr>
+          <a:xfrm>
+            <a:off x="1638300" y="2057400"/>
+            <a:ext cx="3454484" cy="2743200"/>
+          </a:xfrm>
+        </p:spPr>
+        <p:txBody>
+          <a:bodyPr anchor="t">
+            <a:normAutofit/>
+          </a:bodyPr>
+          <a:lstStyle/>
+          <a:p>
+            <a:r>
+              <a:rPr lang="en-US"/>
+              <a:t>Concepts of Mocking</a:t>
+            </a:r>
+          </a:p>
+        </p:txBody>
+      </p:sp>
+      <p:sp>
+        <p:nvSpPr>
+          <p:cNvPr id="3" name="Content Placeholder 2">
+            <a:extLst>
+              <a:ext uri="{FF2B5EF4-FFF2-40B4-BE49-F238E27FC236}">
+                <a16:creationId xmlns:a16="http://schemas.microsoft.com/office/drawing/2014/main" id="{8F45BA6A-ADFC-8BD2-926D-CAB597DE5165}"/>
+              </a:ext>
+            </a:extLst>
+          </p:cNvPr>
+          <p:cNvSpPr>
+            <a:spLocks noGrp="1"/>
+          </p:cNvSpPr>
+          <p:nvPr>
+            <p:ph idx="1"/>
+          </p:nvPr>
+        </p:nvSpPr>
+        <p:spPr>
+          <a:xfrm>
+            <a:off x="6474679" y="2079860"/>
+            <a:ext cx="4914901" cy="2764644"/>
+          </a:xfrm>
+        </p:spPr>
+        <p:txBody>
+          <a:bodyPr>
+            <a:normAutofit/>
+          </a:bodyPr>
+          <a:lstStyle/>
+          <a:p>
+            <a:r>
+              <a:rPr lang="en-US" dirty="0"/>
+              <a:t>Fake</a:t>
+            </a:r>
+          </a:p>
+          <a:p>
+            <a:r>
+              <a:rPr lang="en-US" dirty="0"/>
+              <a:t>Spy</a:t>
+            </a:r>
+          </a:p>
+        </p:txBody>
+      </p:sp>
+      <p:sp>
+        <p:nvSpPr>
+          <p:cNvPr id="9" name="Date Placeholder 8">
+            <a:extLst>
+              <a:ext uri="{FF2B5EF4-FFF2-40B4-BE49-F238E27FC236}">
+                <a16:creationId xmlns:a16="http://schemas.microsoft.com/office/drawing/2014/main" id="{2C656694-E8B8-4DAB-A4FD-23655A1F1187}"/>
+              </a:ext>
+            </a:extLst>
+          </p:cNvPr>
+          <p:cNvSpPr>
+            <a:spLocks noGrp="1"/>
+          </p:cNvSpPr>
+          <p:nvPr>
+            <p:ph type="dt" sz="half" idx="10"/>
+          </p:nvPr>
+        </p:nvSpPr>
+        <p:spPr>
+          <a:xfrm rot="5400000">
+            <a:off x="-1001475" y="1517536"/>
+            <a:ext cx="2801123" cy="365125"/>
+          </a:xfrm>
+        </p:spPr>
+        <p:txBody>
+          <a:bodyPr>
+            <a:normAutofit/>
+          </a:bodyPr>
+          <a:lstStyle/>
+          <a:p>
+            <a:pPr>
+              <a:spcAft>
+                <a:spcPts val="600"/>
+              </a:spcAft>
+            </a:pPr>
+            <a:fld id="{E8C60573-8BA9-4F06-8BC5-309D58F96E5C}" type="datetime1">
+              <a:rPr lang="en-US">
+                <a:solidFill>
+                  <a:srgbClr val="FFFFFF"/>
+                </a:solidFill>
+              </a:rPr>
+              <a:pPr>
+                <a:spcAft>
+                  <a:spcPts val="600"/>
+                </a:spcAft>
+              </a:pPr>
+              <a:t>8/16/2023</a:t>
+            </a:fld>
+            <a:endParaRPr lang="en-US">
+              <a:solidFill>
+                <a:srgbClr val="FFFFFF"/>
+              </a:solidFill>
+            </a:endParaRPr>
+          </a:p>
+        </p:txBody>
+      </p:sp>
+      <p:sp>
+        <p:nvSpPr>
+          <p:cNvPr id="11" name="Footer Placeholder 9">
+            <a:extLst>
+              <a:ext uri="{FF2B5EF4-FFF2-40B4-BE49-F238E27FC236}">
+                <a16:creationId xmlns:a16="http://schemas.microsoft.com/office/drawing/2014/main" id="{2C26A52E-FD03-472C-B2A6-1828C634DA21}"/>
+              </a:ext>
+            </a:extLst>
+          </p:cNvPr>
+          <p:cNvSpPr>
+            <a:spLocks noGrp="1"/>
+          </p:cNvSpPr>
+          <p:nvPr>
+            <p:ph type="ftr" sz="quarter" idx="11"/>
+          </p:nvPr>
+        </p:nvSpPr>
+        <p:spPr>
+          <a:xfrm rot="5400000">
+            <a:off x="10118764" y="4237870"/>
+            <a:ext cx="3344053" cy="365125"/>
+          </a:xfrm>
+        </p:spPr>
+        <p:txBody>
+          <a:bodyPr>
+            <a:normAutofit/>
+          </a:bodyPr>
+          <a:lstStyle/>
+          <a:p>
+            <a:pPr>
+              <a:spcAft>
+                <a:spcPts val="600"/>
+              </a:spcAft>
+            </a:pPr>
+            <a:r>
+              <a:rPr lang="en-US">
+                <a:effectLst>
+                  <a:outerShdw blurRad="38100" dist="38100" dir="2700000" algn="tl">
+                    <a:srgbClr val="000000">
+                      <a:alpha val="43137"/>
+                    </a:srgbClr>
+                  </a:outerShdw>
+                </a:effectLst>
+              </a:rPr>
+              <a:t>Sample Footer Text</a:t>
+            </a:r>
+          </a:p>
+        </p:txBody>
+      </p:sp>
+      <p:sp>
+        <p:nvSpPr>
+          <p:cNvPr id="13" name="Slide Number Placeholder 10">
+            <a:extLst>
+              <a:ext uri="{FF2B5EF4-FFF2-40B4-BE49-F238E27FC236}">
+                <a16:creationId xmlns:a16="http://schemas.microsoft.com/office/drawing/2014/main" id="{1F03B11F-7EA0-4DD0-B80D-8B0E6DF73819}"/>
+              </a:ext>
+            </a:extLst>
+          </p:cNvPr>
+          <p:cNvSpPr>
+            <a:spLocks noGrp="1"/>
+          </p:cNvSpPr>
+          <p:nvPr>
+            <p:ph type="sldNum" sz="quarter" idx="12"/>
+          </p:nvPr>
+        </p:nvSpPr>
+        <p:spPr>
+          <a:xfrm>
+            <a:off x="11228877" y="6319138"/>
+            <a:ext cx="710647" cy="365125"/>
+          </a:xfrm>
+        </p:spPr>
+        <p:txBody>
+          <a:bodyPr>
+            <a:normAutofit/>
+          </a:bodyPr>
+          <a:lstStyle/>
+          <a:p>
+            <a:pPr>
+              <a:spcAft>
+                <a:spcPts val="600"/>
+              </a:spcAft>
+            </a:pPr>
+            <a:fld id="{38AB6432-E879-4FE7-87DD-5FEE9CC88187}" type="slidenum">
+              <a:rPr lang="en-US" smtClean="0">
+                <a:effectLst>
+                  <a:outerShdw blurRad="38100" dist="38100" dir="2700000" algn="tl">
+                    <a:srgbClr val="000000">
+                      <a:alpha val="43137"/>
+                    </a:srgbClr>
+                  </a:outerShdw>
+                </a:effectLst>
+              </a:rPr>
+              <a:pPr>
+                <a:spcAft>
+                  <a:spcPts val="600"/>
+                </a:spcAft>
+              </a:pPr>
+              <a:t>4</a:t>
+            </a:fld>
+            <a:endParaRPr lang="en-US">
+              <a:effectLst>
+                <a:outerShdw blurRad="38100" dist="38100" dir="2700000" algn="tl">
+                  <a:srgbClr val="000000">
+                    <a:alpha val="43137"/>
+                  </a:srgbClr>
+                </a:outerShdw>
+              </a:effectLst>
+            </a:endParaRPr>
+          </a:p>
+        </p:txBody>
+      </p:sp>
+    </p:spTree>
+    <p:extLst>
+      <p:ext uri="{BB962C8B-B14F-4D97-AF65-F5344CB8AC3E}">
+        <p14:creationId xmlns:p14="http://schemas.microsoft.com/office/powerpoint/2010/main" val="1559768314"/>
+      </p:ext>
+    </p:extLst>
+  </p:cSld>
+  <p:clrMapOvr>
+    <a:masterClrMapping/>
+  </p:clrMapOvr>
+</p:sld>
+</file>
+
+<file path=ppt/slides/slide5.xml><?xml version="1.0" encoding="utf-8"?>
+<p:sld xmlns:a="http://schemas.openxmlformats.org/drawingml/2006/main" xmlns:r="http://schemas.openxmlformats.org/officeDocument/2006/relationships" xmlns:p="http://schemas.openxmlformats.org/presentationml/2006/main">
+  <p:cSld>
+    <p:spTree>
+      <p:nvGrpSpPr>
+        <p:cNvPr id="1" name=""/>
+        <p:cNvGrpSpPr/>
+        <p:nvPr/>
+      </p:nvGrpSpPr>
+      <p:grpSpPr>
+        <a:xfrm>
+          <a:off x="0" y="0"/>
+          <a:ext cx="0" cy="0"/>
+          <a:chOff x="0" y="0"/>
+          <a:chExt cx="0" cy="0"/>
+        </a:xfrm>
+      </p:grpSpPr>
+      <p:pic>
+        <p:nvPicPr>
+          <p:cNvPr id="20" name="Picture 19">
+            <a:extLst>
+              <a:ext uri="{FF2B5EF4-FFF2-40B4-BE49-F238E27FC236}">
+                <a16:creationId xmlns:a16="http://schemas.microsoft.com/office/drawing/2014/main" id="{FE5D7F59-D4CF-B06D-FD36-E9D4BCA30162}"/>
+              </a:ext>
+            </a:extLst>
+          </p:cNvPr>
+          <p:cNvPicPr>
+            <a:picLocks noChangeAspect="1"/>
+          </p:cNvPicPr>
+          <p:nvPr/>
+        </p:nvPicPr>
+        <p:blipFill rotWithShape="1">
+          <a:blip r:embed="rId2"/>
+          <a:srcRect t="15493" r="-1" b="-1"/>
+          <a:stretch/>
+        </p:blipFill>
+        <p:spPr>
+          <a:xfrm>
+            <a:off x="20" y="-2"/>
+            <a:ext cx="8115280" cy="6858001"/>
+          </a:xfrm>
+          <a:prstGeom prst="rect">
+            <a:avLst/>
+          </a:prstGeom>
+          <a:noFill/>
+        </p:spPr>
+      </p:pic>
+      <p:sp>
+        <p:nvSpPr>
+          <p:cNvPr id="2" name="Title 1">
+            <a:extLst>
+              <a:ext uri="{FF2B5EF4-FFF2-40B4-BE49-F238E27FC236}">
+                <a16:creationId xmlns:a16="http://schemas.microsoft.com/office/drawing/2014/main" id="{714B3A5B-2224-A0B0-A507-D491804F63D9}"/>
+              </a:ext>
+            </a:extLst>
+          </p:cNvPr>
+          <p:cNvSpPr>
+            <a:spLocks noGrp="1"/>
+          </p:cNvSpPr>
+          <p:nvPr>
+            <p:ph type="ctrTitle"/>
+          </p:nvPr>
+        </p:nvSpPr>
+        <p:spPr>
+          <a:xfrm>
+            <a:off x="4038600" y="2502489"/>
+            <a:ext cx="3314700" cy="1853023"/>
+          </a:xfrm>
+        </p:spPr>
+        <p:txBody>
+          <a:bodyPr anchor="ctr">
+            <a:normAutofit/>
+          </a:bodyPr>
+          <a:lstStyle/>
+          <a:p>
+            <a:r>
+              <a:rPr lang="en-US" sz="3200"/>
+              <a:t>Moq</a:t>
+            </a:r>
+          </a:p>
+        </p:txBody>
+      </p:sp>
+      <p:sp>
+        <p:nvSpPr>
+          <p:cNvPr id="24" name="Subtitle 2">
+            <a:extLst>
+              <a:ext uri="{FF2B5EF4-FFF2-40B4-BE49-F238E27FC236}">
+                <a16:creationId xmlns:a16="http://schemas.microsoft.com/office/drawing/2014/main" id="{31A16E05-71A5-4BEB-9E57-08F801A77853}"/>
+              </a:ext>
+            </a:extLst>
+          </p:cNvPr>
+          <p:cNvSpPr>
+            <a:spLocks noGrp="1"/>
+          </p:cNvSpPr>
+          <p:nvPr>
+            <p:ph type="subTitle" idx="1"/>
+          </p:nvPr>
+        </p:nvSpPr>
+        <p:spPr>
+          <a:xfrm>
+            <a:off x="8660055" y="2502489"/>
+            <a:ext cx="2289028" cy="1853023"/>
+          </a:xfrm>
+        </p:spPr>
+        <p:txBody>
+          <a:bodyPr anchor="ctr">
+            <a:normAutofit/>
+          </a:bodyPr>
+          <a:lstStyle/>
+          <a:p>
+            <a:endParaRPr lang="en-US" sz="1600" dirty="0"/>
+          </a:p>
+        </p:txBody>
+      </p:sp>
+      <p:sp>
+        <p:nvSpPr>
+          <p:cNvPr id="16" name="Date Placeholder 3">
+            <a:extLst>
+              <a:ext uri="{FF2B5EF4-FFF2-40B4-BE49-F238E27FC236}">
+                <a16:creationId xmlns:a16="http://schemas.microsoft.com/office/drawing/2014/main" id="{AAE0E13E-A36D-4A53-8436-CA54193D1CE4}"/>
+              </a:ext>
+            </a:extLst>
+          </p:cNvPr>
+          <p:cNvSpPr>
+            <a:spLocks noGrp="1"/>
+          </p:cNvSpPr>
+          <p:nvPr>
+            <p:ph type="dt" sz="half" idx="10"/>
+          </p:nvPr>
+        </p:nvSpPr>
+        <p:spPr>
+          <a:xfrm rot="5400000">
+            <a:off x="-1001475" y="1517536"/>
+            <a:ext cx="2801123" cy="365125"/>
+          </a:xfrm>
+        </p:spPr>
+        <p:txBody>
+          <a:bodyPr>
+            <a:normAutofit/>
+          </a:bodyPr>
+          <a:lstStyle/>
+          <a:p>
+            <a:pPr>
+              <a:spcAft>
+                <a:spcPts val="600"/>
+              </a:spcAft>
+            </a:pPr>
+            <a:fld id="{6F6F7A39-68A7-4893-A9DB-DDE788E6BFBA}" type="datetime1">
+              <a:rPr lang="en-US">
+                <a:solidFill>
+                  <a:srgbClr val="FFFFFF"/>
+                </a:solidFill>
+              </a:rPr>
+              <a:pPr>
+                <a:spcAft>
+                  <a:spcPts val="600"/>
+                </a:spcAft>
+              </a:pPr>
+              <a:t>8/16/2023</a:t>
+            </a:fld>
+            <a:endParaRPr lang="en-US">
+              <a:solidFill>
+                <a:srgbClr val="FFFFFF"/>
+              </a:solidFill>
+            </a:endParaRPr>
+          </a:p>
+        </p:txBody>
+      </p:sp>
+      <p:sp>
+        <p:nvSpPr>
+          <p:cNvPr id="17" name="Footer Placeholder 4">
+            <a:extLst>
+              <a:ext uri="{FF2B5EF4-FFF2-40B4-BE49-F238E27FC236}">
+                <a16:creationId xmlns:a16="http://schemas.microsoft.com/office/drawing/2014/main" id="{4428F461-242C-46E6-B120-73EE41EDFFA1}"/>
+              </a:ext>
+            </a:extLst>
+          </p:cNvPr>
+          <p:cNvSpPr>
+            <a:spLocks noGrp="1"/>
+          </p:cNvSpPr>
+          <p:nvPr>
+            <p:ph type="ftr" sz="quarter" idx="11"/>
+          </p:nvPr>
+        </p:nvSpPr>
+        <p:spPr>
+          <a:xfrm rot="5400000">
+            <a:off x="10118764" y="4237870"/>
+            <a:ext cx="3344053" cy="365125"/>
+          </a:xfrm>
+        </p:spPr>
+        <p:txBody>
+          <a:bodyPr>
+            <a:normAutofit/>
+          </a:bodyPr>
+          <a:lstStyle/>
+          <a:p>
+            <a:pPr>
+              <a:spcAft>
+                <a:spcPts val="600"/>
+              </a:spcAft>
+            </a:pPr>
+            <a:r>
+              <a:rPr lang="en-US"/>
+              <a:t>Sample Footer Text</a:t>
+            </a:r>
+          </a:p>
+        </p:txBody>
+      </p:sp>
+      <p:sp>
+        <p:nvSpPr>
+          <p:cNvPr id="18" name="Slide Number Placeholder 5">
+            <a:extLst>
+              <a:ext uri="{FF2B5EF4-FFF2-40B4-BE49-F238E27FC236}">
+                <a16:creationId xmlns:a16="http://schemas.microsoft.com/office/drawing/2014/main" id="{D61641D1-39F6-45D5-A871-0729C059ED7C}"/>
+              </a:ext>
+            </a:extLst>
+          </p:cNvPr>
+          <p:cNvSpPr>
+            <a:spLocks noGrp="1"/>
+          </p:cNvSpPr>
+          <p:nvPr>
+            <p:ph type="sldNum" sz="quarter" idx="12"/>
+          </p:nvPr>
+        </p:nvSpPr>
+        <p:spPr>
+          <a:xfrm>
+            <a:off x="11228877" y="6319138"/>
+            <a:ext cx="710647" cy="365125"/>
+          </a:xfrm>
+        </p:spPr>
+        <p:txBody>
+          <a:bodyPr>
+            <a:normAutofit/>
+          </a:bodyPr>
+          <a:lstStyle/>
+          <a:p>
+            <a:pPr>
+              <a:spcAft>
+                <a:spcPts val="600"/>
+              </a:spcAft>
+            </a:pPr>
+            <a:fld id="{CB43FFD5-6656-4C69-9CDD-D1B69A112D7A}" type="slidenum">
+              <a:rPr lang="en-US" smtClean="0"/>
+              <a:pPr>
+                <a:spcAft>
+                  <a:spcPts val="600"/>
+                </a:spcAft>
+              </a:pPr>
+              <a:t>5</a:t>
+            </a:fld>
+            <a:endParaRPr lang="en-US"/>
+          </a:p>
+        </p:txBody>
+      </p:sp>
+    </p:spTree>
+    <p:extLst>
+      <p:ext uri="{BB962C8B-B14F-4D97-AF65-F5344CB8AC3E}">
+        <p14:creationId xmlns:p14="http://schemas.microsoft.com/office/powerpoint/2010/main" val="3345654524"/>
+      </p:ext>
+    </p:extLst>
+  </p:cSld>
+  <p:clrMapOvr>
+    <a:masterClrMapping/>
+  </p:clrMapOvr>
+</p:sld>
+</file>
+
+<file path=ppt/slides/slide6.xml><?xml version="1.0" encoding="utf-8"?>
+<p:sld xmlns:a="http://schemas.openxmlformats.org/drawingml/2006/main" xmlns:r="http://schemas.openxmlformats.org/officeDocument/2006/relationships" xmlns:p="http://schemas.openxmlformats.org/presentationml/2006/main">
+  <p:cSld>
+    <p:spTree>
+      <p:nvGrpSpPr>
+        <p:cNvPr id="1" name=""/>
+        <p:cNvGrpSpPr/>
+        <p:nvPr/>
+      </p:nvGrpSpPr>
+      <p:grpSpPr>
+        <a:xfrm>
+          <a:off x="0" y="0"/>
+          <a:ext cx="0" cy="0"/>
+          <a:chOff x="0" y="0"/>
+          <a:chExt cx="0" cy="0"/>
+        </a:xfrm>
+      </p:grpSpPr>
+      <p:sp>
+        <p:nvSpPr>
+          <p:cNvPr id="2" name="Title 1">
+            <a:extLst>
+              <a:ext uri="{FF2B5EF4-FFF2-40B4-BE49-F238E27FC236}">
+                <a16:creationId xmlns:a16="http://schemas.microsoft.com/office/drawing/2014/main" id="{BE9B3B3F-80B3-5D15-BC47-FD89E4D6A238}"/>
+              </a:ext>
+            </a:extLst>
+          </p:cNvPr>
+          <p:cNvSpPr>
+            <a:spLocks noGrp="1"/>
+          </p:cNvSpPr>
+          <p:nvPr>
+            <p:ph type="title"/>
+          </p:nvPr>
+        </p:nvSpPr>
+        <p:spPr/>
+        <p:txBody>
+          <a:bodyPr/>
+          <a:lstStyle/>
+          <a:p>
+            <a:r>
+              <a:rPr lang="en-US" dirty="0"/>
+              <a:t>Key features</a:t>
+            </a:r>
+          </a:p>
+        </p:txBody>
+      </p:sp>
+      <p:sp>
+        <p:nvSpPr>
+          <p:cNvPr id="3" name="Content Placeholder 2">
+            <a:extLst>
+              <a:ext uri="{FF2B5EF4-FFF2-40B4-BE49-F238E27FC236}">
+                <a16:creationId xmlns:a16="http://schemas.microsoft.com/office/drawing/2014/main" id="{A5065C4F-215B-CD4F-153B-CCFFFAD362B7}"/>
+              </a:ext>
+            </a:extLst>
+          </p:cNvPr>
+          <p:cNvSpPr>
+            <a:spLocks noGrp="1"/>
+          </p:cNvSpPr>
+          <p:nvPr>
+            <p:ph idx="1"/>
+          </p:nvPr>
+        </p:nvSpPr>
+        <p:spPr/>
+        <p:txBody>
+          <a:bodyPr/>
+          <a:lstStyle/>
+          <a:p>
+            <a:r>
+              <a:rPr lang="en-US" dirty="0"/>
+              <a:t>Uses expression trees and </a:t>
+            </a:r>
+            <a:r>
+              <a:rPr lang="en-US" dirty="0" err="1"/>
+              <a:t>linq</a:t>
+            </a:r>
+            <a:endParaRPr lang="en-US" dirty="0"/>
+          </a:p>
+          <a:p>
+            <a:r>
+              <a:rPr lang="en-US" dirty="0"/>
+              <a:t>Strong-Typed</a:t>
+            </a:r>
+          </a:p>
+          <a:p>
+            <a:r>
+              <a:rPr lang="en-US" dirty="0"/>
+              <a:t>IntelliSense support</a:t>
+            </a:r>
+          </a:p>
+          <a:p>
+            <a:r>
+              <a:rPr lang="en-US" dirty="0"/>
+              <a:t>EZ to master</a:t>
+            </a:r>
+          </a:p>
+          <a:p>
+            <a:r>
+              <a:rPr lang="en-US" dirty="0"/>
+              <a:t>No need to read documentation (as authors claim)</a:t>
+            </a:r>
+            <a:br>
+              <a:rPr lang="en-US" dirty="0"/>
+            </a:br>
+            <a:endParaRPr lang="en-US" dirty="0"/>
+          </a:p>
+          <a:p>
+            <a:endParaRPr lang="en-US" dirty="0"/>
+          </a:p>
+          <a:p>
+            <a:r>
+              <a:rPr lang="en-US" dirty="0"/>
+              <a:t>Can mock classes and interfaces</a:t>
+            </a:r>
+          </a:p>
+        </p:txBody>
+      </p:sp>
+      <p:pic>
+        <p:nvPicPr>
+          <p:cNvPr id="5" name="Picture 4">
+            <a:extLst>
+              <a:ext uri="{FF2B5EF4-FFF2-40B4-BE49-F238E27FC236}">
+                <a16:creationId xmlns:a16="http://schemas.microsoft.com/office/drawing/2014/main" id="{26940F2F-80A9-A7B8-A2AD-E5498EDF7900}"/>
+              </a:ext>
+            </a:extLst>
+          </p:cNvPr>
+          <p:cNvPicPr>
+            <a:picLocks noChangeAspect="1"/>
+          </p:cNvPicPr>
+          <p:nvPr/>
+        </p:nvPicPr>
+        <p:blipFill>
+          <a:blip r:embed="rId2"/>
+          <a:stretch>
+            <a:fillRect/>
+          </a:stretch>
+        </p:blipFill>
+        <p:spPr>
+          <a:xfrm>
+            <a:off x="1967914" y="4310815"/>
+            <a:ext cx="5400675" cy="514350"/>
+          </a:xfrm>
+          <a:prstGeom prst="rect">
+            <a:avLst/>
+          </a:prstGeom>
+        </p:spPr>
+      </p:pic>
+    </p:spTree>
+    <p:extLst>
+      <p:ext uri="{BB962C8B-B14F-4D97-AF65-F5344CB8AC3E}">
+        <p14:creationId xmlns:p14="http://schemas.microsoft.com/office/powerpoint/2010/main" val="3138123416"/>
+      </p:ext>
+    </p:extLst>
+  </p:cSld>
+  <p:clrMapOvr>
+    <a:masterClrMapping/>
+  </p:clrMapOvr>
+</p:sld>
+</file>
+
+<file path=ppt/slides/slide7.xml><?xml version="1.0" encoding="utf-8"?>
+<p:sld xmlns:a="http://schemas.openxmlformats.org/drawingml/2006/main" xmlns:r="http://schemas.openxmlformats.org/officeDocument/2006/relationships" xmlns:p="http://schemas.openxmlformats.org/presentationml/2006/main">
+  <p:cSld>
+    <p:spTree>
+      <p:nvGrpSpPr>
+        <p:cNvPr id="1" name=""/>
+        <p:cNvGrpSpPr/>
+        <p:nvPr/>
+      </p:nvGrpSpPr>
+      <p:grpSpPr>
+        <a:xfrm>
+          <a:off x="0" y="0"/>
+          <a:ext cx="0" cy="0"/>
+          <a:chOff x="0" y="0"/>
+          <a:chExt cx="0" cy="0"/>
+        </a:xfrm>
+      </p:grpSpPr>
+      <p:sp>
+        <p:nvSpPr>
+          <p:cNvPr id="2" name="Title 1">
+            <a:extLst>
+              <a:ext uri="{FF2B5EF4-FFF2-40B4-BE49-F238E27FC236}">
+                <a16:creationId xmlns:a16="http://schemas.microsoft.com/office/drawing/2014/main" id="{EF002939-4C68-EAA9-D373-CC5FB6702FF7}"/>
+              </a:ext>
+            </a:extLst>
+          </p:cNvPr>
+          <p:cNvSpPr>
+            <a:spLocks noGrp="1"/>
+          </p:cNvSpPr>
+          <p:nvPr>
+            <p:ph type="ctrTitle"/>
+          </p:nvPr>
+        </p:nvSpPr>
+        <p:spPr>
+          <a:xfrm>
+            <a:off x="4876799" y="2176549"/>
+            <a:ext cx="5676901" cy="1447466"/>
+          </a:xfrm>
+        </p:spPr>
+        <p:txBody>
+          <a:bodyPr>
+            <a:normAutofit/>
+          </a:bodyPr>
+          <a:lstStyle/>
+          <a:p>
+            <a:r>
+              <a:rPr lang="en-US" sz="3200"/>
+              <a:t>NSubstitute</a:t>
+            </a:r>
+          </a:p>
+        </p:txBody>
+      </p:sp>
+      <p:sp>
+        <p:nvSpPr>
+          <p:cNvPr id="24" name="Subtitle 2">
+            <a:extLst>
+              <a:ext uri="{FF2B5EF4-FFF2-40B4-BE49-F238E27FC236}">
+                <a16:creationId xmlns:a16="http://schemas.microsoft.com/office/drawing/2014/main" id="{E0BA1E29-6B4E-4DB4-8C92-84293BC9E84C}"/>
+              </a:ext>
+            </a:extLst>
+          </p:cNvPr>
+          <p:cNvSpPr>
+            <a:spLocks noGrp="1"/>
+          </p:cNvSpPr>
+          <p:nvPr>
+            <p:ph type="subTitle" idx="1"/>
+          </p:nvPr>
+        </p:nvSpPr>
+        <p:spPr>
+          <a:xfrm>
+            <a:off x="4876799" y="3858564"/>
+            <a:ext cx="5676901" cy="1061184"/>
+          </a:xfrm>
+        </p:spPr>
+        <p:txBody>
+          <a:bodyPr>
+            <a:normAutofit/>
+          </a:bodyPr>
+          <a:lstStyle/>
+          <a:p>
+            <a:endParaRPr lang="en-US" sz="1600" dirty="0"/>
+          </a:p>
+        </p:txBody>
+      </p:sp>
+      <p:pic>
+        <p:nvPicPr>
+          <p:cNvPr id="20" name="Picture 19" descr="A dna strand with dots and circles&#10;&#10;Description automatically generated">
+            <a:extLst>
+              <a:ext uri="{FF2B5EF4-FFF2-40B4-BE49-F238E27FC236}">
+                <a16:creationId xmlns:a16="http://schemas.microsoft.com/office/drawing/2014/main" id="{7D4D2BC2-074B-B7E9-F493-652B72241D50}"/>
+              </a:ext>
+            </a:extLst>
+          </p:cNvPr>
+          <p:cNvPicPr>
+            <a:picLocks noChangeAspect="1"/>
+          </p:cNvPicPr>
+          <p:nvPr/>
+        </p:nvPicPr>
+        <p:blipFill rotWithShape="1">
+          <a:blip r:embed="rId2"/>
+          <a:srcRect t="312" r="2" b="2"/>
+          <a:stretch/>
+        </p:blipFill>
+        <p:spPr>
+          <a:xfrm>
+            <a:off x="-1" y="1371600"/>
+            <a:ext cx="4076699" cy="4114800"/>
+          </a:xfrm>
+          <a:prstGeom prst="rect">
+            <a:avLst/>
+          </a:prstGeom>
+          <a:noFill/>
+        </p:spPr>
+      </p:pic>
+      <p:sp>
+        <p:nvSpPr>
+          <p:cNvPr id="9" name="Date Placeholder 3">
+            <a:extLst>
+              <a:ext uri="{FF2B5EF4-FFF2-40B4-BE49-F238E27FC236}">
+                <a16:creationId xmlns:a16="http://schemas.microsoft.com/office/drawing/2014/main" id="{AAE0E13E-A36D-4A53-8436-CA54193D1CE4}"/>
+              </a:ext>
+            </a:extLst>
+          </p:cNvPr>
+          <p:cNvSpPr>
+            <a:spLocks noGrp="1"/>
+          </p:cNvSpPr>
+          <p:nvPr>
+            <p:ph type="dt" sz="half" idx="10"/>
+          </p:nvPr>
+        </p:nvSpPr>
+        <p:spPr>
+          <a:xfrm rot="5400000">
+            <a:off x="-1001475" y="1517536"/>
+            <a:ext cx="2801123" cy="365125"/>
+          </a:xfrm>
+        </p:spPr>
+        <p:txBody>
+          <a:bodyPr>
+            <a:normAutofit/>
+          </a:bodyPr>
+          <a:lstStyle/>
+          <a:p>
+            <a:pPr>
+              <a:spcAft>
+                <a:spcPts val="600"/>
+              </a:spcAft>
+            </a:pPr>
+            <a:fld id="{6F6F7A39-68A7-4893-A9DB-DDE788E6BFBA}" type="datetime1">
+              <a:rPr lang="en-US" smtClean="0"/>
+              <a:pPr>
+                <a:spcAft>
+                  <a:spcPts val="600"/>
+                </a:spcAft>
+              </a:pPr>
+              <a:t>8/16/2023</a:t>
+            </a:fld>
+            <a:endParaRPr lang="en-US"/>
+          </a:p>
+        </p:txBody>
+      </p:sp>
+      <p:sp>
+        <p:nvSpPr>
+          <p:cNvPr id="11" name="Footer Placeholder 4">
+            <a:extLst>
+              <a:ext uri="{FF2B5EF4-FFF2-40B4-BE49-F238E27FC236}">
+                <a16:creationId xmlns:a16="http://schemas.microsoft.com/office/drawing/2014/main" id="{4428F461-242C-46E6-B120-73EE41EDFFA1}"/>
+              </a:ext>
+            </a:extLst>
+          </p:cNvPr>
+          <p:cNvSpPr>
+            <a:spLocks noGrp="1"/>
+          </p:cNvSpPr>
+          <p:nvPr>
+            <p:ph type="ftr" sz="quarter" idx="11"/>
+          </p:nvPr>
+        </p:nvSpPr>
+        <p:spPr>
+          <a:xfrm rot="5400000">
+            <a:off x="10118764" y="4237870"/>
+            <a:ext cx="3344053" cy="365125"/>
+          </a:xfrm>
+        </p:spPr>
+        <p:txBody>
+          <a:bodyPr>
+            <a:normAutofit/>
+          </a:bodyPr>
+          <a:lstStyle/>
+          <a:p>
+            <a:pPr>
+              <a:spcAft>
+                <a:spcPts val="600"/>
+              </a:spcAft>
+            </a:pPr>
+            <a:r>
+              <a:rPr lang="en-US"/>
+              <a:t>Sample Footer Text</a:t>
+            </a:r>
+          </a:p>
+        </p:txBody>
+      </p:sp>
+      <p:sp>
+        <p:nvSpPr>
+          <p:cNvPr id="13" name="Slide Number Placeholder 5">
+            <a:extLst>
+              <a:ext uri="{FF2B5EF4-FFF2-40B4-BE49-F238E27FC236}">
+                <a16:creationId xmlns:a16="http://schemas.microsoft.com/office/drawing/2014/main" id="{D61641D1-39F6-45D5-A871-0729C059ED7C}"/>
+              </a:ext>
+            </a:extLst>
+          </p:cNvPr>
+          <p:cNvSpPr>
+            <a:spLocks noGrp="1"/>
+          </p:cNvSpPr>
+          <p:nvPr>
+            <p:ph type="sldNum" sz="quarter" idx="12"/>
+          </p:nvPr>
+        </p:nvSpPr>
+        <p:spPr>
+          <a:xfrm>
+            <a:off x="11228877" y="6319138"/>
+            <a:ext cx="710647" cy="365125"/>
+          </a:xfrm>
+        </p:spPr>
+        <p:txBody>
+          <a:bodyPr>
+            <a:normAutofit/>
+          </a:bodyPr>
+          <a:lstStyle/>
+          <a:p>
+            <a:pPr>
+              <a:spcAft>
+                <a:spcPts val="600"/>
+              </a:spcAft>
+            </a:pPr>
+            <a:fld id="{CB43FFD5-6656-4C69-9CDD-D1B69A112D7A}" type="slidenum">
+              <a:rPr lang="en-US" smtClean="0"/>
+              <a:pPr>
+                <a:spcAft>
+                  <a:spcPts val="600"/>
+                </a:spcAft>
+              </a:pPr>
+              <a:t>7</a:t>
+            </a:fld>
+            <a:endParaRPr lang="en-US"/>
+          </a:p>
+        </p:txBody>
+      </p:sp>
+    </p:spTree>
+    <p:extLst>
+      <p:ext uri="{BB962C8B-B14F-4D97-AF65-F5344CB8AC3E}">
+        <p14:creationId xmlns:p14="http://schemas.microsoft.com/office/powerpoint/2010/main" val="1595908076"/>
+      </p:ext>
+    </p:extLst>
+  </p:cSld>
+  <p:clrMapOvr>
+    <a:masterClrMapping/>
+  </p:clrMapOvr>
+</p:sld>
+</file>
+
+<file path=ppt/slides/slide8.xml><?xml version="1.0" encoding="utf-8"?>
+<p:sld xmlns:a="http://schemas.openxmlformats.org/drawingml/2006/main" xmlns:r="http://schemas.openxmlformats.org/officeDocument/2006/relationships" xmlns:p="http://schemas.openxmlformats.org/presentationml/2006/main">
+  <p:cSld>
+    <p:spTree>
+      <p:nvGrpSpPr>
+        <p:cNvPr id="1" name=""/>
+        <p:cNvGrpSpPr/>
+        <p:nvPr/>
+      </p:nvGrpSpPr>
+      <p:grpSpPr>
+        <a:xfrm>
+          <a:off x="0" y="0"/>
+          <a:ext cx="0" cy="0"/>
+          <a:chOff x="0" y="0"/>
+          <a:chExt cx="0" cy="0"/>
+        </a:xfrm>
+      </p:grpSpPr>
+      <p:sp>
+        <p:nvSpPr>
+          <p:cNvPr id="2" name="Title 1">
+            <a:extLst>
+              <a:ext uri="{FF2B5EF4-FFF2-40B4-BE49-F238E27FC236}">
+                <a16:creationId xmlns:a16="http://schemas.microsoft.com/office/drawing/2014/main" id="{B8433FB6-9A65-659A-85C4-3C72D71271DC}"/>
+              </a:ext>
+            </a:extLst>
+          </p:cNvPr>
+          <p:cNvSpPr>
+            <a:spLocks noGrp="1"/>
+          </p:cNvSpPr>
+          <p:nvPr>
+            <p:ph type="ctrTitle"/>
+          </p:nvPr>
+        </p:nvSpPr>
+        <p:spPr>
+          <a:xfrm>
+            <a:off x="6477000" y="2057400"/>
+            <a:ext cx="3274281" cy="1566615"/>
+          </a:xfrm>
+        </p:spPr>
+        <p:txBody>
+          <a:bodyPr>
+            <a:normAutofit/>
+          </a:bodyPr>
+          <a:lstStyle/>
+          <a:p>
+            <a:r>
+              <a:rPr lang="en-US" sz="3200" b="1" i="0">
+                <a:effectLst/>
+              </a:rPr>
+              <a:t>Callbacks</a:t>
+            </a:r>
+            <a:br>
+              <a:rPr lang="en-US" sz="3200" b="1" i="0">
+                <a:effectLst/>
+              </a:rPr>
+            </a:br>
+            <a:endParaRPr lang="en-US" sz="3200"/>
+          </a:p>
+        </p:txBody>
+      </p:sp>
+      <p:sp>
+        <p:nvSpPr>
+          <p:cNvPr id="10" name="Subtitle 2">
+            <a:extLst>
+              <a:ext uri="{FF2B5EF4-FFF2-40B4-BE49-F238E27FC236}">
+                <a16:creationId xmlns:a16="http://schemas.microsoft.com/office/drawing/2014/main" id="{E0BA1E29-6B4E-4DB4-8C92-84293BC9E84C}"/>
+              </a:ext>
+            </a:extLst>
+          </p:cNvPr>
+          <p:cNvSpPr>
+            <a:spLocks noGrp="1"/>
+          </p:cNvSpPr>
+          <p:nvPr>
+            <p:ph type="subTitle" idx="1"/>
+          </p:nvPr>
+        </p:nvSpPr>
+        <p:spPr>
+          <a:xfrm>
+            <a:off x="6477000" y="3852821"/>
+            <a:ext cx="3276600" cy="952305"/>
+          </a:xfrm>
+        </p:spPr>
+        <p:txBody>
+          <a:bodyPr>
+            <a:normAutofit/>
+          </a:bodyPr>
+          <a:lstStyle/>
+          <a:p>
+            <a:endParaRPr lang="en-US" sz="1600" dirty="0"/>
+          </a:p>
+        </p:txBody>
+      </p:sp>
+      <p:pic>
+        <p:nvPicPr>
+          <p:cNvPr id="5" name="Picture 4">
+            <a:extLst>
+              <a:ext uri="{FF2B5EF4-FFF2-40B4-BE49-F238E27FC236}">
+                <a16:creationId xmlns:a16="http://schemas.microsoft.com/office/drawing/2014/main" id="{51283A60-0D1F-35E1-1DCD-4A05AC1B6004}"/>
+              </a:ext>
+            </a:extLst>
+          </p:cNvPr>
+          <p:cNvPicPr>
+            <a:picLocks noChangeAspect="1"/>
+          </p:cNvPicPr>
+          <p:nvPr/>
+        </p:nvPicPr>
+        <p:blipFill rotWithShape="1">
+          <a:blip r:embed="rId2"/>
+          <a:srcRect r="4800" b="2"/>
+          <a:stretch/>
+        </p:blipFill>
+        <p:spPr>
+          <a:xfrm>
+            <a:off x="20" y="1371600"/>
+            <a:ext cx="5676880" cy="4114800"/>
+          </a:xfrm>
+          <a:prstGeom prst="rect">
+            <a:avLst/>
+          </a:prstGeom>
+          <a:noFill/>
+        </p:spPr>
+      </p:pic>
+      <p:sp>
+        <p:nvSpPr>
+          <p:cNvPr id="12" name="Date Placeholder 3">
+            <a:extLst>
+              <a:ext uri="{FF2B5EF4-FFF2-40B4-BE49-F238E27FC236}">
+                <a16:creationId xmlns:a16="http://schemas.microsoft.com/office/drawing/2014/main" id="{A747ACEA-022F-4B50-95C2-8E72A4354531}"/>
+              </a:ext>
+            </a:extLst>
+          </p:cNvPr>
+          <p:cNvSpPr>
+            <a:spLocks noGrp="1"/>
+          </p:cNvSpPr>
+          <p:nvPr>
+            <p:ph type="dt" sz="half" idx="10"/>
+          </p:nvPr>
+        </p:nvSpPr>
+        <p:spPr>
+          <a:xfrm rot="5400000">
+            <a:off x="-1001475" y="1517536"/>
+            <a:ext cx="2801123" cy="365125"/>
+          </a:xfrm>
+        </p:spPr>
+        <p:txBody>
+          <a:bodyPr/>
+          <a:lstStyle/>
+          <a:p>
+            <a:pPr>
+              <a:spcAft>
+                <a:spcPts val="600"/>
+              </a:spcAft>
+            </a:pPr>
+            <a:fld id="{A85ED789-C300-4C51-9504-1FD1D1C4BFDC}" type="datetime1">
+              <a:rPr lang="en-US" smtClean="0"/>
+              <a:pPr>
+                <a:spcAft>
+                  <a:spcPts val="600"/>
+                </a:spcAft>
+              </a:pPr>
+              <a:t>8/16/2023</a:t>
+            </a:fld>
+            <a:endParaRPr lang="en-US"/>
+          </a:p>
+        </p:txBody>
+      </p:sp>
+      <p:sp>
+        <p:nvSpPr>
+          <p:cNvPr id="14" name="Footer Placeholder 4">
+            <a:extLst>
+              <a:ext uri="{FF2B5EF4-FFF2-40B4-BE49-F238E27FC236}">
+                <a16:creationId xmlns:a16="http://schemas.microsoft.com/office/drawing/2014/main" id="{1F23AA28-8D1C-46B1-BD58-1CF923140639}"/>
+              </a:ext>
+            </a:extLst>
+          </p:cNvPr>
+          <p:cNvSpPr>
+            <a:spLocks noGrp="1"/>
+          </p:cNvSpPr>
+          <p:nvPr>
+            <p:ph type="ftr" sz="quarter" idx="11"/>
+          </p:nvPr>
+        </p:nvSpPr>
+        <p:spPr>
+          <a:xfrm rot="5400000">
+            <a:off x="10118764" y="4237870"/>
+            <a:ext cx="3344053" cy="365125"/>
+          </a:xfrm>
+        </p:spPr>
+        <p:txBody>
+          <a:bodyPr/>
+          <a:lstStyle/>
+          <a:p>
+            <a:pPr>
+              <a:spcAft>
+                <a:spcPts val="600"/>
+              </a:spcAft>
+            </a:pPr>
+            <a:r>
+              <a:rPr lang="en-US"/>
+              <a:t>Sample Footer Text</a:t>
+            </a:r>
+          </a:p>
+        </p:txBody>
+      </p:sp>
+      <p:sp>
+        <p:nvSpPr>
+          <p:cNvPr id="16" name="Slide Number Placeholder 5">
+            <a:extLst>
+              <a:ext uri="{FF2B5EF4-FFF2-40B4-BE49-F238E27FC236}">
+                <a16:creationId xmlns:a16="http://schemas.microsoft.com/office/drawing/2014/main" id="{9079F938-31E8-465A-A263-CF054575354E}"/>
+              </a:ext>
+            </a:extLst>
+          </p:cNvPr>
+          <p:cNvSpPr>
+            <a:spLocks noGrp="1"/>
+          </p:cNvSpPr>
+          <p:nvPr>
+            <p:ph type="sldNum" sz="quarter" idx="12"/>
+          </p:nvPr>
+        </p:nvSpPr>
+        <p:spPr>
+          <a:xfrm>
+            <a:off x="11228877" y="6319138"/>
+            <a:ext cx="710647" cy="365125"/>
+          </a:xfrm>
+        </p:spPr>
+        <p:txBody>
+          <a:bodyPr/>
+          <a:lstStyle/>
+          <a:p>
+            <a:pPr>
+              <a:spcAft>
+                <a:spcPts val="600"/>
+              </a:spcAft>
+            </a:pPr>
+            <a:fld id="{38AB6432-E879-4FE7-87DD-5FEE9CC88187}" type="slidenum">
+              <a:rPr lang="en-US" smtClean="0"/>
+              <a:pPr>
+                <a:spcAft>
+                  <a:spcPts val="600"/>
+                </a:spcAft>
+              </a:pPr>
+              <a:t>8</a:t>
+            </a:fld>
+            <a:endParaRPr lang="en-US"/>
+          </a:p>
+        </p:txBody>
+      </p:sp>
+    </p:spTree>
+    <p:extLst>
+      <p:ext uri="{BB962C8B-B14F-4D97-AF65-F5344CB8AC3E}">
+        <p14:creationId xmlns:p14="http://schemas.microsoft.com/office/powerpoint/2010/main" val="944681197"/>
+      </p:ext>
+    </p:extLst>
+  </p:cSld>
+  <p:clrMapOvr>
+    <a:masterClrMapping/>
+  </p:clrMapOvr>
+</p:sld>
+</file>
+
+<file path=ppt/slides/slide9.xml><?xml version="1.0" encoding="utf-8"?>
+<p:sld xmlns:a="http://schemas.openxmlformats.org/drawingml/2006/main" xmlns:r="http://schemas.openxmlformats.org/officeDocument/2006/relationships" xmlns:p="http://schemas.openxmlformats.org/presentationml/2006/main">
+  <p:cSld>
+    <p:spTree>
+      <p:nvGrpSpPr>
+        <p:cNvPr id="1" name=""/>
+        <p:cNvGrpSpPr/>
+        <p:nvPr/>
+      </p:nvGrpSpPr>
+      <p:grpSpPr>
+        <a:xfrm>
+          <a:off x="0" y="0"/>
+          <a:ext cx="0" cy="0"/>
+          <a:chOff x="0" y="0"/>
+          <a:chExt cx="0" cy="0"/>
+        </a:xfrm>
+      </p:grpSpPr>
+      <p:sp>
+        <p:nvSpPr>
+          <p:cNvPr id="2" name="Title 1">
+            <a:extLst>
+              <a:ext uri="{FF2B5EF4-FFF2-40B4-BE49-F238E27FC236}">
+                <a16:creationId xmlns:a16="http://schemas.microsoft.com/office/drawing/2014/main" id="{1CC91F78-3844-F628-CE75-621D63F9438F}"/>
+              </a:ext>
+            </a:extLst>
+          </p:cNvPr>
+          <p:cNvSpPr>
+            <a:spLocks noGrp="1"/>
+          </p:cNvSpPr>
+          <p:nvPr>
+            <p:ph type="ctrTitle"/>
+          </p:nvPr>
+        </p:nvSpPr>
+        <p:spPr>
+          <a:xfrm>
+            <a:off x="6477000" y="2057400"/>
+            <a:ext cx="3274281" cy="1566615"/>
+          </a:xfrm>
+        </p:spPr>
+        <p:txBody>
+          <a:bodyPr>
+            <a:normAutofit/>
+          </a:bodyPr>
+          <a:lstStyle/>
+          <a:p>
+            <a:r>
+              <a:rPr lang="en-US" sz="3200"/>
+              <a:t>Callback Builder</a:t>
+            </a:r>
+          </a:p>
+        </p:txBody>
+      </p:sp>
+      <p:sp>
+        <p:nvSpPr>
+          <p:cNvPr id="10" name="Subtitle 2">
+            <a:extLst>
+              <a:ext uri="{FF2B5EF4-FFF2-40B4-BE49-F238E27FC236}">
+                <a16:creationId xmlns:a16="http://schemas.microsoft.com/office/drawing/2014/main" id="{E0BA1E29-6B4E-4DB4-8C92-84293BC9E84C}"/>
+              </a:ext>
+            </a:extLst>
+          </p:cNvPr>
+          <p:cNvSpPr>
+            <a:spLocks noGrp="1"/>
+          </p:cNvSpPr>
+          <p:nvPr>
+            <p:ph type="subTitle" idx="1"/>
+          </p:nvPr>
+        </p:nvSpPr>
+        <p:spPr>
+          <a:xfrm>
+            <a:off x="6477000" y="3852821"/>
+            <a:ext cx="3276600" cy="952305"/>
+          </a:xfrm>
+        </p:spPr>
+        <p:txBody>
+          <a:bodyPr>
+            <a:normAutofit/>
+          </a:bodyPr>
+          <a:lstStyle/>
+          <a:p>
+            <a:endParaRPr lang="en-US" sz="1600" dirty="0"/>
+          </a:p>
+        </p:txBody>
+      </p:sp>
+      <p:pic>
+        <p:nvPicPr>
+          <p:cNvPr id="5" name="Picture 4">
+            <a:extLst>
+              <a:ext uri="{FF2B5EF4-FFF2-40B4-BE49-F238E27FC236}">
+                <a16:creationId xmlns:a16="http://schemas.microsoft.com/office/drawing/2014/main" id="{7DB95FE1-C654-A644-69D6-36498AFB4C33}"/>
+              </a:ext>
+            </a:extLst>
+          </p:cNvPr>
+          <p:cNvPicPr>
+            <a:picLocks noChangeAspect="1"/>
+          </p:cNvPicPr>
+          <p:nvPr/>
+        </p:nvPicPr>
+        <p:blipFill rotWithShape="1">
+          <a:blip r:embed="rId2"/>
+          <a:srcRect t="1506" r="5" b="5"/>
+          <a:stretch/>
+        </p:blipFill>
+        <p:spPr>
+          <a:xfrm>
+            <a:off x="20" y="1371600"/>
+            <a:ext cx="5676880" cy="4114800"/>
+          </a:xfrm>
+          <a:prstGeom prst="rect">
+            <a:avLst/>
+          </a:prstGeom>
+          <a:noFill/>
+        </p:spPr>
+      </p:pic>
+      <p:sp>
+        <p:nvSpPr>
+          <p:cNvPr id="12" name="Date Placeholder 3">
+            <a:extLst>
+              <a:ext uri="{FF2B5EF4-FFF2-40B4-BE49-F238E27FC236}">
+                <a16:creationId xmlns:a16="http://schemas.microsoft.com/office/drawing/2014/main" id="{A747ACEA-022F-4B50-95C2-8E72A4354531}"/>
+              </a:ext>
+            </a:extLst>
+          </p:cNvPr>
+          <p:cNvSpPr>
+            <a:spLocks noGrp="1"/>
+          </p:cNvSpPr>
+          <p:nvPr>
+            <p:ph type="dt" sz="half" idx="10"/>
+          </p:nvPr>
+        </p:nvSpPr>
+        <p:spPr>
+          <a:xfrm rot="5400000">
+            <a:off x="-1001475" y="1517536"/>
+            <a:ext cx="2801123" cy="365125"/>
+          </a:xfrm>
+        </p:spPr>
+        <p:txBody>
+          <a:bodyPr/>
+          <a:lstStyle/>
+          <a:p>
+            <a:pPr>
+              <a:spcAft>
+                <a:spcPts val="600"/>
+              </a:spcAft>
+            </a:pPr>
+            <a:fld id="{A85ED789-C300-4C51-9504-1FD1D1C4BFDC}" type="datetime1">
+              <a:rPr lang="en-US" smtClean="0"/>
+              <a:pPr>
+                <a:spcAft>
+                  <a:spcPts val="600"/>
+                </a:spcAft>
+              </a:pPr>
+              <a:t>8/16/2023</a:t>
+            </a:fld>
+            <a:endParaRPr lang="en-US"/>
+          </a:p>
+        </p:txBody>
+      </p:sp>
+      <p:sp>
+        <p:nvSpPr>
+          <p:cNvPr id="14" name="Footer Placeholder 4">
+            <a:extLst>
+              <a:ext uri="{FF2B5EF4-FFF2-40B4-BE49-F238E27FC236}">
+                <a16:creationId xmlns:a16="http://schemas.microsoft.com/office/drawing/2014/main" id="{1F23AA28-8D1C-46B1-BD58-1CF923140639}"/>
+              </a:ext>
+            </a:extLst>
+          </p:cNvPr>
+          <p:cNvSpPr>
+            <a:spLocks noGrp="1"/>
+          </p:cNvSpPr>
+          <p:nvPr>
+            <p:ph type="ftr" sz="quarter" idx="11"/>
+          </p:nvPr>
+        </p:nvSpPr>
+        <p:spPr>
+          <a:xfrm rot="5400000">
+            <a:off x="10118764" y="4237870"/>
+            <a:ext cx="3344053" cy="365125"/>
+          </a:xfrm>
+        </p:spPr>
+        <p:txBody>
+          <a:bodyPr/>
+          <a:lstStyle/>
+          <a:p>
+            <a:pPr>
+              <a:spcAft>
+                <a:spcPts val="600"/>
+              </a:spcAft>
+            </a:pPr>
+            <a:r>
+              <a:rPr lang="en-US"/>
+              <a:t>Sample Footer Text</a:t>
+            </a:r>
+          </a:p>
+        </p:txBody>
+      </p:sp>
+      <p:sp>
+        <p:nvSpPr>
+          <p:cNvPr id="16" name="Slide Number Placeholder 5">
+            <a:extLst>
+              <a:ext uri="{FF2B5EF4-FFF2-40B4-BE49-F238E27FC236}">
+                <a16:creationId xmlns:a16="http://schemas.microsoft.com/office/drawing/2014/main" id="{9079F938-31E8-465A-A263-CF054575354E}"/>
+              </a:ext>
+            </a:extLst>
+          </p:cNvPr>
+          <p:cNvSpPr>
+            <a:spLocks noGrp="1"/>
+          </p:cNvSpPr>
+          <p:nvPr>
+            <p:ph type="sldNum" sz="quarter" idx="12"/>
+          </p:nvPr>
+        </p:nvSpPr>
+        <p:spPr>
+          <a:xfrm>
+            <a:off x="11228877" y="6319138"/>
+            <a:ext cx="710647" cy="365125"/>
+          </a:xfrm>
+        </p:spPr>
+        <p:txBody>
+          <a:bodyPr/>
+          <a:lstStyle/>
+          <a:p>
+            <a:pPr>
+              <a:spcAft>
+                <a:spcPts val="600"/>
+              </a:spcAft>
+            </a:pPr>
+            <a:fld id="{38AB6432-E879-4FE7-87DD-5FEE9CC88187}" type="slidenum">
+              <a:rPr lang="en-US" smtClean="0"/>
+              <a:pPr>
+                <a:spcAft>
+                  <a:spcPts val="600"/>
+                </a:spcAft>
+              </a:pPr>
+              <a:t>9</a:t>
+            </a:fld>
+            <a:endParaRPr lang="en-US"/>
+          </a:p>
+        </p:txBody>
+      </p:sp>
+    </p:spTree>
+    <p:extLst>
+      <p:ext uri="{BB962C8B-B14F-4D97-AF65-F5344CB8AC3E}">
+        <p14:creationId xmlns:p14="http://schemas.microsoft.com/office/powerpoint/2010/main" val="1612723895"/>
+      </p:ext>
+    </p:extLst>
+  </p:cSld>
+  <p:clrMapOvr>
+    <a:masterClrMapping/>
+  </p:clrMapOvr>
+</p:sld>
+</file>
+
 <file path=ppt/theme/theme1.xml><?xml version="1.0" encoding="utf-8"?>
 <a:theme xmlns:a="http://schemas.openxmlformats.org/drawingml/2006/main" name="EncaseVTI">
   <a:themeElements>
